--- a/PPTs/Lecture 1-course overview.pptx
+++ b/PPTs/Lecture 1-course overview.pptx
@@ -217,7 +217,7 @@
           <a:p>
             <a:fld id="{42A0EB13-15AA-4F17-85B5-7D7BBF18EB40}" type="datetimeFigureOut">
               <a:rPr lang="en-SE" smtClean="0"/>
-              <a:t>2024-09-04</a:t>
+              <a:t>2024-09-17</a:t>
             </a:fld>
             <a:endParaRPr lang="en-SE"/>
           </a:p>
@@ -760,7 +760,7 @@
           <a:p>
             <a:fld id="{FB221443-D73C-634A-A910-7320408C156D}" type="datetimeFigureOut">
               <a:rPr lang="en-US" smtClean="0"/>
-              <a:t>9/4/2024</a:t>
+              <a:t>9/17/2024</a:t>
             </a:fld>
             <a:endParaRPr lang="en-US"/>
           </a:p>
@@ -930,7 +930,7 @@
           <a:p>
             <a:fld id="{FB221443-D73C-634A-A910-7320408C156D}" type="datetimeFigureOut">
               <a:rPr lang="en-US" smtClean="0"/>
-              <a:t>9/4/2024</a:t>
+              <a:t>9/17/2024</a:t>
             </a:fld>
             <a:endParaRPr lang="en-US"/>
           </a:p>
@@ -1110,7 +1110,7 @@
           <a:p>
             <a:fld id="{FB221443-D73C-634A-A910-7320408C156D}" type="datetimeFigureOut">
               <a:rPr lang="en-US" smtClean="0"/>
-              <a:t>9/4/2024</a:t>
+              <a:t>9/17/2024</a:t>
             </a:fld>
             <a:endParaRPr lang="en-US"/>
           </a:p>
@@ -1280,7 +1280,7 @@
           <a:p>
             <a:fld id="{FB221443-D73C-634A-A910-7320408C156D}" type="datetimeFigureOut">
               <a:rPr lang="en-US" smtClean="0"/>
-              <a:t>9/4/2024</a:t>
+              <a:t>9/17/2024</a:t>
             </a:fld>
             <a:endParaRPr lang="en-US"/>
           </a:p>
@@ -1526,7 +1526,7 @@
           <a:p>
             <a:fld id="{FB221443-D73C-634A-A910-7320408C156D}" type="datetimeFigureOut">
               <a:rPr lang="en-US" smtClean="0"/>
-              <a:t>9/4/2024</a:t>
+              <a:t>9/17/2024</a:t>
             </a:fld>
             <a:endParaRPr lang="en-US"/>
           </a:p>
@@ -1814,7 +1814,7 @@
           <a:p>
             <a:fld id="{FB221443-D73C-634A-A910-7320408C156D}" type="datetimeFigureOut">
               <a:rPr lang="en-US" smtClean="0"/>
-              <a:t>9/4/2024</a:t>
+              <a:t>9/17/2024</a:t>
             </a:fld>
             <a:endParaRPr lang="en-US"/>
           </a:p>
@@ -2236,7 +2236,7 @@
           <a:p>
             <a:fld id="{FB221443-D73C-634A-A910-7320408C156D}" type="datetimeFigureOut">
               <a:rPr lang="en-US" smtClean="0"/>
-              <a:t>9/4/2024</a:t>
+              <a:t>9/17/2024</a:t>
             </a:fld>
             <a:endParaRPr lang="en-US"/>
           </a:p>
@@ -2354,7 +2354,7 @@
           <a:p>
             <a:fld id="{FB221443-D73C-634A-A910-7320408C156D}" type="datetimeFigureOut">
               <a:rPr lang="en-US" smtClean="0"/>
-              <a:t>9/4/2024</a:t>
+              <a:t>9/17/2024</a:t>
             </a:fld>
             <a:endParaRPr lang="en-US"/>
           </a:p>
@@ -2449,7 +2449,7 @@
           <a:p>
             <a:fld id="{FB221443-D73C-634A-A910-7320408C156D}" type="datetimeFigureOut">
               <a:rPr lang="en-US" smtClean="0"/>
-              <a:t>9/4/2024</a:t>
+              <a:t>9/17/2024</a:t>
             </a:fld>
             <a:endParaRPr lang="en-US"/>
           </a:p>
@@ -2726,7 +2726,7 @@
           <a:p>
             <a:fld id="{FB221443-D73C-634A-A910-7320408C156D}" type="datetimeFigureOut">
               <a:rPr lang="en-US" smtClean="0"/>
-              <a:t>9/4/2024</a:t>
+              <a:t>9/17/2024</a:t>
             </a:fld>
             <a:endParaRPr lang="en-US"/>
           </a:p>
@@ -2979,7 +2979,7 @@
           <a:p>
             <a:fld id="{FB221443-D73C-634A-A910-7320408C156D}" type="datetimeFigureOut">
               <a:rPr lang="en-US" smtClean="0"/>
-              <a:t>9/4/2024</a:t>
+              <a:t>9/17/2024</a:t>
             </a:fld>
             <a:endParaRPr lang="en-US"/>
           </a:p>
@@ -3192,7 +3192,7 @@
           <a:p>
             <a:fld id="{FB221443-D73C-634A-A910-7320408C156D}" type="datetimeFigureOut">
               <a:rPr lang="en-US" smtClean="0"/>
-              <a:t>9/4/2024</a:t>
+              <a:t>9/17/2024</a:t>
             </a:fld>
             <a:endParaRPr lang="en-US"/>
           </a:p>
@@ -3770,25 +3770,7 @@
           <a:lstStyle/>
           <a:p>
             <a:r>
-              <a:rPr lang="en-GB" sz="2000">
-                <a:solidFill>
-                  <a:schemeClr val="tx1"/>
-                </a:solidFill>
-              </a:rPr>
-              <a:t>Z. </a:t>
-            </a:r>
-            <a:r>
-              <a:rPr lang="en-GB" sz="2000" dirty="0">
-                <a:solidFill>
-                  <a:schemeClr val="tx1"/>
-                </a:solidFill>
-              </a:rPr>
-              <a:t>Gu</a:t>
-            </a:r>
-          </a:p>
-          <a:p>
-            <a:r>
-              <a:rPr lang="en-US" sz="2000" dirty="0">
+              <a:rPr lang="en-US" sz="2000">
                 <a:solidFill>
                   <a:schemeClr val="tx1"/>
                 </a:solidFill>

--- a/PPTs/Lecture 1-course overview.pptx
+++ b/PPTs/Lecture 1-course overview.pptx
@@ -5,19 +5,16 @@
     <p:sldMasterId id="2147483648" r:id="rId1"/>
   </p:sldMasterIdLst>
   <p:notesMasterIdLst>
-    <p:notesMasterId r:id="rId12"/>
+    <p:notesMasterId r:id="rId9"/>
   </p:notesMasterIdLst>
   <p:sldIdLst>
     <p:sldId id="256" r:id="rId2"/>
     <p:sldId id="261" r:id="rId3"/>
-    <p:sldId id="262" r:id="rId4"/>
+    <p:sldId id="265" r:id="rId4"/>
     <p:sldId id="257" r:id="rId5"/>
     <p:sldId id="264" r:id="rId6"/>
-    <p:sldId id="265" r:id="rId7"/>
+    <p:sldId id="266" r:id="rId7"/>
     <p:sldId id="263" r:id="rId8"/>
-    <p:sldId id="258" r:id="rId9"/>
-    <p:sldId id="259" r:id="rId10"/>
-    <p:sldId id="260" r:id="rId11"/>
   </p:sldIdLst>
   <p:sldSz cx="9144000" cy="6858000" type="screen4x3"/>
   <p:notesSz cx="6858000" cy="9144000"/>
@@ -217,7 +214,7 @@
           <a:p>
             <a:fld id="{42A0EB13-15AA-4F17-85B5-7D7BBF18EB40}" type="datetimeFigureOut">
               <a:rPr lang="en-SE" smtClean="0"/>
-              <a:t>2024-09-17</a:t>
+              <a:t>2025-01-27</a:t>
             </a:fld>
             <a:endParaRPr lang="en-SE"/>
           </a:p>
@@ -573,6 +570,113 @@
 </p:notes>
 </file>
 
+<file path=ppt/notesSlides/notesSlide2.xml><?xml version="1.0" encoding="utf-8"?>
+<p:notes xmlns:a="http://schemas.openxmlformats.org/drawingml/2006/main" xmlns:r="http://schemas.openxmlformats.org/officeDocument/2006/relationships" xmlns:p="http://schemas.openxmlformats.org/presentationml/2006/main">
+  <p:cSld>
+    <p:spTree>
+      <p:nvGrpSpPr>
+        <p:cNvPr id="1" name=""/>
+        <p:cNvGrpSpPr/>
+        <p:nvPr/>
+      </p:nvGrpSpPr>
+      <p:grpSpPr>
+        <a:xfrm>
+          <a:off x="0" y="0"/>
+          <a:ext cx="0" cy="0"/>
+          <a:chOff x="0" y="0"/>
+          <a:chExt cx="0" cy="0"/>
+        </a:xfrm>
+      </p:grpSpPr>
+      <p:sp>
+        <p:nvSpPr>
+          <p:cNvPr id="2" name="Slide Image Placeholder 1"/>
+          <p:cNvSpPr>
+            <a:spLocks noGrp="1" noRot="1" noChangeAspect="1"/>
+          </p:cNvSpPr>
+          <p:nvPr>
+            <p:ph type="sldImg"/>
+          </p:nvPr>
+        </p:nvSpPr>
+        <p:spPr/>
+      </p:sp>
+      <p:sp>
+        <p:nvSpPr>
+          <p:cNvPr id="3" name="Notes Placeholder 2"/>
+          <p:cNvSpPr>
+            <a:spLocks noGrp="1"/>
+          </p:cNvSpPr>
+          <p:nvPr>
+            <p:ph type="body" idx="1"/>
+          </p:nvPr>
+        </p:nvSpPr>
+        <p:spPr/>
+        <p:txBody>
+          <a:bodyPr/>
+          <a:lstStyle/>
+          <a:p>
+            <a:pPr marL="0" marR="0" lvl="0" indent="0" algn="l" defTabSz="914400" rtl="0" eaLnBrk="1" fontAlgn="auto" latinLnBrk="0" hangingPunct="1">
+              <a:lnSpc>
+                <a:spcPct val="100000"/>
+              </a:lnSpc>
+              <a:spcBef>
+                <a:spcPts val="0"/>
+              </a:spcBef>
+              <a:spcAft>
+                <a:spcPts val="0"/>
+              </a:spcAft>
+              <a:buClrTx/>
+              <a:buSzTx/>
+              <a:buFontTx/>
+              <a:buNone/>
+              <a:tabLst/>
+              <a:defRPr/>
+            </a:pPr>
+            <a:r>
+              <a:rPr lang="en-US" dirty="0"/>
+              <a:t>Recommended book: Algorithms, 4th Edition by Robert Sedgewick and Kevin Wayne.</a:t>
+            </a:r>
+          </a:p>
+          <a:p>
+            <a:endParaRPr lang="en-SE" dirty="0"/>
+          </a:p>
+        </p:txBody>
+      </p:sp>
+      <p:sp>
+        <p:nvSpPr>
+          <p:cNvPr id="4" name="Slide Number Placeholder 3"/>
+          <p:cNvSpPr>
+            <a:spLocks noGrp="1"/>
+          </p:cNvSpPr>
+          <p:nvPr>
+            <p:ph type="sldNum" sz="quarter" idx="5"/>
+          </p:nvPr>
+        </p:nvSpPr>
+        <p:spPr/>
+        <p:txBody>
+          <a:bodyPr/>
+          <a:lstStyle/>
+          <a:p>
+            <a:fld id="{6AE8CD21-1CCD-4923-99C6-950C27132222}" type="slidenum">
+              <a:rPr lang="en-SE" smtClean="0"/>
+              <a:t>5</a:t>
+            </a:fld>
+            <a:endParaRPr lang="en-SE"/>
+          </a:p>
+        </p:txBody>
+      </p:sp>
+    </p:spTree>
+    <p:extLst>
+      <p:ext uri="{BB962C8B-B14F-4D97-AF65-F5344CB8AC3E}">
+        <p14:creationId xmlns:p14="http://schemas.microsoft.com/office/powerpoint/2010/main" val="4139870604"/>
+      </p:ext>
+    </p:extLst>
+  </p:cSld>
+  <p:clrMapOvr>
+    <a:masterClrMapping/>
+  </p:clrMapOvr>
+</p:notes>
+</file>
+
 <file path=ppt/slideLayouts/slideLayout1.xml><?xml version="1.0" encoding="utf-8"?>
 <p:sldLayout xmlns:a="http://schemas.openxmlformats.org/drawingml/2006/main" xmlns:r="http://schemas.openxmlformats.org/officeDocument/2006/relationships" xmlns:p="http://schemas.openxmlformats.org/presentationml/2006/main" type="title" preserve="1">
   <p:cSld name="Title Slide">
@@ -760,7 +864,7 @@
           <a:p>
             <a:fld id="{FB221443-D73C-634A-A910-7320408C156D}" type="datetimeFigureOut">
               <a:rPr lang="en-US" smtClean="0"/>
-              <a:t>9/17/2024</a:t>
+              <a:t>1/27/2025</a:t>
             </a:fld>
             <a:endParaRPr lang="en-US"/>
           </a:p>
@@ -930,7 +1034,7 @@
           <a:p>
             <a:fld id="{FB221443-D73C-634A-A910-7320408C156D}" type="datetimeFigureOut">
               <a:rPr lang="en-US" smtClean="0"/>
-              <a:t>9/17/2024</a:t>
+              <a:t>1/27/2025</a:t>
             </a:fld>
             <a:endParaRPr lang="en-US"/>
           </a:p>
@@ -1110,7 +1214,7 @@
           <a:p>
             <a:fld id="{FB221443-D73C-634A-A910-7320408C156D}" type="datetimeFigureOut">
               <a:rPr lang="en-US" smtClean="0"/>
-              <a:t>9/17/2024</a:t>
+              <a:t>1/27/2025</a:t>
             </a:fld>
             <a:endParaRPr lang="en-US"/>
           </a:p>
@@ -1280,7 +1384,7 @@
           <a:p>
             <a:fld id="{FB221443-D73C-634A-A910-7320408C156D}" type="datetimeFigureOut">
               <a:rPr lang="en-US" smtClean="0"/>
-              <a:t>9/17/2024</a:t>
+              <a:t>1/27/2025</a:t>
             </a:fld>
             <a:endParaRPr lang="en-US"/>
           </a:p>
@@ -1526,7 +1630,7 @@
           <a:p>
             <a:fld id="{FB221443-D73C-634A-A910-7320408C156D}" type="datetimeFigureOut">
               <a:rPr lang="en-US" smtClean="0"/>
-              <a:t>9/17/2024</a:t>
+              <a:t>1/27/2025</a:t>
             </a:fld>
             <a:endParaRPr lang="en-US"/>
           </a:p>
@@ -1814,7 +1918,7 @@
           <a:p>
             <a:fld id="{FB221443-D73C-634A-A910-7320408C156D}" type="datetimeFigureOut">
               <a:rPr lang="en-US" smtClean="0"/>
-              <a:t>9/17/2024</a:t>
+              <a:t>1/27/2025</a:t>
             </a:fld>
             <a:endParaRPr lang="en-US"/>
           </a:p>
@@ -2236,7 +2340,7 @@
           <a:p>
             <a:fld id="{FB221443-D73C-634A-A910-7320408C156D}" type="datetimeFigureOut">
               <a:rPr lang="en-US" smtClean="0"/>
-              <a:t>9/17/2024</a:t>
+              <a:t>1/27/2025</a:t>
             </a:fld>
             <a:endParaRPr lang="en-US"/>
           </a:p>
@@ -2354,7 +2458,7 @@
           <a:p>
             <a:fld id="{FB221443-D73C-634A-A910-7320408C156D}" type="datetimeFigureOut">
               <a:rPr lang="en-US" smtClean="0"/>
-              <a:t>9/17/2024</a:t>
+              <a:t>1/27/2025</a:t>
             </a:fld>
             <a:endParaRPr lang="en-US"/>
           </a:p>
@@ -2449,7 +2553,7 @@
           <a:p>
             <a:fld id="{FB221443-D73C-634A-A910-7320408C156D}" type="datetimeFigureOut">
               <a:rPr lang="en-US" smtClean="0"/>
-              <a:t>9/17/2024</a:t>
+              <a:t>1/27/2025</a:t>
             </a:fld>
             <a:endParaRPr lang="en-US"/>
           </a:p>
@@ -2726,7 +2830,7 @@
           <a:p>
             <a:fld id="{FB221443-D73C-634A-A910-7320408C156D}" type="datetimeFigureOut">
               <a:rPr lang="en-US" smtClean="0"/>
-              <a:t>9/17/2024</a:t>
+              <a:t>1/27/2025</a:t>
             </a:fld>
             <a:endParaRPr lang="en-US"/>
           </a:p>
@@ -2979,7 +3083,7 @@
           <a:p>
             <a:fld id="{FB221443-D73C-634A-A910-7320408C156D}" type="datetimeFigureOut">
               <a:rPr lang="en-US" smtClean="0"/>
-              <a:t>9/17/2024</a:t>
+              <a:t>1/27/2025</a:t>
             </a:fld>
             <a:endParaRPr lang="en-US"/>
           </a:p>
@@ -3192,7 +3296,7 @@
           <a:p>
             <a:fld id="{FB221443-D73C-634A-A910-7320408C156D}" type="datetimeFigureOut">
               <a:rPr lang="en-US" smtClean="0"/>
-              <a:t>9/17/2024</a:t>
+              <a:t>1/27/2025</a:t>
             </a:fld>
             <a:endParaRPr lang="en-US"/>
           </a:p>
@@ -3273,54 +3377,6 @@
               <a:t>‹#›</a:t>
             </a:fld>
             <a:endParaRPr lang="en-US"/>
-          </a:p>
-        </p:txBody>
-      </p:sp>
-      <p:sp>
-        <p:nvSpPr>
-          <p:cNvPr id="8" name="TextBox 7">
-            <a:extLst>
-              <a:ext uri="{FF2B5EF4-FFF2-40B4-BE49-F238E27FC236}">
-                <a16:creationId xmlns:a16="http://schemas.microsoft.com/office/drawing/2014/main" id="{9AAE71CB-FC86-5924-BA93-1470A136B44E}"/>
-              </a:ext>
-            </a:extLst>
-          </p:cNvPr>
-          <p:cNvSpPr txBox="1"/>
-          <p:nvPr userDrawn="1">
-            <p:extLst>
-              <p:ext uri="{1162E1C5-73C7-4A58-AE30-91384D911F3F}">
-                <p184:classification xmlns:p184="http://schemas.microsoft.com/office/powerpoint/2018/4/main" val="hdr"/>
-              </p:ext>
-            </p:extLst>
-          </p:nvPr>
-        </p:nvSpPr>
-        <p:spPr>
-          <a:xfrm>
-            <a:off x="8315325" y="63500"/>
-            <a:ext cx="787400" cy="121920"/>
-          </a:xfrm>
-          <a:prstGeom prst="rect">
-            <a:avLst/>
-          </a:prstGeom>
-        </p:spPr>
-        <p:txBody>
-          <a:bodyPr horzOverflow="overflow" lIns="0" tIns="0" rIns="0" bIns="0">
-            <a:spAutoFit/>
-          </a:bodyPr>
-          <a:lstStyle/>
-          <a:p>
-            <a:pPr algn="l"/>
-            <a:r>
-              <a:rPr lang="en-SE" sz="800">
-                <a:solidFill>
-                  <a:srgbClr val="000000"/>
-                </a:solidFill>
-                <a:latin typeface="Calibri" panose="020F0502020204030204" pitchFamily="34" charset="0"/>
-                <a:ea typeface="Calibri" panose="020F0502020204030204" pitchFamily="34" charset="0"/>
-                <a:cs typeface="Calibri" panose="020F0502020204030204" pitchFamily="34" charset="0"/>
-              </a:rPr>
-              <a:t>Begränsad delning</a:t>
-            </a:r>
           </a:p>
         </p:txBody>
       </p:sp>
@@ -3694,7 +3750,7 @@
                   <a:schemeClr val="accent1"/>
                 </a:solidFill>
               </a:rPr>
-              <a:t>Welcome</a:t>
+              <a:t>CSC</a:t>
             </a:r>
             <a:r>
               <a:rPr lang="zh-CN" altLang="en-US" dirty="0">
@@ -3705,44 +3761,12 @@
               <a:t> </a:t>
             </a:r>
             <a:r>
-              <a:rPr lang="en-US" altLang="zh-CN" dirty="0">
+              <a:rPr lang="en-US" altLang="zh-CN">
                 <a:solidFill>
                   <a:schemeClr val="accent1"/>
                 </a:solidFill>
               </a:rPr>
-              <a:t>to</a:t>
-            </a:r>
-            <a:r>
-              <a:rPr lang="zh-CN" altLang="en-US" dirty="0">
-                <a:solidFill>
-                  <a:schemeClr val="accent1"/>
-                </a:solidFill>
-              </a:rPr>
-              <a:t> </a:t>
-            </a:r>
-            <a:r>
-              <a:rPr lang="en-US" altLang="zh-CN" dirty="0">
-                <a:solidFill>
-                  <a:schemeClr val="accent1"/>
-                </a:solidFill>
-              </a:rPr>
-              <a:t>CSC</a:t>
-            </a:r>
-            <a:r>
-              <a:rPr lang="zh-CN" altLang="en-US" dirty="0">
-                <a:solidFill>
-                  <a:schemeClr val="accent1"/>
-                </a:solidFill>
-              </a:rPr>
-              <a:t> </a:t>
-            </a:r>
-            <a:r>
-              <a:rPr lang="en-US" altLang="zh-CN" dirty="0">
-                <a:solidFill>
-                  <a:schemeClr val="accent1"/>
-                </a:solidFill>
-              </a:rPr>
-              <a:t>017</a:t>
+              <a:t>017 Course Overview</a:t>
             </a:r>
             <a:endParaRPr lang="en-US" dirty="0">
               <a:solidFill>
@@ -3863,2420 +3887,6 @@
     <p:extLst>
       <p:ext uri="{BB962C8B-B14F-4D97-AF65-F5344CB8AC3E}">
         <p14:creationId xmlns:p14="http://schemas.microsoft.com/office/powerpoint/2010/main" val="1214756730"/>
-      </p:ext>
-    </p:extLst>
-  </p:cSld>
-  <p:clrMapOvr>
-    <a:masterClrMapping/>
-  </p:clrMapOvr>
-</p:sld>
-</file>
-
-<file path=ppt/slides/slide10.xml><?xml version="1.0" encoding="utf-8"?>
-<p:sld xmlns:a="http://schemas.openxmlformats.org/drawingml/2006/main" xmlns:r="http://schemas.openxmlformats.org/officeDocument/2006/relationships" xmlns:p="http://schemas.openxmlformats.org/presentationml/2006/main">
-  <p:cSld>
-    <p:spTree>
-      <p:nvGrpSpPr>
-        <p:cNvPr id="1" name=""/>
-        <p:cNvGrpSpPr/>
-        <p:nvPr/>
-      </p:nvGrpSpPr>
-      <p:grpSpPr>
-        <a:xfrm>
-          <a:off x="0" y="0"/>
-          <a:ext cx="0" cy="0"/>
-          <a:chOff x="0" y="0"/>
-          <a:chExt cx="0" cy="0"/>
-        </a:xfrm>
-      </p:grpSpPr>
-      <p:sp>
-        <p:nvSpPr>
-          <p:cNvPr id="2" name="Title 1"/>
-          <p:cNvSpPr>
-            <a:spLocks noGrp="1"/>
-          </p:cNvSpPr>
-          <p:nvPr>
-            <p:ph type="title"/>
-          </p:nvPr>
-        </p:nvSpPr>
-        <p:spPr/>
-        <p:txBody>
-          <a:bodyPr/>
-          <a:lstStyle/>
-          <a:p>
-            <a:r>
-              <a:rPr lang="en-US" dirty="0"/>
-              <a:t>Java is</a:t>
-            </a:r>
-            <a:r>
-              <a:rPr lang="zh-CN" altLang="en-US" dirty="0"/>
-              <a:t> </a:t>
-            </a:r>
-            <a:r>
-              <a:rPr lang="en-US" altLang="zh-CN" dirty="0"/>
-              <a:t>a</a:t>
-            </a:r>
-            <a:r>
-              <a:rPr lang="zh-CN" altLang="en-US" dirty="0"/>
-              <a:t> </a:t>
-            </a:r>
-            <a:r>
-              <a:rPr lang="en-US" dirty="0"/>
-              <a:t>P</a:t>
-            </a:r>
-            <a:r>
-              <a:rPr lang="en-US" altLang="zh-CN" dirty="0"/>
-              <a:t>latform</a:t>
-            </a:r>
-            <a:endParaRPr lang="en-US" dirty="0"/>
-          </a:p>
-        </p:txBody>
-      </p:sp>
-      <p:sp>
-        <p:nvSpPr>
-          <p:cNvPr id="4" name="Rectangle 3"/>
-          <p:cNvSpPr/>
-          <p:nvPr/>
-        </p:nvSpPr>
-        <p:spPr>
-          <a:xfrm>
-            <a:off x="457200" y="1416478"/>
-            <a:ext cx="8334343" cy="5307838"/>
-          </a:xfrm>
-          <a:prstGeom prst="rect">
-            <a:avLst/>
-          </a:prstGeom>
-          <a:solidFill>
-            <a:schemeClr val="accent5">
-              <a:lumMod val="20000"/>
-              <a:lumOff val="80000"/>
-            </a:schemeClr>
-          </a:solidFill>
-          <a:ln w="19050" cmpd="sng">
-            <a:solidFill>
-              <a:schemeClr val="tx1"/>
-            </a:solidFill>
-          </a:ln>
-        </p:spPr>
-        <p:style>
-          <a:lnRef idx="2">
-            <a:schemeClr val="dk1"/>
-          </a:lnRef>
-          <a:fillRef idx="1">
-            <a:schemeClr val="lt1"/>
-          </a:fillRef>
-          <a:effectRef idx="0">
-            <a:schemeClr val="dk1"/>
-          </a:effectRef>
-          <a:fontRef idx="minor">
-            <a:schemeClr val="dk1"/>
-          </a:fontRef>
-        </p:style>
-        <p:txBody>
-          <a:bodyPr rtlCol="0" anchor="t"/>
-          <a:lstStyle/>
-          <a:p>
-            <a:pPr algn="ctr"/>
-            <a:r>
-              <a:rPr lang="en-US" b="1" dirty="0">
-                <a:latin typeface="Times New Roman"/>
-                <a:cs typeface="Times New Roman"/>
-              </a:rPr>
-              <a:t>Java</a:t>
-            </a:r>
-            <a:r>
-              <a:rPr lang="zh-CN" altLang="en-US" b="1" dirty="0">
-                <a:latin typeface="Times New Roman"/>
-                <a:cs typeface="Times New Roman"/>
-              </a:rPr>
-              <a:t> </a:t>
-            </a:r>
-            <a:r>
-              <a:rPr lang="en-US" altLang="zh-CN" b="1" dirty="0">
-                <a:latin typeface="Times New Roman"/>
-                <a:cs typeface="Times New Roman"/>
-              </a:rPr>
-              <a:t>Development</a:t>
-            </a:r>
-            <a:r>
-              <a:rPr lang="zh-CN" altLang="en-US" b="1" dirty="0">
-                <a:latin typeface="Times New Roman"/>
-                <a:cs typeface="Times New Roman"/>
-              </a:rPr>
-              <a:t> </a:t>
-            </a:r>
-            <a:r>
-              <a:rPr lang="en-US" altLang="zh-CN" b="1" dirty="0">
-                <a:latin typeface="Times New Roman"/>
-                <a:cs typeface="Times New Roman"/>
-              </a:rPr>
-              <a:t>Kit</a:t>
-            </a:r>
-            <a:r>
-              <a:rPr lang="zh-CN" altLang="en-US" b="1" dirty="0">
-                <a:latin typeface="Times New Roman"/>
-                <a:cs typeface="Times New Roman"/>
-              </a:rPr>
-              <a:t> </a:t>
-            </a:r>
-            <a:r>
-              <a:rPr lang="en-US" altLang="zh-CN" b="1" dirty="0">
-                <a:latin typeface="Times New Roman"/>
-                <a:cs typeface="Times New Roman"/>
-              </a:rPr>
-              <a:t>(JDK)</a:t>
-            </a:r>
-            <a:endParaRPr lang="en-US" b="1" dirty="0">
-              <a:latin typeface="Times New Roman"/>
-              <a:cs typeface="Times New Roman"/>
-            </a:endParaRPr>
-          </a:p>
-        </p:txBody>
-      </p:sp>
-      <p:sp>
-        <p:nvSpPr>
-          <p:cNvPr id="5" name="Rectangle 4"/>
-          <p:cNvSpPr/>
-          <p:nvPr/>
-        </p:nvSpPr>
-        <p:spPr>
-          <a:xfrm>
-            <a:off x="1267484" y="1795754"/>
-            <a:ext cx="1159267" cy="539047"/>
-          </a:xfrm>
-          <a:prstGeom prst="rect">
-            <a:avLst/>
-          </a:prstGeom>
-          <a:solidFill>
-            <a:srgbClr val="FFFFFF"/>
-          </a:solidFill>
-          <a:ln w="19050" cmpd="sng">
-            <a:solidFill>
-              <a:schemeClr val="tx1"/>
-            </a:solidFill>
-          </a:ln>
-        </p:spPr>
-        <p:style>
-          <a:lnRef idx="2">
-            <a:schemeClr val="dk1"/>
-          </a:lnRef>
-          <a:fillRef idx="1">
-            <a:schemeClr val="lt1"/>
-          </a:fillRef>
-          <a:effectRef idx="0">
-            <a:schemeClr val="dk1"/>
-          </a:effectRef>
-          <a:fontRef idx="minor">
-            <a:schemeClr val="dk1"/>
-          </a:fontRef>
-        </p:style>
-        <p:txBody>
-          <a:bodyPr rtlCol="0" anchor="ctr"/>
-          <a:lstStyle/>
-          <a:p>
-            <a:pPr algn="ctr"/>
-            <a:r>
-              <a:rPr lang="en-US" dirty="0">
-                <a:latin typeface="Times New Roman"/>
-                <a:cs typeface="Times New Roman"/>
-              </a:rPr>
-              <a:t>Compiler</a:t>
-            </a:r>
-          </a:p>
-        </p:txBody>
-      </p:sp>
-      <p:sp>
-        <p:nvSpPr>
-          <p:cNvPr id="6" name="Rectangle 5"/>
-          <p:cNvSpPr/>
-          <p:nvPr/>
-        </p:nvSpPr>
-        <p:spPr>
-          <a:xfrm>
-            <a:off x="670256" y="2539800"/>
-            <a:ext cx="7846368" cy="4184515"/>
-          </a:xfrm>
-          <a:prstGeom prst="rect">
-            <a:avLst/>
-          </a:prstGeom>
-          <a:solidFill>
-            <a:schemeClr val="accent6">
-              <a:lumMod val="40000"/>
-              <a:lumOff val="60000"/>
-            </a:schemeClr>
-          </a:solidFill>
-          <a:ln w="19050" cmpd="sng">
-            <a:solidFill>
-              <a:schemeClr val="tx1"/>
-            </a:solidFill>
-          </a:ln>
-        </p:spPr>
-        <p:style>
-          <a:lnRef idx="2">
-            <a:schemeClr val="dk1"/>
-          </a:lnRef>
-          <a:fillRef idx="1">
-            <a:schemeClr val="lt1"/>
-          </a:fillRef>
-          <a:effectRef idx="0">
-            <a:schemeClr val="dk1"/>
-          </a:effectRef>
-          <a:fontRef idx="minor">
-            <a:schemeClr val="dk1"/>
-          </a:fontRef>
-        </p:style>
-        <p:txBody>
-          <a:bodyPr rtlCol="0" anchor="t"/>
-          <a:lstStyle/>
-          <a:p>
-            <a:pPr algn="ctr"/>
-            <a:r>
-              <a:rPr lang="en-US" b="1" dirty="0">
-                <a:latin typeface="Times New Roman"/>
-                <a:cs typeface="Times New Roman"/>
-              </a:rPr>
-              <a:t>Java</a:t>
-            </a:r>
-            <a:r>
-              <a:rPr lang="zh-CN" altLang="en-US" b="1" dirty="0">
-                <a:latin typeface="Times New Roman"/>
-                <a:cs typeface="Times New Roman"/>
-              </a:rPr>
-              <a:t> </a:t>
-            </a:r>
-            <a:r>
-              <a:rPr lang="en-US" altLang="zh-CN" b="1" dirty="0">
-                <a:latin typeface="Times New Roman"/>
-                <a:cs typeface="Times New Roman"/>
-              </a:rPr>
-              <a:t>Runtime</a:t>
-            </a:r>
-            <a:r>
-              <a:rPr lang="zh-CN" altLang="en-US" b="1" dirty="0">
-                <a:latin typeface="Times New Roman"/>
-                <a:cs typeface="Times New Roman"/>
-              </a:rPr>
-              <a:t> </a:t>
-            </a:r>
-            <a:r>
-              <a:rPr lang="en-US" altLang="zh-CN" b="1" dirty="0">
-                <a:latin typeface="Times New Roman"/>
-                <a:cs typeface="Times New Roman"/>
-              </a:rPr>
-              <a:t>Environment</a:t>
-            </a:r>
-            <a:r>
-              <a:rPr lang="zh-CN" altLang="en-US" b="1" dirty="0">
-                <a:latin typeface="Times New Roman"/>
-                <a:cs typeface="Times New Roman"/>
-              </a:rPr>
-              <a:t> </a:t>
-            </a:r>
-            <a:r>
-              <a:rPr lang="en-US" altLang="zh-CN" b="1" dirty="0">
-                <a:latin typeface="Times New Roman"/>
-                <a:cs typeface="Times New Roman"/>
-              </a:rPr>
-              <a:t>(JRE)</a:t>
-            </a:r>
-            <a:endParaRPr lang="en-US" b="1" dirty="0">
-              <a:latin typeface="Times New Roman"/>
-              <a:cs typeface="Times New Roman"/>
-            </a:endParaRPr>
-          </a:p>
-        </p:txBody>
-      </p:sp>
-      <p:sp>
-        <p:nvSpPr>
-          <p:cNvPr id="7" name="Rectangle 6"/>
-          <p:cNvSpPr/>
-          <p:nvPr/>
-        </p:nvSpPr>
-        <p:spPr>
-          <a:xfrm>
-            <a:off x="5760436" y="1861224"/>
-            <a:ext cx="2756188" cy="539047"/>
-          </a:xfrm>
-          <a:prstGeom prst="rect">
-            <a:avLst/>
-          </a:prstGeom>
-          <a:solidFill>
-            <a:srgbClr val="FFFFFF"/>
-          </a:solidFill>
-          <a:ln w="19050" cmpd="sng">
-            <a:solidFill>
-              <a:schemeClr val="tx1"/>
-            </a:solidFill>
-          </a:ln>
-        </p:spPr>
-        <p:style>
-          <a:lnRef idx="2">
-            <a:schemeClr val="dk1"/>
-          </a:lnRef>
-          <a:fillRef idx="1">
-            <a:schemeClr val="lt1"/>
-          </a:fillRef>
-          <a:effectRef idx="0">
-            <a:schemeClr val="dk1"/>
-          </a:effectRef>
-          <a:fontRef idx="minor">
-            <a:schemeClr val="dk1"/>
-          </a:fontRef>
-        </p:style>
-        <p:txBody>
-          <a:bodyPr rtlCol="0" anchor="ctr"/>
-          <a:lstStyle/>
-          <a:p>
-            <a:pPr algn="ctr"/>
-            <a:r>
-              <a:rPr lang="en-US" dirty="0">
-                <a:latin typeface="Times New Roman"/>
-                <a:cs typeface="Times New Roman"/>
-              </a:rPr>
-              <a:t>O</a:t>
-            </a:r>
-            <a:r>
-              <a:rPr lang="en-US" altLang="zh-CN" dirty="0">
-                <a:latin typeface="Times New Roman"/>
-                <a:cs typeface="Times New Roman"/>
-              </a:rPr>
-              <a:t>ther</a:t>
-            </a:r>
-            <a:r>
-              <a:rPr lang="zh-CN" altLang="en-US" dirty="0">
-                <a:latin typeface="Times New Roman"/>
-                <a:cs typeface="Times New Roman"/>
-              </a:rPr>
-              <a:t> </a:t>
-            </a:r>
-            <a:r>
-              <a:rPr lang="en-US" altLang="zh-CN" dirty="0">
-                <a:latin typeface="Times New Roman"/>
-                <a:cs typeface="Times New Roman"/>
-              </a:rPr>
-              <a:t>development</a:t>
-            </a:r>
-            <a:r>
-              <a:rPr lang="zh-CN" altLang="en-US" dirty="0">
-                <a:latin typeface="Times New Roman"/>
-                <a:cs typeface="Times New Roman"/>
-              </a:rPr>
-              <a:t> </a:t>
-            </a:r>
-            <a:r>
-              <a:rPr lang="en-US" altLang="zh-CN" dirty="0">
-                <a:latin typeface="Times New Roman"/>
-                <a:cs typeface="Times New Roman"/>
-              </a:rPr>
-              <a:t>tools</a:t>
-            </a:r>
-            <a:endParaRPr lang="en-US" dirty="0">
-              <a:latin typeface="Times New Roman"/>
-              <a:cs typeface="Times New Roman"/>
-            </a:endParaRPr>
-          </a:p>
-        </p:txBody>
-      </p:sp>
-      <p:sp>
-        <p:nvSpPr>
-          <p:cNvPr id="10" name="Rounded Rectangle 9"/>
-          <p:cNvSpPr/>
-          <p:nvPr/>
-        </p:nvSpPr>
-        <p:spPr>
-          <a:xfrm>
-            <a:off x="73086" y="945093"/>
-            <a:ext cx="1807882" cy="362232"/>
-          </a:xfrm>
-          <a:prstGeom prst="roundRect">
-            <a:avLst/>
-          </a:prstGeom>
-          <a:solidFill>
-            <a:srgbClr val="D9D9D9"/>
-          </a:solidFill>
-          <a:ln w="19050" cmpd="sng">
-            <a:solidFill>
-              <a:schemeClr val="tx1"/>
-            </a:solidFill>
-          </a:ln>
-        </p:spPr>
-        <p:style>
-          <a:lnRef idx="2">
-            <a:schemeClr val="dk1"/>
-          </a:lnRef>
-          <a:fillRef idx="1">
-            <a:schemeClr val="lt1"/>
-          </a:fillRef>
-          <a:effectRef idx="0">
-            <a:schemeClr val="dk1"/>
-          </a:effectRef>
-          <a:fontRef idx="minor">
-            <a:schemeClr val="dk1"/>
-          </a:fontRef>
-        </p:style>
-        <p:txBody>
-          <a:bodyPr rtlCol="0" anchor="ctr"/>
-          <a:lstStyle/>
-          <a:p>
-            <a:pPr algn="ctr"/>
-            <a:r>
-              <a:rPr lang="en-US" dirty="0">
-                <a:solidFill>
-                  <a:schemeClr val="dk1"/>
-                </a:solidFill>
-                <a:latin typeface="Times New Roman"/>
-                <a:cs typeface="Times New Roman"/>
-              </a:rPr>
-              <a:t>H</a:t>
-            </a:r>
-            <a:r>
-              <a:rPr lang="en-US" altLang="zh-CN" dirty="0">
-                <a:solidFill>
-                  <a:schemeClr val="dk1"/>
-                </a:solidFill>
-                <a:latin typeface="Times New Roman"/>
-                <a:cs typeface="Times New Roman"/>
-              </a:rPr>
-              <a:t>elloWorld.java</a:t>
-            </a:r>
-            <a:endParaRPr lang="en-US" dirty="0">
-              <a:solidFill>
-                <a:schemeClr val="dk1"/>
-              </a:solidFill>
-              <a:latin typeface="Times New Roman"/>
-              <a:cs typeface="Times New Roman"/>
-            </a:endParaRPr>
-          </a:p>
-        </p:txBody>
-      </p:sp>
-      <p:sp>
-        <p:nvSpPr>
-          <p:cNvPr id="13" name="Freeform 12"/>
-          <p:cNvSpPr/>
-          <p:nvPr/>
-        </p:nvSpPr>
-        <p:spPr>
-          <a:xfrm>
-            <a:off x="1902526" y="1131070"/>
-            <a:ext cx="261108" cy="654702"/>
-          </a:xfrm>
-          <a:custGeom>
-            <a:avLst/>
-            <a:gdLst>
-              <a:gd name="connsiteX0" fmla="*/ 0 w 458264"/>
-              <a:gd name="connsiteY0" fmla="*/ 0 h 654702"/>
-              <a:gd name="connsiteX1" fmla="*/ 458264 w 458264"/>
-              <a:gd name="connsiteY1" fmla="*/ 0 h 654702"/>
-              <a:gd name="connsiteX2" fmla="*/ 458264 w 458264"/>
-              <a:gd name="connsiteY2" fmla="*/ 654702 h 654702"/>
-            </a:gdLst>
-            <a:ahLst/>
-            <a:cxnLst>
-              <a:cxn ang="0">
-                <a:pos x="connsiteX0" y="connsiteY0"/>
-              </a:cxn>
-              <a:cxn ang="0">
-                <a:pos x="connsiteX1" y="connsiteY1"/>
-              </a:cxn>
-              <a:cxn ang="0">
-                <a:pos x="connsiteX2" y="connsiteY2"/>
-              </a:cxn>
-            </a:cxnLst>
-            <a:rect l="l" t="t" r="r" b="b"/>
-            <a:pathLst>
-              <a:path w="458264" h="654702">
-                <a:moveTo>
-                  <a:pt x="0" y="0"/>
-                </a:moveTo>
-                <a:lnTo>
-                  <a:pt x="458264" y="0"/>
-                </a:lnTo>
-                <a:lnTo>
-                  <a:pt x="458264" y="654702"/>
-                </a:lnTo>
-              </a:path>
-            </a:pathLst>
-          </a:custGeom>
-          <a:ln w="19050" cmpd="sng">
-            <a:solidFill>
-              <a:schemeClr val="tx1"/>
-            </a:solidFill>
-            <a:prstDash val="dash"/>
-            <a:headEnd type="none"/>
-            <a:tailEnd type="arrow"/>
-          </a:ln>
-          <a:effectLst/>
-        </p:spPr>
-        <p:style>
-          <a:lnRef idx="2">
-            <a:schemeClr val="accent1"/>
-          </a:lnRef>
-          <a:fillRef idx="0">
-            <a:schemeClr val="accent1"/>
-          </a:fillRef>
-          <a:effectRef idx="1">
-            <a:schemeClr val="accent1"/>
-          </a:effectRef>
-          <a:fontRef idx="minor">
-            <a:schemeClr val="tx1"/>
-          </a:fontRef>
-        </p:style>
-        <p:txBody>
-          <a:bodyPr rtlCol="0" anchor="ctr"/>
-          <a:lstStyle/>
-          <a:p>
-            <a:pPr algn="ctr"/>
-            <a:endParaRPr lang="en-US"/>
-          </a:p>
-        </p:txBody>
-      </p:sp>
-      <p:sp>
-        <p:nvSpPr>
-          <p:cNvPr id="14" name="Rounded Rectangle 13"/>
-          <p:cNvSpPr/>
-          <p:nvPr/>
-        </p:nvSpPr>
-        <p:spPr>
-          <a:xfrm>
-            <a:off x="2831542" y="1846524"/>
-            <a:ext cx="1991276" cy="389454"/>
-          </a:xfrm>
-          <a:prstGeom prst="roundRect">
-            <a:avLst/>
-          </a:prstGeom>
-          <a:solidFill>
-            <a:schemeClr val="bg1">
-              <a:lumMod val="85000"/>
-            </a:schemeClr>
-          </a:solidFill>
-          <a:ln w="19050" cmpd="sng">
-            <a:solidFill>
-              <a:schemeClr val="tx1"/>
-            </a:solidFill>
-          </a:ln>
-        </p:spPr>
-        <p:style>
-          <a:lnRef idx="2">
-            <a:schemeClr val="dk1"/>
-          </a:lnRef>
-          <a:fillRef idx="1">
-            <a:schemeClr val="lt1"/>
-          </a:fillRef>
-          <a:effectRef idx="0">
-            <a:schemeClr val="dk1"/>
-          </a:effectRef>
-          <a:fontRef idx="minor">
-            <a:schemeClr val="dk1"/>
-          </a:fontRef>
-        </p:style>
-        <p:txBody>
-          <a:bodyPr rtlCol="0" anchor="ctr"/>
-          <a:lstStyle/>
-          <a:p>
-            <a:pPr algn="ctr"/>
-            <a:r>
-              <a:rPr lang="en-US" dirty="0">
-                <a:solidFill>
-                  <a:schemeClr val="dk1"/>
-                </a:solidFill>
-                <a:latin typeface="Times New Roman"/>
-                <a:cs typeface="Times New Roman"/>
-              </a:rPr>
-              <a:t>H</a:t>
-            </a:r>
-            <a:r>
-              <a:rPr lang="en-US" altLang="zh-CN" dirty="0">
-                <a:solidFill>
-                  <a:schemeClr val="dk1"/>
-                </a:solidFill>
-                <a:latin typeface="Times New Roman"/>
-                <a:cs typeface="Times New Roman"/>
-              </a:rPr>
-              <a:t>elloWorld.class</a:t>
-            </a:r>
-            <a:endParaRPr lang="en-US" dirty="0">
-              <a:solidFill>
-                <a:schemeClr val="dk1"/>
-              </a:solidFill>
-              <a:latin typeface="Times New Roman"/>
-              <a:cs typeface="Times New Roman"/>
-            </a:endParaRPr>
-          </a:p>
-        </p:txBody>
-      </p:sp>
-      <p:cxnSp>
-        <p:nvCxnSpPr>
-          <p:cNvPr id="18" name="Straight Arrow Connector 17"/>
-          <p:cNvCxnSpPr/>
-          <p:nvPr/>
-        </p:nvCxnSpPr>
-        <p:spPr>
-          <a:xfrm>
-            <a:off x="2466030" y="2069123"/>
-            <a:ext cx="288053" cy="0"/>
-          </a:xfrm>
-          <a:prstGeom prst="straightConnector1">
-            <a:avLst/>
-          </a:prstGeom>
-          <a:ln w="19050" cmpd="sng">
-            <a:solidFill>
-              <a:schemeClr val="tx1"/>
-            </a:solidFill>
-            <a:prstDash val="dash"/>
-            <a:headEnd type="none"/>
-            <a:tailEnd type="arrow"/>
-          </a:ln>
-          <a:effectLst/>
-        </p:spPr>
-        <p:style>
-          <a:lnRef idx="2">
-            <a:schemeClr val="accent1"/>
-          </a:lnRef>
-          <a:fillRef idx="0">
-            <a:schemeClr val="accent1"/>
-          </a:fillRef>
-          <a:effectRef idx="1">
-            <a:schemeClr val="accent1"/>
-          </a:effectRef>
-          <a:fontRef idx="minor">
-            <a:schemeClr val="tx1"/>
-          </a:fontRef>
-        </p:style>
-      </p:cxnSp>
-      <p:sp>
-        <p:nvSpPr>
-          <p:cNvPr id="23" name="Rectangle 22"/>
-          <p:cNvSpPr/>
-          <p:nvPr/>
-        </p:nvSpPr>
-        <p:spPr>
-          <a:xfrm>
-            <a:off x="2368218" y="3009011"/>
-            <a:ext cx="5972184" cy="3715304"/>
-          </a:xfrm>
-          <a:prstGeom prst="rect">
-            <a:avLst/>
-          </a:prstGeom>
-          <a:solidFill>
-            <a:srgbClr val="CCFFCC"/>
-          </a:solidFill>
-          <a:ln w="19050" cmpd="sng">
-            <a:solidFill>
-              <a:schemeClr val="tx1"/>
-            </a:solidFill>
-          </a:ln>
-        </p:spPr>
-        <p:style>
-          <a:lnRef idx="2">
-            <a:schemeClr val="dk1"/>
-          </a:lnRef>
-          <a:fillRef idx="1">
-            <a:schemeClr val="lt1"/>
-          </a:fillRef>
-          <a:effectRef idx="0">
-            <a:schemeClr val="dk1"/>
-          </a:effectRef>
-          <a:fontRef idx="minor">
-            <a:schemeClr val="dk1"/>
-          </a:fontRef>
-        </p:style>
-        <p:txBody>
-          <a:bodyPr rtlCol="0" anchor="t"/>
-          <a:lstStyle/>
-          <a:p>
-            <a:pPr algn="ctr"/>
-            <a:r>
-              <a:rPr lang="en-US" b="1" dirty="0">
-                <a:latin typeface="Times New Roman"/>
-                <a:cs typeface="Times New Roman"/>
-              </a:rPr>
-              <a:t>J</a:t>
-            </a:r>
-            <a:r>
-              <a:rPr lang="en-US" altLang="zh-CN" b="1" dirty="0">
-                <a:latin typeface="Times New Roman"/>
-                <a:cs typeface="Times New Roman"/>
-              </a:rPr>
-              <a:t>ava</a:t>
-            </a:r>
-            <a:r>
-              <a:rPr lang="zh-CN" altLang="en-US" b="1" dirty="0">
-                <a:latin typeface="Times New Roman"/>
-                <a:cs typeface="Times New Roman"/>
-              </a:rPr>
-              <a:t> </a:t>
-            </a:r>
-            <a:r>
-              <a:rPr lang="en-US" altLang="zh-CN" b="1" dirty="0">
-                <a:latin typeface="Times New Roman"/>
-                <a:cs typeface="Times New Roman"/>
-              </a:rPr>
-              <a:t>Virtual</a:t>
-            </a:r>
-            <a:r>
-              <a:rPr lang="zh-CN" altLang="en-US" b="1" dirty="0">
-                <a:latin typeface="Times New Roman"/>
-                <a:cs typeface="Times New Roman"/>
-              </a:rPr>
-              <a:t> </a:t>
-            </a:r>
-            <a:r>
-              <a:rPr lang="en-US" altLang="zh-CN" b="1" dirty="0">
-                <a:latin typeface="Times New Roman"/>
-                <a:cs typeface="Times New Roman"/>
-              </a:rPr>
-              <a:t>Machine</a:t>
-            </a:r>
-            <a:r>
-              <a:rPr lang="zh-CN" altLang="en-US" b="1" dirty="0">
-                <a:latin typeface="Times New Roman"/>
-                <a:cs typeface="Times New Roman"/>
-              </a:rPr>
-              <a:t> </a:t>
-            </a:r>
-            <a:r>
-              <a:rPr lang="en-US" altLang="zh-CN" b="1" dirty="0">
-                <a:latin typeface="Times New Roman"/>
-                <a:cs typeface="Times New Roman"/>
-              </a:rPr>
-              <a:t>(JVM)</a:t>
-            </a:r>
-            <a:endParaRPr lang="en-US" b="1" dirty="0">
-              <a:latin typeface="Times New Roman"/>
-              <a:cs typeface="Times New Roman"/>
-            </a:endParaRPr>
-          </a:p>
-        </p:txBody>
-      </p:sp>
-      <p:sp>
-        <p:nvSpPr>
-          <p:cNvPr id="24" name="Rectangle 23"/>
-          <p:cNvSpPr/>
-          <p:nvPr/>
-        </p:nvSpPr>
-        <p:spPr>
-          <a:xfrm>
-            <a:off x="2749114" y="3518684"/>
-            <a:ext cx="1575272" cy="429937"/>
-          </a:xfrm>
-          <a:prstGeom prst="rect">
-            <a:avLst/>
-          </a:prstGeom>
-          <a:solidFill>
-            <a:schemeClr val="bg1"/>
-          </a:solidFill>
-          <a:ln w="19050" cmpd="sng">
-            <a:solidFill>
-              <a:schemeClr val="tx1"/>
-            </a:solidFill>
-          </a:ln>
-        </p:spPr>
-        <p:style>
-          <a:lnRef idx="2">
-            <a:schemeClr val="dk1"/>
-          </a:lnRef>
-          <a:fillRef idx="1">
-            <a:schemeClr val="lt1"/>
-          </a:fillRef>
-          <a:effectRef idx="0">
-            <a:schemeClr val="dk1"/>
-          </a:effectRef>
-          <a:fontRef idx="minor">
-            <a:schemeClr val="dk1"/>
-          </a:fontRef>
-        </p:style>
-        <p:txBody>
-          <a:bodyPr rtlCol="0" anchor="ctr"/>
-          <a:lstStyle/>
-          <a:p>
-            <a:pPr algn="ctr"/>
-            <a:r>
-              <a:rPr lang="en-US" dirty="0">
-                <a:latin typeface="Times New Roman"/>
-                <a:cs typeface="Times New Roman"/>
-              </a:rPr>
-              <a:t>Class</a:t>
-            </a:r>
-            <a:r>
-              <a:rPr lang="zh-CN" altLang="en-US" dirty="0">
-                <a:latin typeface="Times New Roman"/>
-                <a:cs typeface="Times New Roman"/>
-              </a:rPr>
-              <a:t> </a:t>
-            </a:r>
-            <a:r>
-              <a:rPr lang="en-US" altLang="zh-CN" dirty="0">
-                <a:latin typeface="Times New Roman"/>
-                <a:cs typeface="Times New Roman"/>
-              </a:rPr>
-              <a:t>Loader</a:t>
-            </a:r>
-            <a:endParaRPr lang="en-US" dirty="0">
-              <a:latin typeface="Times New Roman"/>
-              <a:cs typeface="Times New Roman"/>
-            </a:endParaRPr>
-          </a:p>
-        </p:txBody>
-      </p:sp>
-      <p:sp>
-        <p:nvSpPr>
-          <p:cNvPr id="25" name="Rectangle 24"/>
-          <p:cNvSpPr/>
-          <p:nvPr/>
-        </p:nvSpPr>
-        <p:spPr>
-          <a:xfrm>
-            <a:off x="799165" y="3009011"/>
-            <a:ext cx="1416109" cy="925694"/>
-          </a:xfrm>
-          <a:prstGeom prst="rect">
-            <a:avLst/>
-          </a:prstGeom>
-          <a:solidFill>
-            <a:schemeClr val="bg1"/>
-          </a:solidFill>
-          <a:ln w="19050" cmpd="sng">
-            <a:solidFill>
-              <a:schemeClr val="tx1"/>
-            </a:solidFill>
-          </a:ln>
-        </p:spPr>
-        <p:style>
-          <a:lnRef idx="2">
-            <a:schemeClr val="dk1"/>
-          </a:lnRef>
-          <a:fillRef idx="1">
-            <a:schemeClr val="lt1"/>
-          </a:fillRef>
-          <a:effectRef idx="0">
-            <a:schemeClr val="dk1"/>
-          </a:effectRef>
-          <a:fontRef idx="minor">
-            <a:schemeClr val="dk1"/>
-          </a:fontRef>
-        </p:style>
-        <p:txBody>
-          <a:bodyPr rtlCol="0" anchor="ctr"/>
-          <a:lstStyle/>
-          <a:p>
-            <a:pPr algn="ctr"/>
-            <a:r>
-              <a:rPr lang="en-US" dirty="0">
-                <a:latin typeface="Times New Roman"/>
-                <a:cs typeface="Times New Roman"/>
-              </a:rPr>
-              <a:t>L</a:t>
-            </a:r>
-            <a:r>
-              <a:rPr lang="en-US" altLang="zh-CN" dirty="0">
-                <a:latin typeface="Times New Roman"/>
-                <a:cs typeface="Times New Roman"/>
-              </a:rPr>
-              <a:t>ibraries</a:t>
-            </a:r>
-            <a:r>
-              <a:rPr lang="zh-CN" altLang="en-US" dirty="0">
-                <a:latin typeface="Times New Roman"/>
-                <a:cs typeface="Times New Roman"/>
-              </a:rPr>
-              <a:t> </a:t>
-            </a:r>
-            <a:r>
-              <a:rPr lang="en-US" altLang="zh-CN" dirty="0">
-                <a:latin typeface="Times New Roman"/>
-                <a:cs typeface="Times New Roman"/>
-              </a:rPr>
-              <a:t>and</a:t>
-            </a:r>
-            <a:r>
-              <a:rPr lang="zh-CN" altLang="en-US" dirty="0">
-                <a:latin typeface="Times New Roman"/>
-                <a:cs typeface="Times New Roman"/>
-              </a:rPr>
-              <a:t> </a:t>
-            </a:r>
-            <a:r>
-              <a:rPr lang="en-US" altLang="zh-CN" dirty="0">
-                <a:latin typeface="Times New Roman"/>
-                <a:cs typeface="Times New Roman"/>
-              </a:rPr>
-              <a:t>Compiled</a:t>
-            </a:r>
-            <a:r>
-              <a:rPr lang="zh-CN" altLang="en-US" dirty="0">
-                <a:latin typeface="Times New Roman"/>
-                <a:cs typeface="Times New Roman"/>
-              </a:rPr>
-              <a:t> </a:t>
-            </a:r>
-            <a:r>
-              <a:rPr lang="en-US" altLang="zh-CN" dirty="0">
-                <a:latin typeface="Times New Roman"/>
-                <a:cs typeface="Times New Roman"/>
-              </a:rPr>
-              <a:t>Class</a:t>
-            </a:r>
-            <a:r>
-              <a:rPr lang="zh-CN" altLang="en-US" dirty="0">
-                <a:latin typeface="Times New Roman"/>
-                <a:cs typeface="Times New Roman"/>
-              </a:rPr>
-              <a:t> </a:t>
-            </a:r>
-            <a:r>
-              <a:rPr lang="en-US" altLang="zh-CN" dirty="0">
-                <a:latin typeface="Times New Roman"/>
-                <a:cs typeface="Times New Roman"/>
-              </a:rPr>
-              <a:t>files</a:t>
-            </a:r>
-            <a:endParaRPr lang="en-US" dirty="0">
-              <a:latin typeface="Times New Roman"/>
-              <a:cs typeface="Times New Roman"/>
-            </a:endParaRPr>
-          </a:p>
-        </p:txBody>
-      </p:sp>
-      <p:cxnSp>
-        <p:nvCxnSpPr>
-          <p:cNvPr id="26" name="Straight Arrow Connector 25"/>
-          <p:cNvCxnSpPr/>
-          <p:nvPr/>
-        </p:nvCxnSpPr>
-        <p:spPr>
-          <a:xfrm>
-            <a:off x="2217106" y="3682943"/>
-            <a:ext cx="492637" cy="0"/>
-          </a:xfrm>
-          <a:prstGeom prst="straightConnector1">
-            <a:avLst/>
-          </a:prstGeom>
-          <a:ln w="19050" cmpd="sng">
-            <a:solidFill>
-              <a:schemeClr val="tx1"/>
-            </a:solidFill>
-            <a:prstDash val="dash"/>
-            <a:headEnd type="none"/>
-            <a:tailEnd type="arrow"/>
-          </a:ln>
-          <a:effectLst/>
-        </p:spPr>
-        <p:style>
-          <a:lnRef idx="2">
-            <a:schemeClr val="accent1"/>
-          </a:lnRef>
-          <a:fillRef idx="0">
-            <a:schemeClr val="accent1"/>
-          </a:fillRef>
-          <a:effectRef idx="1">
-            <a:schemeClr val="accent1"/>
-          </a:effectRef>
-          <a:fontRef idx="minor">
-            <a:schemeClr val="tx1"/>
-          </a:fontRef>
-        </p:style>
-      </p:cxnSp>
-      <p:cxnSp>
-        <p:nvCxnSpPr>
-          <p:cNvPr id="19" name="Straight Arrow Connector 18"/>
-          <p:cNvCxnSpPr/>
-          <p:nvPr/>
-        </p:nvCxnSpPr>
-        <p:spPr>
-          <a:xfrm>
-            <a:off x="3403863" y="2314910"/>
-            <a:ext cx="0" cy="1209254"/>
-          </a:xfrm>
-          <a:prstGeom prst="straightConnector1">
-            <a:avLst/>
-          </a:prstGeom>
-          <a:ln w="19050" cmpd="sng">
-            <a:solidFill>
-              <a:schemeClr val="tx1"/>
-            </a:solidFill>
-            <a:prstDash val="dash"/>
-            <a:headEnd type="none"/>
-            <a:tailEnd type="arrow"/>
-          </a:ln>
-          <a:effectLst/>
-        </p:spPr>
-        <p:style>
-          <a:lnRef idx="2">
-            <a:schemeClr val="accent1"/>
-          </a:lnRef>
-          <a:fillRef idx="0">
-            <a:schemeClr val="accent1"/>
-          </a:fillRef>
-          <a:effectRef idx="1">
-            <a:schemeClr val="accent1"/>
-          </a:effectRef>
-          <a:fontRef idx="minor">
-            <a:schemeClr val="tx1"/>
-          </a:fontRef>
-        </p:style>
-      </p:cxnSp>
-      <p:sp>
-        <p:nvSpPr>
-          <p:cNvPr id="61" name="Rectangle 60"/>
-          <p:cNvSpPr/>
-          <p:nvPr/>
-        </p:nvSpPr>
-        <p:spPr>
-          <a:xfrm>
-            <a:off x="2709743" y="4194793"/>
-            <a:ext cx="2034642" cy="845292"/>
-          </a:xfrm>
-          <a:prstGeom prst="rect">
-            <a:avLst/>
-          </a:prstGeom>
-          <a:solidFill>
-            <a:schemeClr val="bg1"/>
-          </a:solidFill>
-          <a:ln w="19050" cmpd="sng">
-            <a:solidFill>
-              <a:schemeClr val="tx1"/>
-            </a:solidFill>
-          </a:ln>
-        </p:spPr>
-        <p:style>
-          <a:lnRef idx="2">
-            <a:schemeClr val="dk1"/>
-          </a:lnRef>
-          <a:fillRef idx="1">
-            <a:schemeClr val="lt1"/>
-          </a:fillRef>
-          <a:effectRef idx="0">
-            <a:schemeClr val="dk1"/>
-          </a:effectRef>
-          <a:fontRef idx="minor">
-            <a:schemeClr val="dk1"/>
-          </a:fontRef>
-        </p:style>
-        <p:txBody>
-          <a:bodyPr rtlCol="0" anchor="ctr"/>
-          <a:lstStyle/>
-          <a:p>
-            <a:pPr algn="ctr"/>
-            <a:r>
-              <a:rPr lang="en-US" altLang="zh-CN" dirty="0">
-                <a:cs typeface="Times New Roman"/>
-              </a:rPr>
-              <a:t>Execution</a:t>
-            </a:r>
-            <a:r>
-              <a:rPr lang="zh-CN" altLang="en-US" dirty="0">
-                <a:cs typeface="Times New Roman"/>
-              </a:rPr>
-              <a:t> </a:t>
-            </a:r>
-            <a:r>
-              <a:rPr lang="en-US" altLang="zh-CN" dirty="0">
-                <a:cs typeface="Times New Roman"/>
-              </a:rPr>
-              <a:t>Engine</a:t>
-            </a:r>
-          </a:p>
-        </p:txBody>
-      </p:sp>
-      <p:sp>
-        <p:nvSpPr>
-          <p:cNvPr id="62" name="Rectangle 61"/>
-          <p:cNvSpPr/>
-          <p:nvPr/>
-        </p:nvSpPr>
-        <p:spPr>
-          <a:xfrm>
-            <a:off x="2634523" y="6196143"/>
-            <a:ext cx="2585664" cy="408292"/>
-          </a:xfrm>
-          <a:prstGeom prst="rect">
-            <a:avLst/>
-          </a:prstGeom>
-          <a:solidFill>
-            <a:schemeClr val="bg1"/>
-          </a:solidFill>
-          <a:ln w="19050" cmpd="sng">
-            <a:solidFill>
-              <a:schemeClr val="tx1"/>
-            </a:solidFill>
-          </a:ln>
-        </p:spPr>
-        <p:style>
-          <a:lnRef idx="2">
-            <a:schemeClr val="dk1"/>
-          </a:lnRef>
-          <a:fillRef idx="1">
-            <a:schemeClr val="lt1"/>
-          </a:fillRef>
-          <a:effectRef idx="0">
-            <a:schemeClr val="dk1"/>
-          </a:effectRef>
-          <a:fontRef idx="minor">
-            <a:schemeClr val="dk1"/>
-          </a:fontRef>
-        </p:style>
-        <p:txBody>
-          <a:bodyPr rtlCol="0" anchor="ctr"/>
-          <a:lstStyle/>
-          <a:p>
-            <a:pPr algn="ctr"/>
-            <a:r>
-              <a:rPr lang="en-US" altLang="zh-CN" dirty="0">
-                <a:latin typeface="Times New Roman" panose="02020603050405020304" pitchFamily="18" charset="0"/>
-                <a:cs typeface="Times New Roman" panose="02020603050405020304" pitchFamily="18" charset="0"/>
-              </a:rPr>
-              <a:t>Native</a:t>
-            </a:r>
-            <a:r>
-              <a:rPr lang="zh-CN" altLang="en-US" dirty="0">
-                <a:latin typeface="Times New Roman" panose="02020603050405020304" pitchFamily="18" charset="0"/>
-                <a:cs typeface="Times New Roman" panose="02020603050405020304" pitchFamily="18" charset="0"/>
-              </a:rPr>
-              <a:t> </a:t>
-            </a:r>
-            <a:r>
-              <a:rPr lang="en-US" altLang="zh-CN" dirty="0">
-                <a:latin typeface="Times New Roman" panose="02020603050405020304" pitchFamily="18" charset="0"/>
-                <a:cs typeface="Times New Roman" panose="02020603050405020304" pitchFamily="18" charset="0"/>
-              </a:rPr>
-              <a:t>Method</a:t>
-            </a:r>
-            <a:r>
-              <a:rPr lang="zh-CN" altLang="en-US" dirty="0">
-                <a:latin typeface="Times New Roman" panose="02020603050405020304" pitchFamily="18" charset="0"/>
-                <a:cs typeface="Times New Roman" panose="02020603050405020304" pitchFamily="18" charset="0"/>
-              </a:rPr>
-              <a:t> </a:t>
-            </a:r>
-            <a:r>
-              <a:rPr lang="en-US" altLang="zh-CN" dirty="0">
-                <a:latin typeface="Times New Roman" panose="02020603050405020304" pitchFamily="18" charset="0"/>
-                <a:cs typeface="Times New Roman" panose="02020603050405020304" pitchFamily="18" charset="0"/>
-              </a:rPr>
-              <a:t>Library</a:t>
-            </a:r>
-          </a:p>
-        </p:txBody>
-      </p:sp>
-      <p:sp>
-        <p:nvSpPr>
-          <p:cNvPr id="63" name="Rectangle 62"/>
-          <p:cNvSpPr/>
-          <p:nvPr/>
-        </p:nvSpPr>
-        <p:spPr>
-          <a:xfrm>
-            <a:off x="5633853" y="6181296"/>
-            <a:ext cx="2585664" cy="408292"/>
-          </a:xfrm>
-          <a:prstGeom prst="rect">
-            <a:avLst/>
-          </a:prstGeom>
-          <a:solidFill>
-            <a:schemeClr val="bg1"/>
-          </a:solidFill>
-          <a:ln w="19050" cmpd="sng">
-            <a:solidFill>
-              <a:schemeClr val="tx1"/>
-            </a:solidFill>
-          </a:ln>
-        </p:spPr>
-        <p:style>
-          <a:lnRef idx="2">
-            <a:schemeClr val="dk1"/>
-          </a:lnRef>
-          <a:fillRef idx="1">
-            <a:schemeClr val="lt1"/>
-          </a:fillRef>
-          <a:effectRef idx="0">
-            <a:schemeClr val="dk1"/>
-          </a:effectRef>
-          <a:fontRef idx="minor">
-            <a:schemeClr val="dk1"/>
-          </a:fontRef>
-        </p:style>
-        <p:txBody>
-          <a:bodyPr rtlCol="0" anchor="ctr"/>
-          <a:lstStyle/>
-          <a:p>
-            <a:pPr algn="ctr"/>
-            <a:r>
-              <a:rPr lang="en-US" altLang="zh-CN" dirty="0">
-                <a:latin typeface="Times New Roman" panose="02020603050405020304" pitchFamily="18" charset="0"/>
-                <a:cs typeface="Times New Roman" panose="02020603050405020304" pitchFamily="18" charset="0"/>
-              </a:rPr>
-              <a:t>Native</a:t>
-            </a:r>
-            <a:r>
-              <a:rPr lang="zh-CN" altLang="en-US" dirty="0">
-                <a:latin typeface="Times New Roman" panose="02020603050405020304" pitchFamily="18" charset="0"/>
-                <a:cs typeface="Times New Roman" panose="02020603050405020304" pitchFamily="18" charset="0"/>
-              </a:rPr>
-              <a:t> </a:t>
-            </a:r>
-            <a:r>
-              <a:rPr lang="en-US" altLang="zh-CN" dirty="0">
-                <a:latin typeface="Times New Roman" panose="02020603050405020304" pitchFamily="18" charset="0"/>
-                <a:cs typeface="Times New Roman" panose="02020603050405020304" pitchFamily="18" charset="0"/>
-              </a:rPr>
-              <a:t>Method</a:t>
-            </a:r>
-            <a:r>
-              <a:rPr lang="zh-CN" altLang="en-US" dirty="0">
-                <a:latin typeface="Times New Roman" panose="02020603050405020304" pitchFamily="18" charset="0"/>
-                <a:cs typeface="Times New Roman" panose="02020603050405020304" pitchFamily="18" charset="0"/>
-              </a:rPr>
-              <a:t> </a:t>
-            </a:r>
-            <a:r>
-              <a:rPr lang="en-US" altLang="zh-CN" dirty="0">
-                <a:latin typeface="Times New Roman" panose="02020603050405020304" pitchFamily="18" charset="0"/>
-                <a:cs typeface="Times New Roman" panose="02020603050405020304" pitchFamily="18" charset="0"/>
-              </a:rPr>
-              <a:t>Interface</a:t>
-            </a:r>
-          </a:p>
-        </p:txBody>
-      </p:sp>
-      <p:cxnSp>
-        <p:nvCxnSpPr>
-          <p:cNvPr id="64" name="Straight Arrow Connector 63"/>
-          <p:cNvCxnSpPr/>
-          <p:nvPr/>
-        </p:nvCxnSpPr>
-        <p:spPr>
-          <a:xfrm>
-            <a:off x="4324386" y="3723327"/>
-            <a:ext cx="1436050" cy="0"/>
-          </a:xfrm>
-          <a:prstGeom prst="straightConnector1">
-            <a:avLst/>
-          </a:prstGeom>
-          <a:ln w="19050" cmpd="sng">
-            <a:solidFill>
-              <a:schemeClr val="tx1"/>
-            </a:solidFill>
-            <a:prstDash val="solid"/>
-            <a:headEnd type="arrow"/>
-            <a:tailEnd type="arrow"/>
-          </a:ln>
-          <a:effectLst/>
-        </p:spPr>
-        <p:style>
-          <a:lnRef idx="2">
-            <a:schemeClr val="accent1"/>
-          </a:lnRef>
-          <a:fillRef idx="0">
-            <a:schemeClr val="accent1"/>
-          </a:fillRef>
-          <a:effectRef idx="1">
-            <a:schemeClr val="accent1"/>
-          </a:effectRef>
-          <a:fontRef idx="minor">
-            <a:schemeClr val="tx1"/>
-          </a:fontRef>
-        </p:style>
-      </p:cxnSp>
-      <p:cxnSp>
-        <p:nvCxnSpPr>
-          <p:cNvPr id="65" name="Straight Arrow Connector 64"/>
-          <p:cNvCxnSpPr/>
-          <p:nvPr/>
-        </p:nvCxnSpPr>
-        <p:spPr>
-          <a:xfrm>
-            <a:off x="3714364" y="5040085"/>
-            <a:ext cx="0" cy="608482"/>
-          </a:xfrm>
-          <a:prstGeom prst="straightConnector1">
-            <a:avLst/>
-          </a:prstGeom>
-          <a:ln w="28575" cmpd="sng">
-            <a:solidFill>
-              <a:schemeClr val="tx1"/>
-            </a:solidFill>
-            <a:prstDash val="solid"/>
-            <a:headEnd type="arrow"/>
-            <a:tailEnd type="arrow"/>
-          </a:ln>
-          <a:effectLst/>
-        </p:spPr>
-        <p:style>
-          <a:lnRef idx="2">
-            <a:schemeClr val="accent1"/>
-          </a:lnRef>
-          <a:fillRef idx="0">
-            <a:schemeClr val="accent1"/>
-          </a:fillRef>
-          <a:effectRef idx="1">
-            <a:schemeClr val="accent1"/>
-          </a:effectRef>
-          <a:fontRef idx="minor">
-            <a:schemeClr val="tx1"/>
-          </a:fontRef>
-        </p:style>
-      </p:cxnSp>
-      <p:cxnSp>
-        <p:nvCxnSpPr>
-          <p:cNvPr id="68" name="Straight Arrow Connector 67"/>
-          <p:cNvCxnSpPr>
-            <a:stCxn id="95" idx="3"/>
-            <a:endCxn id="86" idx="1"/>
-          </p:cNvCxnSpPr>
-          <p:nvPr/>
-        </p:nvCxnSpPr>
-        <p:spPr>
-          <a:xfrm flipV="1">
-            <a:off x="5483152" y="4625509"/>
-            <a:ext cx="281725" cy="433543"/>
-          </a:xfrm>
-          <a:prstGeom prst="straightConnector1">
-            <a:avLst/>
-          </a:prstGeom>
-          <a:ln w="19050" cmpd="sng">
-            <a:solidFill>
-              <a:schemeClr val="tx1"/>
-            </a:solidFill>
-            <a:prstDash val="solid"/>
-            <a:headEnd type="arrow"/>
-            <a:tailEnd type="arrow"/>
-          </a:ln>
-          <a:effectLst/>
-        </p:spPr>
-        <p:style>
-          <a:lnRef idx="2">
-            <a:schemeClr val="accent1"/>
-          </a:lnRef>
-          <a:fillRef idx="0">
-            <a:schemeClr val="accent1"/>
-          </a:fillRef>
-          <a:effectRef idx="1">
-            <a:schemeClr val="accent1"/>
-          </a:effectRef>
-          <a:fontRef idx="minor">
-            <a:schemeClr val="tx1"/>
-          </a:fontRef>
-        </p:style>
-      </p:cxnSp>
-      <p:cxnSp>
-        <p:nvCxnSpPr>
-          <p:cNvPr id="70" name="Straight Arrow Connector 69"/>
-          <p:cNvCxnSpPr>
-            <a:stCxn id="63" idx="0"/>
-            <a:endCxn id="86" idx="2"/>
-          </p:cNvCxnSpPr>
-          <p:nvPr/>
-        </p:nvCxnSpPr>
-        <p:spPr>
-          <a:xfrm flipV="1">
-            <a:off x="6926685" y="5842320"/>
-            <a:ext cx="65512" cy="338976"/>
-          </a:xfrm>
-          <a:prstGeom prst="straightConnector1">
-            <a:avLst/>
-          </a:prstGeom>
-          <a:ln w="19050" cmpd="sng">
-            <a:solidFill>
-              <a:schemeClr val="tx1"/>
-            </a:solidFill>
-            <a:prstDash val="solid"/>
-            <a:headEnd type="arrow"/>
-            <a:tailEnd type="arrow"/>
-          </a:ln>
-          <a:effectLst/>
-        </p:spPr>
-        <p:style>
-          <a:lnRef idx="2">
-            <a:schemeClr val="accent1"/>
-          </a:lnRef>
-          <a:fillRef idx="0">
-            <a:schemeClr val="accent1"/>
-          </a:fillRef>
-          <a:effectRef idx="1">
-            <a:schemeClr val="accent1"/>
-          </a:effectRef>
-          <a:fontRef idx="minor">
-            <a:schemeClr val="tx1"/>
-          </a:fontRef>
-        </p:style>
-      </p:cxnSp>
-      <p:cxnSp>
-        <p:nvCxnSpPr>
-          <p:cNvPr id="72" name="Straight Arrow Connector 71"/>
-          <p:cNvCxnSpPr>
-            <a:stCxn id="63" idx="1"/>
-            <a:endCxn id="62" idx="3"/>
-          </p:cNvCxnSpPr>
-          <p:nvPr/>
-        </p:nvCxnSpPr>
-        <p:spPr>
-          <a:xfrm flipH="1">
-            <a:off x="5220187" y="6385442"/>
-            <a:ext cx="413666" cy="14847"/>
-          </a:xfrm>
-          <a:prstGeom prst="straightConnector1">
-            <a:avLst/>
-          </a:prstGeom>
-          <a:ln w="28575" cmpd="sng">
-            <a:solidFill>
-              <a:schemeClr val="tx1"/>
-            </a:solidFill>
-            <a:prstDash val="solid"/>
-            <a:headEnd type="arrow"/>
-            <a:tailEnd type="arrow"/>
-          </a:ln>
-          <a:effectLst/>
-        </p:spPr>
-        <p:style>
-          <a:lnRef idx="2">
-            <a:schemeClr val="accent1"/>
-          </a:lnRef>
-          <a:fillRef idx="0">
-            <a:schemeClr val="accent1"/>
-          </a:fillRef>
-          <a:effectRef idx="1">
-            <a:schemeClr val="accent1"/>
-          </a:effectRef>
-          <a:fontRef idx="minor">
-            <a:schemeClr val="tx1"/>
-          </a:fontRef>
-        </p:style>
-      </p:cxnSp>
-      <p:sp>
-        <p:nvSpPr>
-          <p:cNvPr id="86" name="Rectangle 85"/>
-          <p:cNvSpPr/>
-          <p:nvPr/>
-        </p:nvSpPr>
-        <p:spPr>
-          <a:xfrm>
-            <a:off x="5764877" y="3408697"/>
-            <a:ext cx="2454640" cy="2433623"/>
-          </a:xfrm>
-          <a:prstGeom prst="rect">
-            <a:avLst/>
-          </a:prstGeom>
-          <a:solidFill>
-            <a:srgbClr val="FFFF00"/>
-          </a:solidFill>
-          <a:ln w="19050" cmpd="sng">
-            <a:solidFill>
-              <a:schemeClr val="tx1"/>
-            </a:solidFill>
-          </a:ln>
-        </p:spPr>
-        <p:style>
-          <a:lnRef idx="2">
-            <a:schemeClr val="dk1"/>
-          </a:lnRef>
-          <a:fillRef idx="1">
-            <a:schemeClr val="lt1"/>
-          </a:fillRef>
-          <a:effectRef idx="0">
-            <a:schemeClr val="dk1"/>
-          </a:effectRef>
-          <a:fontRef idx="minor">
-            <a:schemeClr val="dk1"/>
-          </a:fontRef>
-        </p:style>
-        <p:txBody>
-          <a:bodyPr rtlCol="0" anchor="t"/>
-          <a:lstStyle/>
-          <a:p>
-            <a:pPr algn="ctr"/>
-            <a:r>
-              <a:rPr lang="en-US" altLang="zh-CN" dirty="0">
-                <a:latin typeface="Times New Roman"/>
-                <a:cs typeface="Times New Roman"/>
-              </a:rPr>
-              <a:t>Run</a:t>
-            </a:r>
-            <a:r>
-              <a:rPr lang="zh-CN" altLang="en-US" dirty="0">
-                <a:latin typeface="Times New Roman"/>
-                <a:cs typeface="Times New Roman"/>
-              </a:rPr>
-              <a:t> </a:t>
-            </a:r>
-            <a:r>
-              <a:rPr lang="en-US" altLang="zh-CN" dirty="0">
-                <a:latin typeface="Times New Roman"/>
-                <a:cs typeface="Times New Roman"/>
-              </a:rPr>
-              <a:t>Time</a:t>
-            </a:r>
-            <a:r>
-              <a:rPr lang="zh-CN" altLang="en-US" dirty="0">
-                <a:latin typeface="Times New Roman"/>
-                <a:cs typeface="Times New Roman"/>
-              </a:rPr>
-              <a:t> </a:t>
-            </a:r>
-            <a:r>
-              <a:rPr lang="en-US" altLang="zh-CN" dirty="0">
-                <a:latin typeface="Times New Roman"/>
-                <a:cs typeface="Times New Roman"/>
-              </a:rPr>
-              <a:t>Data</a:t>
-            </a:r>
-            <a:r>
-              <a:rPr lang="zh-CN" altLang="en-US" dirty="0">
-                <a:latin typeface="Times New Roman"/>
-                <a:cs typeface="Times New Roman"/>
-              </a:rPr>
-              <a:t> </a:t>
-            </a:r>
-            <a:r>
-              <a:rPr lang="en-US" altLang="zh-CN" dirty="0">
-                <a:latin typeface="Times New Roman"/>
-                <a:cs typeface="Times New Roman"/>
-              </a:rPr>
-              <a:t>Areas</a:t>
-            </a:r>
-          </a:p>
-        </p:txBody>
-      </p:sp>
-      <p:sp>
-        <p:nvSpPr>
-          <p:cNvPr id="87" name="Rectangle 86"/>
-          <p:cNvSpPr/>
-          <p:nvPr/>
-        </p:nvSpPr>
-        <p:spPr>
-          <a:xfrm>
-            <a:off x="5925164" y="3893452"/>
-            <a:ext cx="1077827" cy="440534"/>
-          </a:xfrm>
-          <a:prstGeom prst="rect">
-            <a:avLst/>
-          </a:prstGeom>
-          <a:solidFill>
-            <a:srgbClr val="FFFFFF"/>
-          </a:solidFill>
-          <a:ln w="19050" cmpd="sng">
-            <a:solidFill>
-              <a:schemeClr val="tx1"/>
-            </a:solidFill>
-          </a:ln>
-        </p:spPr>
-        <p:style>
-          <a:lnRef idx="2">
-            <a:schemeClr val="dk1"/>
-          </a:lnRef>
-          <a:fillRef idx="1">
-            <a:schemeClr val="lt1"/>
-          </a:fillRef>
-          <a:effectRef idx="0">
-            <a:schemeClr val="dk1"/>
-          </a:effectRef>
-          <a:fontRef idx="minor">
-            <a:schemeClr val="dk1"/>
-          </a:fontRef>
-        </p:style>
-        <p:txBody>
-          <a:bodyPr rtlCol="0" anchor="ctr"/>
-          <a:lstStyle/>
-          <a:p>
-            <a:pPr algn="ctr"/>
-            <a:r>
-              <a:rPr lang="en-US" altLang="zh-CN" dirty="0">
-                <a:latin typeface="Times New Roman"/>
-                <a:cs typeface="Times New Roman"/>
-              </a:rPr>
-              <a:t>Heap</a:t>
-            </a:r>
-          </a:p>
-        </p:txBody>
-      </p:sp>
-      <p:sp>
-        <p:nvSpPr>
-          <p:cNvPr id="88" name="Rectangle 87"/>
-          <p:cNvSpPr/>
-          <p:nvPr/>
-        </p:nvSpPr>
-        <p:spPr>
-          <a:xfrm>
-            <a:off x="5925163" y="4425380"/>
-            <a:ext cx="2147301" cy="393549"/>
-          </a:xfrm>
-          <a:prstGeom prst="rect">
-            <a:avLst/>
-          </a:prstGeom>
-          <a:solidFill>
-            <a:srgbClr val="FFFFFF"/>
-          </a:solidFill>
-          <a:ln w="19050" cmpd="sng">
-            <a:solidFill>
-              <a:schemeClr val="tx1"/>
-            </a:solidFill>
-          </a:ln>
-        </p:spPr>
-        <p:style>
-          <a:lnRef idx="2">
-            <a:schemeClr val="dk1"/>
-          </a:lnRef>
-          <a:fillRef idx="1">
-            <a:schemeClr val="lt1"/>
-          </a:fillRef>
-          <a:effectRef idx="0">
-            <a:schemeClr val="dk1"/>
-          </a:effectRef>
-          <a:fontRef idx="minor">
-            <a:schemeClr val="dk1"/>
-          </a:fontRef>
-        </p:style>
-        <p:txBody>
-          <a:bodyPr rtlCol="0" anchor="ctr"/>
-          <a:lstStyle/>
-          <a:p>
-            <a:pPr algn="ctr"/>
-            <a:r>
-              <a:rPr lang="en-US" altLang="zh-CN" dirty="0">
-                <a:latin typeface="Times New Roman"/>
-                <a:cs typeface="Times New Roman"/>
-              </a:rPr>
-              <a:t>Method</a:t>
-            </a:r>
-            <a:r>
-              <a:rPr lang="zh-CN" altLang="en-US" dirty="0">
-                <a:latin typeface="Times New Roman"/>
-                <a:cs typeface="Times New Roman"/>
-              </a:rPr>
-              <a:t> </a:t>
-            </a:r>
-            <a:r>
-              <a:rPr lang="en-US" altLang="zh-CN" dirty="0">
-                <a:latin typeface="Times New Roman"/>
-                <a:cs typeface="Times New Roman"/>
-              </a:rPr>
-              <a:t>Area</a:t>
-            </a:r>
-          </a:p>
-        </p:txBody>
-      </p:sp>
-      <p:sp>
-        <p:nvSpPr>
-          <p:cNvPr id="89" name="Rectangle 88"/>
-          <p:cNvSpPr/>
-          <p:nvPr/>
-        </p:nvSpPr>
-        <p:spPr>
-          <a:xfrm>
-            <a:off x="7147110" y="3893452"/>
-            <a:ext cx="925354" cy="440534"/>
-          </a:xfrm>
-          <a:prstGeom prst="rect">
-            <a:avLst/>
-          </a:prstGeom>
-          <a:solidFill>
-            <a:srgbClr val="FFFFFF"/>
-          </a:solidFill>
-          <a:ln w="19050" cmpd="sng">
-            <a:solidFill>
-              <a:schemeClr val="tx1"/>
-            </a:solidFill>
-          </a:ln>
-        </p:spPr>
-        <p:style>
-          <a:lnRef idx="2">
-            <a:schemeClr val="dk1"/>
-          </a:lnRef>
-          <a:fillRef idx="1">
-            <a:schemeClr val="lt1"/>
-          </a:fillRef>
-          <a:effectRef idx="0">
-            <a:schemeClr val="dk1"/>
-          </a:effectRef>
-          <a:fontRef idx="minor">
-            <a:schemeClr val="dk1"/>
-          </a:fontRef>
-        </p:style>
-        <p:txBody>
-          <a:bodyPr rtlCol="0" anchor="ctr"/>
-          <a:lstStyle/>
-          <a:p>
-            <a:pPr algn="ctr"/>
-            <a:r>
-              <a:rPr lang="en-US" altLang="zh-CN" dirty="0">
-                <a:latin typeface="Times New Roman"/>
-                <a:cs typeface="Times New Roman"/>
-              </a:rPr>
-              <a:t>Stack</a:t>
-            </a:r>
-          </a:p>
-        </p:txBody>
-      </p:sp>
-      <p:sp>
-        <p:nvSpPr>
-          <p:cNvPr id="90" name="Rectangle 89"/>
-          <p:cNvSpPr/>
-          <p:nvPr/>
-        </p:nvSpPr>
-        <p:spPr>
-          <a:xfrm>
-            <a:off x="5925164" y="4927673"/>
-            <a:ext cx="2147301" cy="360533"/>
-          </a:xfrm>
-          <a:prstGeom prst="rect">
-            <a:avLst/>
-          </a:prstGeom>
-          <a:solidFill>
-            <a:srgbClr val="FFFFFF"/>
-          </a:solidFill>
-          <a:ln w="19050" cmpd="sng">
-            <a:solidFill>
-              <a:schemeClr val="tx1"/>
-            </a:solidFill>
-          </a:ln>
-        </p:spPr>
-        <p:style>
-          <a:lnRef idx="2">
-            <a:schemeClr val="dk1"/>
-          </a:lnRef>
-          <a:fillRef idx="1">
-            <a:schemeClr val="lt1"/>
-          </a:fillRef>
-          <a:effectRef idx="0">
-            <a:schemeClr val="dk1"/>
-          </a:effectRef>
-          <a:fontRef idx="minor">
-            <a:schemeClr val="dk1"/>
-          </a:fontRef>
-        </p:style>
-        <p:txBody>
-          <a:bodyPr rtlCol="0" anchor="ctr"/>
-          <a:lstStyle/>
-          <a:p>
-            <a:pPr algn="ctr"/>
-            <a:r>
-              <a:rPr lang="en-US" altLang="zh-CN" dirty="0">
-                <a:latin typeface="Times New Roman"/>
-                <a:cs typeface="Times New Roman"/>
-              </a:rPr>
-              <a:t>PC</a:t>
-            </a:r>
-            <a:r>
-              <a:rPr lang="zh-CN" altLang="en-US" dirty="0">
-                <a:latin typeface="Times New Roman"/>
-                <a:cs typeface="Times New Roman"/>
-              </a:rPr>
-              <a:t> </a:t>
-            </a:r>
-            <a:r>
-              <a:rPr lang="en-US" altLang="zh-CN" dirty="0">
-                <a:latin typeface="Times New Roman"/>
-                <a:cs typeface="Times New Roman"/>
-              </a:rPr>
-              <a:t>Register</a:t>
-            </a:r>
-          </a:p>
-        </p:txBody>
-      </p:sp>
-      <p:sp>
-        <p:nvSpPr>
-          <p:cNvPr id="91" name="Rectangle 90"/>
-          <p:cNvSpPr/>
-          <p:nvPr/>
-        </p:nvSpPr>
-        <p:spPr>
-          <a:xfrm>
-            <a:off x="5925164" y="5379864"/>
-            <a:ext cx="2147301" cy="393549"/>
-          </a:xfrm>
-          <a:prstGeom prst="rect">
-            <a:avLst/>
-          </a:prstGeom>
-          <a:solidFill>
-            <a:srgbClr val="FFFFFF"/>
-          </a:solidFill>
-          <a:ln w="19050" cmpd="sng">
-            <a:solidFill>
-              <a:schemeClr val="tx1"/>
-            </a:solidFill>
-          </a:ln>
-        </p:spPr>
-        <p:style>
-          <a:lnRef idx="2">
-            <a:schemeClr val="dk1"/>
-          </a:lnRef>
-          <a:fillRef idx="1">
-            <a:schemeClr val="lt1"/>
-          </a:fillRef>
-          <a:effectRef idx="0">
-            <a:schemeClr val="dk1"/>
-          </a:effectRef>
-          <a:fontRef idx="minor">
-            <a:schemeClr val="dk1"/>
-          </a:fontRef>
-        </p:style>
-        <p:txBody>
-          <a:bodyPr rtlCol="0" anchor="ctr"/>
-          <a:lstStyle/>
-          <a:p>
-            <a:pPr algn="ctr"/>
-            <a:r>
-              <a:rPr lang="en-US" altLang="zh-CN" dirty="0">
-                <a:latin typeface="Times New Roman"/>
-                <a:cs typeface="Times New Roman"/>
-              </a:rPr>
-              <a:t>Native</a:t>
-            </a:r>
-            <a:r>
-              <a:rPr lang="zh-CN" altLang="en-US" dirty="0">
-                <a:latin typeface="Times New Roman"/>
-                <a:cs typeface="Times New Roman"/>
-              </a:rPr>
-              <a:t> </a:t>
-            </a:r>
-            <a:r>
-              <a:rPr lang="en-US" altLang="zh-CN" dirty="0">
-                <a:latin typeface="Times New Roman"/>
-                <a:cs typeface="Times New Roman"/>
-              </a:rPr>
-              <a:t>Method</a:t>
-            </a:r>
-            <a:r>
-              <a:rPr lang="zh-CN" altLang="en-US" dirty="0">
-                <a:latin typeface="Times New Roman"/>
-                <a:cs typeface="Times New Roman"/>
-              </a:rPr>
-              <a:t> </a:t>
-            </a:r>
-            <a:r>
-              <a:rPr lang="en-US" altLang="zh-CN" dirty="0">
-                <a:latin typeface="Times New Roman"/>
-                <a:cs typeface="Times New Roman"/>
-              </a:rPr>
-              <a:t>Stack</a:t>
-            </a:r>
-          </a:p>
-        </p:txBody>
-      </p:sp>
-      <p:sp>
-        <p:nvSpPr>
-          <p:cNvPr id="95" name="Rectangle 94"/>
-          <p:cNvSpPr/>
-          <p:nvPr/>
-        </p:nvSpPr>
-        <p:spPr>
-          <a:xfrm>
-            <a:off x="2543238" y="4033187"/>
-            <a:ext cx="2939914" cy="2051730"/>
-          </a:xfrm>
-          <a:prstGeom prst="rect">
-            <a:avLst/>
-          </a:prstGeom>
-          <a:solidFill>
-            <a:srgbClr val="FFFF00"/>
-          </a:solidFill>
-          <a:ln w="19050" cmpd="sng">
-            <a:solidFill>
-              <a:schemeClr val="tx1"/>
-            </a:solidFill>
-          </a:ln>
-        </p:spPr>
-        <p:style>
-          <a:lnRef idx="2">
-            <a:schemeClr val="dk1"/>
-          </a:lnRef>
-          <a:fillRef idx="1">
-            <a:schemeClr val="lt1"/>
-          </a:fillRef>
-          <a:effectRef idx="0">
-            <a:schemeClr val="dk1"/>
-          </a:effectRef>
-          <a:fontRef idx="minor">
-            <a:schemeClr val="dk1"/>
-          </a:fontRef>
-        </p:style>
-        <p:txBody>
-          <a:bodyPr rtlCol="0" anchor="t"/>
-          <a:lstStyle/>
-          <a:p>
-            <a:pPr algn="ctr"/>
-            <a:r>
-              <a:rPr lang="en-US" altLang="zh-CN" dirty="0">
-                <a:latin typeface="Times New Roman"/>
-                <a:cs typeface="Times New Roman"/>
-              </a:rPr>
-              <a:t>Execution</a:t>
-            </a:r>
-            <a:r>
-              <a:rPr lang="zh-CN" altLang="en-US" dirty="0">
-                <a:latin typeface="Times New Roman"/>
-                <a:cs typeface="Times New Roman"/>
-              </a:rPr>
-              <a:t> </a:t>
-            </a:r>
-            <a:r>
-              <a:rPr lang="en-US" altLang="zh-CN" dirty="0">
-                <a:latin typeface="Times New Roman"/>
-                <a:cs typeface="Times New Roman"/>
-              </a:rPr>
-              <a:t>Engine</a:t>
-            </a:r>
-          </a:p>
-        </p:txBody>
-      </p:sp>
-      <p:sp>
-        <p:nvSpPr>
-          <p:cNvPr id="96" name="Rectangle 95"/>
-          <p:cNvSpPr/>
-          <p:nvPr/>
-        </p:nvSpPr>
-        <p:spPr>
-          <a:xfrm>
-            <a:off x="2703525" y="4504573"/>
-            <a:ext cx="2119293" cy="440534"/>
-          </a:xfrm>
-          <a:prstGeom prst="rect">
-            <a:avLst/>
-          </a:prstGeom>
-          <a:solidFill>
-            <a:srgbClr val="FFFFFF"/>
-          </a:solidFill>
-          <a:ln w="19050" cmpd="sng">
-            <a:solidFill>
-              <a:schemeClr val="tx1"/>
-            </a:solidFill>
-          </a:ln>
-        </p:spPr>
-        <p:style>
-          <a:lnRef idx="2">
-            <a:schemeClr val="dk1"/>
-          </a:lnRef>
-          <a:fillRef idx="1">
-            <a:schemeClr val="lt1"/>
-          </a:fillRef>
-          <a:effectRef idx="0">
-            <a:schemeClr val="dk1"/>
-          </a:effectRef>
-          <a:fontRef idx="minor">
-            <a:schemeClr val="dk1"/>
-          </a:fontRef>
-        </p:style>
-        <p:txBody>
-          <a:bodyPr rtlCol="0" anchor="ctr"/>
-          <a:lstStyle/>
-          <a:p>
-            <a:pPr algn="ctr"/>
-            <a:r>
-              <a:rPr lang="en-US" altLang="zh-CN" dirty="0">
-                <a:latin typeface="Times New Roman"/>
-                <a:cs typeface="Times New Roman"/>
-              </a:rPr>
-              <a:t>Java</a:t>
-            </a:r>
-            <a:r>
-              <a:rPr lang="zh-CN" altLang="en-US" dirty="0">
-                <a:latin typeface="Times New Roman"/>
-                <a:cs typeface="Times New Roman"/>
-              </a:rPr>
-              <a:t> </a:t>
-            </a:r>
-            <a:r>
-              <a:rPr lang="en-US" altLang="zh-CN" dirty="0">
-                <a:latin typeface="Times New Roman"/>
-                <a:cs typeface="Times New Roman"/>
-              </a:rPr>
-              <a:t>Interpreter</a:t>
-            </a:r>
-          </a:p>
-        </p:txBody>
-      </p:sp>
-      <p:sp>
-        <p:nvSpPr>
-          <p:cNvPr id="97" name="Rectangle 96"/>
-          <p:cNvSpPr/>
-          <p:nvPr/>
-        </p:nvSpPr>
-        <p:spPr>
-          <a:xfrm>
-            <a:off x="2703525" y="5152893"/>
-            <a:ext cx="2570134" cy="393549"/>
-          </a:xfrm>
-          <a:prstGeom prst="rect">
-            <a:avLst/>
-          </a:prstGeom>
-          <a:solidFill>
-            <a:srgbClr val="FFFFFF"/>
-          </a:solidFill>
-          <a:ln w="19050" cmpd="sng">
-            <a:solidFill>
-              <a:schemeClr val="tx1"/>
-            </a:solidFill>
-          </a:ln>
-        </p:spPr>
-        <p:style>
-          <a:lnRef idx="2">
-            <a:schemeClr val="dk1"/>
-          </a:lnRef>
-          <a:fillRef idx="1">
-            <a:schemeClr val="lt1"/>
-          </a:fillRef>
-          <a:effectRef idx="0">
-            <a:schemeClr val="dk1"/>
-          </a:effectRef>
-          <a:fontRef idx="minor">
-            <a:schemeClr val="dk1"/>
-          </a:fontRef>
-        </p:style>
-        <p:txBody>
-          <a:bodyPr rtlCol="0" anchor="ctr"/>
-          <a:lstStyle/>
-          <a:p>
-            <a:pPr algn="ctr"/>
-            <a:r>
-              <a:rPr lang="en-US" altLang="zh-CN" dirty="0">
-                <a:latin typeface="Times New Roman"/>
-                <a:cs typeface="Times New Roman"/>
-              </a:rPr>
-              <a:t>Just-In-Time</a:t>
-            </a:r>
-            <a:r>
-              <a:rPr lang="zh-CN" altLang="en-US" dirty="0">
-                <a:latin typeface="Times New Roman"/>
-                <a:cs typeface="Times New Roman"/>
-              </a:rPr>
-              <a:t> </a:t>
-            </a:r>
-            <a:r>
-              <a:rPr lang="en-US" altLang="zh-CN" dirty="0">
-                <a:latin typeface="Times New Roman"/>
-                <a:cs typeface="Times New Roman"/>
-              </a:rPr>
-              <a:t>Compiler</a:t>
-            </a:r>
-          </a:p>
-        </p:txBody>
-      </p:sp>
-      <p:sp>
-        <p:nvSpPr>
-          <p:cNvPr id="99" name="Rectangle 98"/>
-          <p:cNvSpPr/>
-          <p:nvPr/>
-        </p:nvSpPr>
-        <p:spPr>
-          <a:xfrm>
-            <a:off x="2703525" y="5637687"/>
-            <a:ext cx="2570134" cy="360533"/>
-          </a:xfrm>
-          <a:prstGeom prst="rect">
-            <a:avLst/>
-          </a:prstGeom>
-          <a:solidFill>
-            <a:srgbClr val="FFFFFF"/>
-          </a:solidFill>
-          <a:ln w="19050" cmpd="sng">
-            <a:solidFill>
-              <a:schemeClr val="tx1"/>
-            </a:solidFill>
-          </a:ln>
-        </p:spPr>
-        <p:style>
-          <a:lnRef idx="2">
-            <a:schemeClr val="dk1"/>
-          </a:lnRef>
-          <a:fillRef idx="1">
-            <a:schemeClr val="lt1"/>
-          </a:fillRef>
-          <a:effectRef idx="0">
-            <a:schemeClr val="dk1"/>
-          </a:effectRef>
-          <a:fontRef idx="minor">
-            <a:schemeClr val="dk1"/>
-          </a:fontRef>
-        </p:style>
-        <p:txBody>
-          <a:bodyPr rtlCol="0" anchor="ctr"/>
-          <a:lstStyle/>
-          <a:p>
-            <a:pPr algn="ctr"/>
-            <a:r>
-              <a:rPr lang="en-US" altLang="zh-CN" dirty="0">
-                <a:latin typeface="Times New Roman"/>
-                <a:cs typeface="Times New Roman"/>
-              </a:rPr>
-              <a:t>Garbage</a:t>
-            </a:r>
-            <a:r>
-              <a:rPr lang="zh-CN" altLang="en-US" dirty="0">
-                <a:latin typeface="Times New Roman"/>
-                <a:cs typeface="Times New Roman"/>
-              </a:rPr>
-              <a:t> </a:t>
-            </a:r>
-            <a:r>
-              <a:rPr lang="en-US" altLang="zh-CN" dirty="0">
-                <a:latin typeface="Times New Roman"/>
-                <a:cs typeface="Times New Roman"/>
-              </a:rPr>
-              <a:t>Collector</a:t>
-            </a:r>
-          </a:p>
-        </p:txBody>
-      </p:sp>
-      <p:cxnSp>
-        <p:nvCxnSpPr>
-          <p:cNvPr id="124" name="Straight Arrow Connector 123"/>
-          <p:cNvCxnSpPr/>
-          <p:nvPr/>
-        </p:nvCxnSpPr>
-        <p:spPr>
-          <a:xfrm flipH="1" flipV="1">
-            <a:off x="5483153" y="5842321"/>
-            <a:ext cx="706426" cy="338975"/>
-          </a:xfrm>
-          <a:prstGeom prst="straightConnector1">
-            <a:avLst/>
-          </a:prstGeom>
-          <a:ln w="19050" cmpd="sng">
-            <a:solidFill>
-              <a:schemeClr val="tx1"/>
-            </a:solidFill>
-            <a:prstDash val="solid"/>
-            <a:headEnd type="arrow"/>
-            <a:tailEnd type="arrow"/>
-          </a:ln>
-          <a:effectLst/>
-        </p:spPr>
-        <p:style>
-          <a:lnRef idx="2">
-            <a:schemeClr val="accent1"/>
-          </a:lnRef>
-          <a:fillRef idx="0">
-            <a:schemeClr val="accent1"/>
-          </a:fillRef>
-          <a:effectRef idx="1">
-            <a:schemeClr val="accent1"/>
-          </a:effectRef>
-          <a:fontRef idx="minor">
-            <a:schemeClr val="tx1"/>
-          </a:fontRef>
-        </p:style>
-      </p:cxnSp>
-      <p:sp>
-        <p:nvSpPr>
-          <p:cNvPr id="3" name="TextBox 2">
-            <a:extLst>
-              <a:ext uri="{FF2B5EF4-FFF2-40B4-BE49-F238E27FC236}">
-                <a16:creationId xmlns:a16="http://schemas.microsoft.com/office/drawing/2014/main" id="{06F58394-7710-754C-BA28-C1E786DA015C}"/>
-              </a:ext>
-            </a:extLst>
-          </p:cNvPr>
-          <p:cNvSpPr txBox="1"/>
-          <p:nvPr/>
-        </p:nvSpPr>
-        <p:spPr>
-          <a:xfrm>
-            <a:off x="2737492" y="4271225"/>
-            <a:ext cx="1598515" cy="430887"/>
-          </a:xfrm>
-          <a:prstGeom prst="rect">
-            <a:avLst/>
-          </a:prstGeom>
-          <a:noFill/>
-        </p:spPr>
-        <p:txBody>
-          <a:bodyPr wrap="none" rtlCol="0">
-            <a:spAutoFit/>
-          </a:bodyPr>
-          <a:lstStyle/>
-          <a:p>
-            <a:r>
-              <a:rPr lang="en-US" altLang="zh-CN" sz="1100" dirty="0">
-                <a:solidFill>
-                  <a:srgbClr val="FF0000"/>
-                </a:solidFill>
-              </a:rPr>
-              <a:t>Per</a:t>
-            </a:r>
-            <a:r>
-              <a:rPr lang="zh-CN" altLang="en-US" sz="1100" dirty="0">
-                <a:solidFill>
-                  <a:srgbClr val="FF0000"/>
-                </a:solidFill>
-              </a:rPr>
-              <a:t> </a:t>
-            </a:r>
-            <a:r>
-              <a:rPr lang="en-US" altLang="zh-CN" sz="1100" dirty="0">
-                <a:solidFill>
-                  <a:srgbClr val="FF0000"/>
-                </a:solidFill>
-              </a:rPr>
-              <a:t>instruction</a:t>
-            </a:r>
-            <a:r>
-              <a:rPr lang="zh-CN" altLang="en-US" sz="1100" dirty="0">
-                <a:solidFill>
-                  <a:srgbClr val="FF0000"/>
-                </a:solidFill>
-              </a:rPr>
-              <a:t> </a:t>
-            </a:r>
-            <a:r>
-              <a:rPr lang="en-US" altLang="zh-CN" sz="1100" dirty="0">
-                <a:solidFill>
-                  <a:srgbClr val="FF0000"/>
-                </a:solidFill>
-              </a:rPr>
-              <a:t>on</a:t>
-            </a:r>
-            <a:r>
-              <a:rPr lang="zh-CN" altLang="en-US" sz="1100" dirty="0">
-                <a:solidFill>
-                  <a:srgbClr val="FF0000"/>
-                </a:solidFill>
-              </a:rPr>
-              <a:t> </a:t>
-            </a:r>
-            <a:r>
-              <a:rPr lang="en-US" altLang="zh-CN" sz="1100" dirty="0">
-                <a:solidFill>
-                  <a:srgbClr val="FF0000"/>
-                </a:solidFill>
-              </a:rPr>
-              <a:t>the</a:t>
-            </a:r>
-            <a:r>
-              <a:rPr lang="zh-CN" altLang="en-US" sz="1100" dirty="0">
-                <a:solidFill>
-                  <a:srgbClr val="FF0000"/>
-                </a:solidFill>
-              </a:rPr>
-              <a:t> </a:t>
-            </a:r>
-            <a:r>
-              <a:rPr lang="en-US" altLang="zh-CN" sz="1100" dirty="0">
-                <a:solidFill>
-                  <a:srgbClr val="FF0000"/>
-                </a:solidFill>
-              </a:rPr>
-              <a:t>fly</a:t>
-            </a:r>
-          </a:p>
-          <a:p>
-            <a:endParaRPr lang="en-US" sz="1100" dirty="0">
-              <a:solidFill>
-                <a:srgbClr val="FF0000"/>
-              </a:solidFill>
-            </a:endParaRPr>
-          </a:p>
-        </p:txBody>
-      </p:sp>
-      <p:sp>
-        <p:nvSpPr>
-          <p:cNvPr id="8" name="TextBox 7">
-            <a:extLst>
-              <a:ext uri="{FF2B5EF4-FFF2-40B4-BE49-F238E27FC236}">
-                <a16:creationId xmlns:a16="http://schemas.microsoft.com/office/drawing/2014/main" id="{3E572B88-48CF-F84F-9D2F-424A54CC0735}"/>
-              </a:ext>
-            </a:extLst>
-          </p:cNvPr>
-          <p:cNvSpPr txBox="1"/>
-          <p:nvPr/>
-        </p:nvSpPr>
-        <p:spPr>
-          <a:xfrm>
-            <a:off x="2736639" y="4923677"/>
-            <a:ext cx="2159566" cy="261610"/>
-          </a:xfrm>
-          <a:prstGeom prst="rect">
-            <a:avLst/>
-          </a:prstGeom>
-          <a:noFill/>
-        </p:spPr>
-        <p:txBody>
-          <a:bodyPr wrap="none" rtlCol="0">
-            <a:spAutoFit/>
-          </a:bodyPr>
-          <a:lstStyle/>
-          <a:p>
-            <a:r>
-              <a:rPr lang="en-US" altLang="zh-CN" sz="1100" dirty="0">
-                <a:solidFill>
-                  <a:srgbClr val="FF0000"/>
-                </a:solidFill>
-              </a:rPr>
-              <a:t>Block</a:t>
-            </a:r>
-            <a:r>
-              <a:rPr lang="zh-CN" altLang="en-US" sz="1100" dirty="0">
-                <a:solidFill>
-                  <a:srgbClr val="FF0000"/>
-                </a:solidFill>
-              </a:rPr>
-              <a:t> </a:t>
-            </a:r>
-            <a:r>
-              <a:rPr lang="en-US" altLang="zh-CN" sz="1100" dirty="0">
-                <a:solidFill>
-                  <a:srgbClr val="FF0000"/>
-                </a:solidFill>
-              </a:rPr>
-              <a:t>of</a:t>
-            </a:r>
-            <a:r>
-              <a:rPr lang="zh-CN" altLang="en-US" sz="1100" dirty="0">
-                <a:solidFill>
-                  <a:srgbClr val="FF0000"/>
-                </a:solidFill>
-              </a:rPr>
-              <a:t> </a:t>
-            </a:r>
-            <a:r>
-              <a:rPr lang="en-US" altLang="zh-CN" sz="1100" dirty="0">
-                <a:solidFill>
-                  <a:srgbClr val="FF0000"/>
-                </a:solidFill>
-              </a:rPr>
-              <a:t>source</a:t>
-            </a:r>
-            <a:r>
-              <a:rPr lang="zh-CN" altLang="en-US" sz="1100" dirty="0">
-                <a:solidFill>
-                  <a:srgbClr val="FF0000"/>
-                </a:solidFill>
-              </a:rPr>
-              <a:t> </a:t>
-            </a:r>
-            <a:r>
-              <a:rPr lang="en-US" altLang="zh-CN" sz="1100" dirty="0">
-                <a:solidFill>
-                  <a:srgbClr val="FF0000"/>
-                </a:solidFill>
-              </a:rPr>
-              <a:t>code</a:t>
-            </a:r>
-            <a:r>
-              <a:rPr lang="zh-CN" altLang="en-US" sz="1100" dirty="0">
-                <a:solidFill>
-                  <a:srgbClr val="FF0000"/>
-                </a:solidFill>
-              </a:rPr>
-              <a:t> </a:t>
-            </a:r>
-            <a:r>
-              <a:rPr lang="en-US" altLang="zh-CN" sz="1100" dirty="0">
-                <a:solidFill>
-                  <a:srgbClr val="FF0000"/>
-                </a:solidFill>
-              </a:rPr>
-              <a:t>pre-compiled</a:t>
-            </a:r>
-            <a:endParaRPr lang="en-US" sz="1100" dirty="0">
-              <a:solidFill>
-                <a:srgbClr val="FF0000"/>
-              </a:solidFill>
-            </a:endParaRPr>
-          </a:p>
-        </p:txBody>
-      </p:sp>
-    </p:spTree>
-    <p:extLst>
-      <p:ext uri="{BB962C8B-B14F-4D97-AF65-F5344CB8AC3E}">
-        <p14:creationId xmlns:p14="http://schemas.microsoft.com/office/powerpoint/2010/main" val="2734596505"/>
       </p:ext>
     </p:extLst>
   </p:cSld>
@@ -6320,7 +3930,7 @@
           <a:p>
             <a:r>
               <a:rPr lang="en-US" dirty="0"/>
-              <a:t>Instructor Information</a:t>
+              <a:t>Course Logistics</a:t>
             </a:r>
           </a:p>
         </p:txBody>
@@ -6337,7 +3947,9 @@
         </p:nvSpPr>
         <p:spPr/>
         <p:txBody>
-          <a:bodyPr/>
+          <a:bodyPr>
+            <a:normAutofit lnSpcReduction="10000"/>
+          </a:bodyPr>
           <a:lstStyle/>
           <a:p>
             <a:pPr>
@@ -6402,6 +4014,67 @@
               <a:rPr lang="en-US" altLang="zh-CN" dirty="0"/>
               <a:t>pm</a:t>
             </a:r>
+          </a:p>
+          <a:p>
+            <a:pPr>
+              <a:lnSpc>
+                <a:spcPct val="150000"/>
+              </a:lnSpc>
+            </a:pPr>
+            <a:r>
+              <a:rPr lang="en-GB" b="1" dirty="0"/>
+              <a:t>Course website: </a:t>
+            </a:r>
+            <a:r>
+              <a:rPr lang="en-GB" dirty="0">
+                <a:hlinkClick r:id="rId3"/>
+              </a:rPr>
+              <a:t>https://guhofstra.github.io/CSC017Sp25/</a:t>
+            </a:r>
+            <a:r>
+              <a:rPr lang="en-GB" dirty="0"/>
+              <a:t> </a:t>
+            </a:r>
+          </a:p>
+          <a:p>
+            <a:pPr>
+              <a:lnSpc>
+                <a:spcPct val="150000"/>
+              </a:lnSpc>
+            </a:pPr>
+            <a:r>
+              <a:rPr lang="en-GB" dirty="0"/>
+              <a:t>3 hours lecture, 1 hour lab</a:t>
+            </a:r>
+          </a:p>
+          <a:p>
+            <a:pPr lvl="1">
+              <a:lnSpc>
+                <a:spcPct val="150000"/>
+              </a:lnSpc>
+            </a:pPr>
+            <a:r>
+              <a:rPr lang="en-GB" dirty="0"/>
+              <a:t>Lectures: SIC 125 MW 9:40-11:05 AM</a:t>
+            </a:r>
+          </a:p>
+          <a:p>
+            <a:pPr lvl="1">
+              <a:lnSpc>
+                <a:spcPct val="150000"/>
+              </a:lnSpc>
+            </a:pPr>
+            <a:r>
+              <a:rPr lang="en-GB" dirty="0"/>
+              <a:t>Labs: SIC 206 M 8:30-9:25 AM</a:t>
+            </a:r>
+          </a:p>
+          <a:p>
+            <a:pPr>
+              <a:lnSpc>
+                <a:spcPct val="150000"/>
+              </a:lnSpc>
+            </a:pPr>
             <a:endParaRPr lang="en-US" sz="2000" dirty="0"/>
           </a:p>
         </p:txBody>
@@ -6438,7 +4111,13 @@
       </p:grpSpPr>
       <p:sp>
         <p:nvSpPr>
-          <p:cNvPr id="2" name="Title 1"/>
+          <p:cNvPr id="2" name="Title 1">
+            <a:extLst>
+              <a:ext uri="{FF2B5EF4-FFF2-40B4-BE49-F238E27FC236}">
+                <a16:creationId xmlns:a16="http://schemas.microsoft.com/office/drawing/2014/main" id="{EA10DB64-B245-D46D-B4A0-7B8C92A75D16}"/>
+              </a:ext>
+            </a:extLst>
+          </p:cNvPr>
           <p:cNvSpPr>
             <a:spLocks noGrp="1"/>
           </p:cNvSpPr>
@@ -6452,15 +4131,22 @@
           <a:lstStyle/>
           <a:p>
             <a:r>
-              <a:rPr lang="en-US" dirty="0"/>
-              <a:t>Course Goals</a:t>
-            </a:r>
-          </a:p>
-        </p:txBody>
-      </p:sp>
-      <p:sp>
-        <p:nvSpPr>
-          <p:cNvPr id="3" name="Content Placeholder 2"/>
+              <a:rPr lang="en-GB" dirty="0"/>
+              <a:t>Discord Channel and Feedback Form</a:t>
+            </a:r>
+            <a:endParaRPr lang="en-SE" dirty="0"/>
+          </a:p>
+        </p:txBody>
+      </p:sp>
+      <p:sp>
+        <p:nvSpPr>
+          <p:cNvPr id="3" name="Content Placeholder 2">
+            <a:extLst>
+              <a:ext uri="{FF2B5EF4-FFF2-40B4-BE49-F238E27FC236}">
+                <a16:creationId xmlns:a16="http://schemas.microsoft.com/office/drawing/2014/main" id="{4C753F46-04DC-0E7F-B563-1C508D6328EA}"/>
+              </a:ext>
+            </a:extLst>
+          </p:cNvPr>
           <p:cNvSpPr>
             <a:spLocks noGrp="1"/>
           </p:cNvSpPr>
@@ -6473,138 +4159,66 @@
           <a:bodyPr/>
           <a:lstStyle/>
           <a:p>
-            <a:pPr>
-              <a:lnSpc>
-                <a:spcPct val="120000"/>
-              </a:lnSpc>
-            </a:pPr>
-            <a:r>
-              <a:rPr lang="en-US" dirty="0"/>
-              <a:t>Master the </a:t>
-            </a:r>
-            <a:r>
-              <a:rPr lang="en-US" dirty="0">
-                <a:solidFill>
-                  <a:schemeClr val="accent1"/>
-                </a:solidFill>
-              </a:rPr>
-              <a:t>concepts</a:t>
-            </a:r>
-            <a:r>
-              <a:rPr lang="en-US" dirty="0"/>
-              <a:t> of advanced data structures and object-oriented programming.</a:t>
-            </a:r>
-          </a:p>
-          <a:p>
-            <a:pPr>
-              <a:lnSpc>
-                <a:spcPct val="120000"/>
-              </a:lnSpc>
-            </a:pPr>
-            <a:r>
-              <a:rPr lang="en-US" dirty="0"/>
-              <a:t>Learn practical programming </a:t>
-            </a:r>
-            <a:r>
-              <a:rPr lang="en-US" dirty="0">
-                <a:solidFill>
-                  <a:srgbClr val="4F81BD"/>
-                </a:solidFill>
-              </a:rPr>
-              <a:t>skills</a:t>
-            </a:r>
-            <a:r>
-              <a:rPr lang="en-US" dirty="0"/>
-              <a:t>.</a:t>
-            </a:r>
-          </a:p>
-          <a:p>
-            <a:pPr>
-              <a:lnSpc>
-                <a:spcPct val="120000"/>
-              </a:lnSpc>
-            </a:pPr>
-            <a:r>
-              <a:rPr lang="en-US" dirty="0"/>
-              <a:t>Earn hands-on </a:t>
-            </a:r>
-            <a:r>
-              <a:rPr lang="en-US" dirty="0">
-                <a:solidFill>
-                  <a:srgbClr val="4F81BD"/>
-                </a:solidFill>
-              </a:rPr>
-              <a:t>experience</a:t>
-            </a:r>
-            <a:r>
-              <a:rPr lang="en-US" dirty="0"/>
-              <a:t> by solving real-word problem. </a:t>
-            </a:r>
-          </a:p>
-          <a:p>
-            <a:pPr>
-              <a:lnSpc>
-                <a:spcPct val="120000"/>
-              </a:lnSpc>
-            </a:pPr>
-            <a:r>
-              <a:rPr lang="en-US" dirty="0"/>
-              <a:t>Master the software engineering </a:t>
-            </a:r>
-            <a:r>
-              <a:rPr lang="en-US" dirty="0">
-                <a:solidFill>
-                  <a:srgbClr val="4F81BD"/>
-                </a:solidFill>
-              </a:rPr>
-              <a:t>interview</a:t>
-            </a:r>
-            <a:r>
-              <a:rPr lang="en-US" dirty="0"/>
-              <a:t>.</a:t>
-            </a:r>
-          </a:p>
-          <a:p>
-            <a:pPr>
-              <a:lnSpc>
-                <a:spcPct val="120000"/>
-              </a:lnSpc>
-            </a:pPr>
-            <a:r>
-              <a:rPr lang="en-US" dirty="0"/>
-              <a:t>3 hours lecture, 1 hour laboratory.</a:t>
-            </a:r>
-          </a:p>
-          <a:p>
-            <a:pPr>
-              <a:lnSpc>
-                <a:spcPct val="120000"/>
-              </a:lnSpc>
-            </a:pPr>
-            <a:r>
-              <a:rPr lang="en-US" dirty="0"/>
-              <a:t>Course materials: </a:t>
-            </a:r>
-            <a:r>
-              <a:rPr lang="en-US" dirty="0">
+            <a:r>
+              <a:rPr lang="en-GB" dirty="0"/>
+              <a:t>On </a:t>
+            </a:r>
+            <a:r>
+              <a:rPr lang="en-GB" dirty="0">
                 <a:hlinkClick r:id="rId2"/>
               </a:rPr>
-              <a:t>https://guhofstra.github.io/CSC017</a:t>
-            </a:r>
-            <a:r>
-              <a:rPr lang="en-US" dirty="0"/>
+              <a:t>https://guhofstra.github.io/CSC017Sp25/</a:t>
+            </a:r>
+            <a:r>
+              <a:rPr lang="en-GB" dirty="0"/>
               <a:t> </a:t>
             </a:r>
           </a:p>
           <a:p>
-            <a:endParaRPr lang="en-US" dirty="0"/>
+            <a:r>
+              <a:rPr lang="en-GB" dirty="0"/>
+              <a:t>Join the </a:t>
+            </a:r>
+            <a:r>
+              <a:rPr lang="en-GB" dirty="0">
+                <a:hlinkClick r:id="rId3"/>
+              </a:rPr>
+              <a:t>Discord channel</a:t>
+            </a:r>
+            <a:endParaRPr lang="en-GB" dirty="0"/>
+          </a:p>
+          <a:p>
+            <a:pPr lvl="1"/>
+            <a:r>
+              <a:rPr lang="en-GB" dirty="0"/>
+              <a:t>Used for all announcements and Q&amp;A</a:t>
+            </a:r>
+          </a:p>
+          <a:p>
+            <a:r>
+              <a:rPr lang="en-GB" dirty="0"/>
+              <a:t>Use the </a:t>
+            </a:r>
+            <a:r>
+              <a:rPr lang="en-GB" dirty="0">
+                <a:hlinkClick r:id="rId4"/>
+              </a:rPr>
+              <a:t>anonymous feedback form </a:t>
+            </a:r>
+            <a:r>
+              <a:rPr lang="en-GB" dirty="0"/>
+              <a:t>anytime to provide your comments and suggestions for me.</a:t>
+            </a:r>
+          </a:p>
+          <a:p>
+            <a:endParaRPr lang="en-SE" dirty="0"/>
           </a:p>
         </p:txBody>
       </p:sp>
     </p:spTree>
     <p:extLst>
       <p:ext uri="{BB962C8B-B14F-4D97-AF65-F5344CB8AC3E}">
-        <p14:creationId xmlns:p14="http://schemas.microsoft.com/office/powerpoint/2010/main" val="4021646482"/>
+        <p14:creationId xmlns:p14="http://schemas.microsoft.com/office/powerpoint/2010/main" val="178653079"/>
       </p:ext>
     </p:extLst>
   </p:cSld>
@@ -6648,7 +4262,7 @@
           <a:p>
             <a:r>
               <a:rPr lang="en-US" dirty="0"/>
-              <a:t>Tentative Topics</a:t>
+              <a:t>Topics (Tentative)</a:t>
             </a:r>
           </a:p>
         </p:txBody>
@@ -6668,14 +4282,14 @@
           <p:nvPr>
             <p:extLst>
               <p:ext uri="{D42A27DB-BD31-4B8C-83A1-F6EECF244321}">
-                <p14:modId xmlns:p14="http://schemas.microsoft.com/office/powerpoint/2010/main" val="115288374"/>
+                <p14:modId xmlns:p14="http://schemas.microsoft.com/office/powerpoint/2010/main" val="1653441510"/>
               </p:ext>
             </p:extLst>
           </p:nvPr>
         </p:nvGraphicFramePr>
         <p:xfrm>
           <a:off x="696118" y="1301221"/>
-          <a:ext cx="7990682" cy="4968345"/>
+          <a:ext cx="7990682" cy="4570652"/>
         </p:xfrm>
         <a:graphic>
           <a:graphicData uri="http://schemas.openxmlformats.org/drawingml/2006/table">
@@ -6714,7 +4328,7 @@
                         </a:spcAft>
                       </a:pPr>
                       <a:r>
-                        <a:rPr lang="en-US" sz="1600" b="0" u="none" strike="noStrike">
+                        <a:rPr lang="en-US" sz="1600" b="0" u="none" strike="noStrike" dirty="0">
                           <a:solidFill>
                             <a:srgbClr val="000000"/>
                           </a:solidFill>
@@ -6724,7 +4338,7 @@
                         </a:rPr>
                         <a:t>Week</a:t>
                       </a:r>
-                      <a:endParaRPr lang="en-US" sz="1600">
+                      <a:endParaRPr lang="en-US" sz="1600" dirty="0">
                         <a:effectLst/>
                         <a:latin typeface="Times New Roman" panose="02020603050405020304" pitchFamily="18" charset="0"/>
                         <a:cs typeface="Times New Roman" panose="02020603050405020304" pitchFamily="18" charset="0"/>
@@ -7477,7 +5091,7 @@
                         </a:spcAft>
                       </a:pPr>
                       <a:r>
-                        <a:rPr lang="en-US" sz="1600" b="0" u="none" strike="noStrike">
+                        <a:rPr lang="en-US" sz="1600" b="0" u="none" strike="noStrike" dirty="0">
                           <a:solidFill>
                             <a:srgbClr val="000000"/>
                           </a:solidFill>
@@ -7485,39 +5099,10 @@
                           <a:latin typeface="Times New Roman" panose="02020603050405020304" pitchFamily="18" charset="0"/>
                           <a:cs typeface="Times New Roman" panose="02020603050405020304" pitchFamily="18" charset="0"/>
                         </a:rPr>
-                        <a:t>Sorting Algorithms: Heapsort, Quicksort, Mergesort, and Radix Sort</a:t>
+                        <a:t>Sorting Algorithms: Heapsort, Quicksort, </a:t>
                       </a:r>
-                      <a:endParaRPr lang="en-US" sz="1600">
-                        <a:effectLst/>
-                        <a:latin typeface="Times New Roman" panose="02020603050405020304" pitchFamily="18" charset="0"/>
-                        <a:cs typeface="Times New Roman" panose="02020603050405020304" pitchFamily="18" charset="0"/>
-                      </a:endParaRPr>
-                    </a:p>
-                  </a:txBody>
-                  <a:tcPr marL="76200" marR="76200" marT="12700" marB="12700" anchor="ctr"/>
-                </a:tc>
-                <a:extLst>
-                  <a:ext uri="{0D108BD9-81ED-4DB2-BD59-A6C34878D82A}">
-                    <a16:rowId xmlns:a16="http://schemas.microsoft.com/office/drawing/2014/main" val="656447590"/>
-                  </a:ext>
-                </a:extLst>
-              </a:tr>
-              <a:tr h="397693">
-                <a:tc>
-                  <a:txBody>
-                    <a:bodyPr/>
-                    <a:lstStyle/>
-                    <a:p>
-                      <a:pPr algn="l" rtl="0" fontAlgn="t">
-                        <a:spcBef>
-                          <a:spcPts val="0"/>
-                        </a:spcBef>
-                        <a:spcAft>
-                          <a:spcPts val="0"/>
-                        </a:spcAft>
-                      </a:pPr>
                       <a:r>
-                        <a:rPr lang="en-US" sz="1600" b="0" u="none" strike="noStrike">
+                        <a:rPr lang="en-US" sz="1600" b="0" u="none" strike="noStrike" dirty="0" err="1">
                           <a:solidFill>
                             <a:srgbClr val="000000"/>
                           </a:solidFill>
@@ -7525,30 +5110,8 @@
                           <a:latin typeface="Times New Roman" panose="02020603050405020304" pitchFamily="18" charset="0"/>
                           <a:cs typeface="Times New Roman" panose="02020603050405020304" pitchFamily="18" charset="0"/>
                         </a:rPr>
-                        <a:t>Optional</a:t>
+                        <a:t>Mergesort</a:t>
                       </a:r>
-                      <a:endParaRPr lang="en-US" sz="1600">
-                        <a:effectLst/>
-                        <a:latin typeface="Times New Roman" panose="02020603050405020304" pitchFamily="18" charset="0"/>
-                        <a:cs typeface="Times New Roman" panose="02020603050405020304" pitchFamily="18" charset="0"/>
-                      </a:endParaRPr>
-                    </a:p>
-                  </a:txBody>
-                  <a:tcPr marL="76200" marR="76200" marT="12700" marB="12700" anchor="ctr"/>
-                </a:tc>
-                <a:tc>
-                  <a:txBody>
-                    <a:bodyPr/>
-                    <a:lstStyle/>
-                    <a:p>
-                      <a:pPr algn="l" rtl="0" fontAlgn="t">
-                        <a:spcBef>
-                          <a:spcPts val="0"/>
-                        </a:spcBef>
-                        <a:spcAft>
-                          <a:spcPts val="0"/>
-                        </a:spcAft>
-                      </a:pPr>
                       <a:r>
                         <a:rPr lang="en-US" sz="1600" b="0" u="none" strike="noStrike" dirty="0">
                           <a:solidFill>
@@ -7558,7 +5121,7 @@
                           <a:latin typeface="Times New Roman" panose="02020603050405020304" pitchFamily="18" charset="0"/>
                           <a:cs typeface="Times New Roman" panose="02020603050405020304" pitchFamily="18" charset="0"/>
                         </a:rPr>
-                        <a:t>Multi-threading in Java, data compression</a:t>
+                        <a:t>, and Radix Sort</a:t>
                       </a:r>
                       <a:endParaRPr lang="en-US" sz="1600" dirty="0">
                         <a:effectLst/>
@@ -7571,7 +5134,7 @@
                 </a:tc>
                 <a:extLst>
                   <a:ext uri="{0D108BD9-81ED-4DB2-BD59-A6C34878D82A}">
-                    <a16:rowId xmlns:a16="http://schemas.microsoft.com/office/drawing/2014/main" val="4141140002"/>
+                    <a16:rowId xmlns:a16="http://schemas.microsoft.com/office/drawing/2014/main" val="656447590"/>
                   </a:ext>
                 </a:extLst>
               </a:tr>
@@ -7695,7 +5258,7 @@
           <a:p>
             <a:r>
               <a:rPr lang="en-US" dirty="0"/>
-              <a:t>Textbook</a:t>
+              <a:t>No Textbook</a:t>
             </a:r>
           </a:p>
         </p:txBody>
@@ -7747,20 +5310,6 @@
             <a:r>
               <a:rPr lang="en-US" dirty="0"/>
               <a:t>including tutorials, open courses, official documents, programming learning platforms, etc.</a:t>
-            </a:r>
-          </a:p>
-          <a:p>
-            <a:pPr fontAlgn="base">
-              <a:lnSpc>
-                <a:spcPct val="130000"/>
-              </a:lnSpc>
-              <a:spcAft>
-                <a:spcPts val="0"/>
-              </a:spcAft>
-            </a:pPr>
-            <a:r>
-              <a:rPr lang="en-US" dirty="0"/>
-              <a:t>Recommended book: Algorithms, 4th Edition by Robert Sedgewick and Kevin Wayne.</a:t>
             </a:r>
           </a:p>
         </p:txBody>
@@ -7797,7 +5346,13 @@
       </p:grpSpPr>
       <p:sp>
         <p:nvSpPr>
-          <p:cNvPr id="2" name="Title 1"/>
+          <p:cNvPr id="2" name="Title 1">
+            <a:extLst>
+              <a:ext uri="{FF2B5EF4-FFF2-40B4-BE49-F238E27FC236}">
+                <a16:creationId xmlns:a16="http://schemas.microsoft.com/office/drawing/2014/main" id="{E9DDF503-556C-2336-E1F2-3FF989A94FC6}"/>
+              </a:ext>
+            </a:extLst>
+          </p:cNvPr>
           <p:cNvSpPr>
             <a:spLocks noGrp="1"/>
           </p:cNvSpPr>
@@ -7812,14 +5367,21 @@
           <a:p>
             <a:r>
               <a:rPr lang="en-US" dirty="0"/>
-              <a:t>External Resources</a:t>
-            </a:r>
-          </a:p>
-        </p:txBody>
-      </p:sp>
-      <p:sp>
-        <p:nvSpPr>
-          <p:cNvPr id="3" name="Content Placeholder 2"/>
+              <a:t>Lab Assignments</a:t>
+            </a:r>
+            <a:endParaRPr lang="en-SE" dirty="0"/>
+          </a:p>
+        </p:txBody>
+      </p:sp>
+      <p:sp>
+        <p:nvSpPr>
+          <p:cNvPr id="3" name="Content Placeholder 2">
+            <a:extLst>
+              <a:ext uri="{FF2B5EF4-FFF2-40B4-BE49-F238E27FC236}">
+                <a16:creationId xmlns:a16="http://schemas.microsoft.com/office/drawing/2014/main" id="{73B5D58E-C189-E68D-1A4E-DF494F94B82C}"/>
+              </a:ext>
+            </a:extLst>
+          </p:cNvPr>
           <p:cNvSpPr>
             <a:spLocks noGrp="1"/>
           </p:cNvSpPr>
@@ -7829,178 +5391,532 @@
         </p:nvSpPr>
         <p:spPr>
           <a:xfrm>
-            <a:off x="457200" y="1338127"/>
+            <a:off x="545690" y="1268114"/>
             <a:ext cx="8229600" cy="4525963"/>
           </a:xfrm>
         </p:spPr>
         <p:txBody>
-          <a:bodyPr>
-            <a:noAutofit/>
-          </a:bodyPr>
+          <a:bodyPr/>
           <a:lstStyle/>
           <a:p>
-            <a:pPr>
-              <a:lnSpc>
-                <a:spcPct val="110000"/>
-              </a:lnSpc>
-            </a:pPr>
-            <a:r>
-              <a:rPr lang="en-US" sz="2000" dirty="0"/>
-              <a:t>Online Comprehensive </a:t>
-            </a:r>
-            <a:r>
-              <a:rPr lang="en-US" sz="2000" dirty="0">
-                <a:solidFill>
-                  <a:srgbClr val="4F81BD"/>
-                </a:solidFill>
-              </a:rPr>
-              <a:t>Tutorial</a:t>
-            </a:r>
-            <a:r>
-              <a:rPr lang="en-US" sz="2000" dirty="0"/>
-              <a:t> for Java: </a:t>
-            </a:r>
-          </a:p>
-          <a:p>
-            <a:pPr lvl="1">
-              <a:lnSpc>
-                <a:spcPct val="110000"/>
-              </a:lnSpc>
-            </a:pPr>
-            <a:r>
-              <a:rPr lang="en-US" sz="1800" dirty="0"/>
-              <a:t>Java Tutorial - https://www.tutorialspoint.com/java/index.htm</a:t>
-            </a:r>
-          </a:p>
-          <a:p>
-            <a:pPr>
-              <a:lnSpc>
-                <a:spcPct val="110000"/>
-              </a:lnSpc>
-            </a:pPr>
-            <a:r>
-              <a:rPr lang="en-US" sz="2000" dirty="0"/>
-              <a:t>JDK and Java IDE </a:t>
-            </a:r>
-            <a:r>
-              <a:rPr lang="en-US" sz="2000" dirty="0">
-                <a:solidFill>
-                  <a:srgbClr val="4F81BD"/>
-                </a:solidFill>
-              </a:rPr>
-              <a:t>installation</a:t>
-            </a:r>
-            <a:r>
-              <a:rPr lang="en-US" sz="2000" dirty="0"/>
-              <a:t>: </a:t>
-            </a:r>
-          </a:p>
-          <a:p>
-            <a:pPr lvl="1">
-              <a:lnSpc>
-                <a:spcPct val="110000"/>
-              </a:lnSpc>
-            </a:pPr>
-            <a:r>
-              <a:rPr lang="en-US" sz="1800" dirty="0"/>
-              <a:t>Install JDK and Eclipse - https://www3.ntu.edu.sg/home/</a:t>
-            </a:r>
-            <a:r>
-              <a:rPr lang="en-US" sz="1800" dirty="0" err="1"/>
-              <a:t>ehchua</a:t>
-            </a:r>
-            <a:r>
-              <a:rPr lang="en-US" sz="1800" dirty="0"/>
-              <a:t>/programming/</a:t>
-            </a:r>
-            <a:r>
-              <a:rPr lang="en-US" sz="1800" dirty="0" err="1"/>
-              <a:t>howto</a:t>
-            </a:r>
-            <a:r>
-              <a:rPr lang="en-US" sz="1800" dirty="0"/>
-              <a:t>/</a:t>
-            </a:r>
-            <a:r>
-              <a:rPr lang="en-US" sz="1800" dirty="0" err="1"/>
-              <a:t>JDK_Howto.html</a:t>
-            </a:r>
-            <a:endParaRPr lang="en-US" sz="1800" dirty="0"/>
-          </a:p>
-          <a:p>
-            <a:pPr>
-              <a:lnSpc>
-                <a:spcPct val="110000"/>
-              </a:lnSpc>
-            </a:pPr>
-            <a:r>
-              <a:rPr lang="en-US" sz="2000" dirty="0"/>
-              <a:t>Official </a:t>
-            </a:r>
-            <a:r>
-              <a:rPr lang="en-US" sz="2000" dirty="0">
-                <a:solidFill>
-                  <a:srgbClr val="4F81BD"/>
-                </a:solidFill>
-              </a:rPr>
-              <a:t>Document</a:t>
-            </a:r>
-            <a:r>
-              <a:rPr lang="en-US" sz="2000" dirty="0"/>
-              <a:t> for Java Libraries and Utilities: </a:t>
-            </a:r>
-          </a:p>
-          <a:p>
-            <a:pPr lvl="1">
-              <a:lnSpc>
-                <a:spcPct val="110000"/>
-              </a:lnSpc>
-            </a:pPr>
-            <a:r>
-              <a:rPr lang="en-US" sz="1800" dirty="0"/>
-              <a:t>Java API - https://docs.oracle.com/javase/10/docs/api/index.html?overview-summary.html</a:t>
-            </a:r>
-          </a:p>
-          <a:p>
-            <a:pPr>
-              <a:lnSpc>
-                <a:spcPct val="110000"/>
-              </a:lnSpc>
-            </a:pPr>
-            <a:r>
-              <a:rPr lang="en-US" sz="2000" dirty="0"/>
-              <a:t>Technical </a:t>
-            </a:r>
-            <a:r>
-              <a:rPr lang="en-US" sz="2000" dirty="0">
-                <a:solidFill>
-                  <a:srgbClr val="4F81BD"/>
-                </a:solidFill>
-              </a:rPr>
-              <a:t>Interviews</a:t>
-            </a:r>
-            <a:r>
-              <a:rPr lang="en-US" sz="2000" dirty="0"/>
-              <a:t> and Coding Challenge: </a:t>
-            </a:r>
-          </a:p>
-          <a:p>
-            <a:pPr lvl="1">
-              <a:lnSpc>
-                <a:spcPct val="110000"/>
-              </a:lnSpc>
-            </a:pPr>
-            <a:r>
-              <a:rPr lang="en-US" sz="1800" dirty="0"/>
-              <a:t>LeetCode - https://leetcode.com/</a:t>
-            </a:r>
-          </a:p>
-        </p:txBody>
-      </p:sp>
+            <a:r>
+              <a:rPr lang="en-US" dirty="0"/>
+              <a:t>Three lab assignments</a:t>
+            </a:r>
+          </a:p>
+          <a:p>
+            <a:pPr lvl="1"/>
+            <a:r>
+              <a:rPr lang="en-US" dirty="0"/>
+              <a:t>Please sign up on Canvas to form groups of 1-3 each</a:t>
+            </a:r>
+          </a:p>
+          <a:p>
+            <a:pPr lvl="1"/>
+            <a:r>
+              <a:rPr lang="en-US" dirty="0"/>
+              <a:t>Due dates are tentative</a:t>
+            </a:r>
+          </a:p>
+          <a:p>
+            <a:r>
+              <a:rPr lang="en-US"/>
+              <a:t>Lab section </a:t>
+            </a:r>
+            <a:r>
+              <a:rPr lang="en-US" dirty="0"/>
+              <a:t>attendance is optional</a:t>
+            </a:r>
+          </a:p>
+          <a:p>
+            <a:pPr lvl="1"/>
+            <a:r>
+              <a:rPr lang="en-US" dirty="0"/>
+              <a:t>You may work on your laptops without coming to the lab section, but the tutor will be available in Lab SIC 206 to help you.</a:t>
+            </a:r>
+          </a:p>
+          <a:p>
+            <a:endParaRPr lang="en-SE" dirty="0"/>
+          </a:p>
+        </p:txBody>
+      </p:sp>
+      <p:graphicFrame>
+        <p:nvGraphicFramePr>
+          <p:cNvPr id="4" name="Table 3">
+            <a:extLst>
+              <a:ext uri="{FF2B5EF4-FFF2-40B4-BE49-F238E27FC236}">
+                <a16:creationId xmlns:a16="http://schemas.microsoft.com/office/drawing/2014/main" id="{6342C1A8-A35E-76D6-C1AB-746D24DD3B0C}"/>
+              </a:ext>
+            </a:extLst>
+          </p:cNvPr>
+          <p:cNvGraphicFramePr>
+            <a:graphicFrameLocks noGrp="1"/>
+          </p:cNvGraphicFramePr>
+          <p:nvPr>
+            <p:extLst>
+              <p:ext uri="{D42A27DB-BD31-4B8C-83A1-F6EECF244321}">
+                <p14:modId xmlns:p14="http://schemas.microsoft.com/office/powerpoint/2010/main" val="3538332552"/>
+              </p:ext>
+            </p:extLst>
+          </p:nvPr>
+        </p:nvGraphicFramePr>
+        <p:xfrm>
+          <a:off x="457200" y="3663353"/>
+          <a:ext cx="8229600" cy="3124200"/>
+        </p:xfrm>
+        <a:graphic>
+          <a:graphicData uri="http://schemas.openxmlformats.org/drawingml/2006/table">
+            <a:tbl>
+              <a:tblPr firstRow="1" firstCol="1" bandRow="1">
+                <a:tableStyleId>{5C22544A-7EE6-4342-B048-85BDC9FD1C3A}</a:tableStyleId>
+              </a:tblPr>
+              <a:tblGrid>
+                <a:gridCol w="854232">
+                  <a:extLst>
+                    <a:ext uri="{9D8B030D-6E8A-4147-A177-3AD203B41FA5}">
+                      <a16:colId xmlns:a16="http://schemas.microsoft.com/office/drawing/2014/main" val="2851607862"/>
+                    </a:ext>
+                  </a:extLst>
+                </a:gridCol>
+                <a:gridCol w="5329489">
+                  <a:extLst>
+                    <a:ext uri="{9D8B030D-6E8A-4147-A177-3AD203B41FA5}">
+                      <a16:colId xmlns:a16="http://schemas.microsoft.com/office/drawing/2014/main" val="3606481119"/>
+                    </a:ext>
+                  </a:extLst>
+                </a:gridCol>
+                <a:gridCol w="2045879">
+                  <a:extLst>
+                    <a:ext uri="{9D8B030D-6E8A-4147-A177-3AD203B41FA5}">
+                      <a16:colId xmlns:a16="http://schemas.microsoft.com/office/drawing/2014/main" val="326459457"/>
+                    </a:ext>
+                  </a:extLst>
+                </a:gridCol>
+              </a:tblGrid>
+              <a:tr h="627950">
+                <a:tc>
+                  <a:txBody>
+                    <a:bodyPr/>
+                    <a:lstStyle/>
+                    <a:p>
+                      <a:r>
+                        <a:rPr lang="en-US" sz="1800">
+                          <a:effectLst/>
+                        </a:rPr>
+                        <a:t>Assign</a:t>
+                      </a:r>
+                      <a:endParaRPr lang="en-SE" sz="1800">
+                        <a:effectLst/>
+                      </a:endParaRPr>
+                    </a:p>
+                    <a:p>
+                      <a:r>
+                        <a:rPr lang="en-US" sz="1800">
+                          <a:effectLst/>
+                        </a:rPr>
+                        <a:t>Date</a:t>
+                      </a:r>
+                      <a:endParaRPr lang="en-SE" sz="1800">
+                        <a:effectLst/>
+                        <a:latin typeface="Times New Roman" panose="02020603050405020304" pitchFamily="18" charset="0"/>
+                        <a:ea typeface="Times New Roman" panose="02020603050405020304" pitchFamily="18" charset="0"/>
+                      </a:endParaRPr>
+                    </a:p>
+                  </a:txBody>
+                  <a:tcPr marL="47625" marR="47625" marT="47625" marB="47625"/>
+                </a:tc>
+                <a:tc>
+                  <a:txBody>
+                    <a:bodyPr/>
+                    <a:lstStyle/>
+                    <a:p>
+                      <a:r>
+                        <a:rPr lang="en-US" sz="1800" dirty="0">
+                          <a:effectLst/>
+                        </a:rPr>
+                        <a:t>Assignment</a:t>
+                      </a:r>
+                      <a:endParaRPr lang="en-SE" sz="1800" dirty="0">
+                        <a:effectLst/>
+                        <a:latin typeface="Times New Roman" panose="02020603050405020304" pitchFamily="18" charset="0"/>
+                        <a:ea typeface="Times New Roman" panose="02020603050405020304" pitchFamily="18" charset="0"/>
+                      </a:endParaRPr>
+                    </a:p>
+                  </a:txBody>
+                  <a:tcPr marL="47625" marR="47625" marT="47625" marB="47625"/>
+                </a:tc>
+                <a:tc>
+                  <a:txBody>
+                    <a:bodyPr/>
+                    <a:lstStyle/>
+                    <a:p>
+                      <a:r>
+                        <a:rPr lang="en-US" sz="1800">
+                          <a:effectLst/>
+                        </a:rPr>
+                        <a:t>Due Date</a:t>
+                      </a:r>
+                      <a:endParaRPr lang="en-SE" sz="1800">
+                        <a:effectLst/>
+                        <a:latin typeface="Times New Roman" panose="02020603050405020304" pitchFamily="18" charset="0"/>
+                        <a:ea typeface="Times New Roman" panose="02020603050405020304" pitchFamily="18" charset="0"/>
+                      </a:endParaRPr>
+                    </a:p>
+                  </a:txBody>
+                  <a:tcPr marL="47625" marR="47625" marT="47625" marB="47625"/>
+                </a:tc>
+                <a:extLst>
+                  <a:ext uri="{0D108BD9-81ED-4DB2-BD59-A6C34878D82A}">
+                    <a16:rowId xmlns:a16="http://schemas.microsoft.com/office/drawing/2014/main" val="2834346827"/>
+                  </a:ext>
+                </a:extLst>
+              </a:tr>
+              <a:tr h="1163008">
+                <a:tc>
+                  <a:txBody>
+                    <a:bodyPr/>
+                    <a:lstStyle/>
+                    <a:p>
+                      <a:r>
+                        <a:rPr lang="en-US" sz="1800">
+                          <a:effectLst/>
+                        </a:rPr>
+                        <a:t>W1</a:t>
+                      </a:r>
+                      <a:endParaRPr lang="en-SE" sz="1800">
+                        <a:effectLst/>
+                        <a:latin typeface="Times New Roman" panose="02020603050405020304" pitchFamily="18" charset="0"/>
+                        <a:ea typeface="Times New Roman" panose="02020603050405020304" pitchFamily="18" charset="0"/>
+                      </a:endParaRPr>
+                    </a:p>
+                  </a:txBody>
+                  <a:tcPr marL="47625" marR="47625" marT="47625" marB="47625"/>
+                </a:tc>
+                <a:tc>
+                  <a:txBody>
+                    <a:bodyPr/>
+                    <a:lstStyle/>
+                    <a:p>
+                      <a:r>
+                        <a:rPr lang="en-US" sz="1800" u="sng" dirty="0">
+                          <a:effectLst/>
+                          <a:hlinkClick r:id="rId2" action="ppaction://hlinkfile"/>
+                        </a:rPr>
+                        <a:t>Lab1 Warmup with OOP in Java</a:t>
+                      </a:r>
+                      <a:endParaRPr lang="en-SE" sz="1800" dirty="0">
+                        <a:effectLst/>
+                      </a:endParaRPr>
+                    </a:p>
+                    <a:p>
+                      <a:r>
+                        <a:rPr lang="en-US" sz="1800" dirty="0">
+                          <a:effectLst/>
+                        </a:rPr>
+                        <a:t>Useful links: </a:t>
+                      </a:r>
+                      <a:r>
+                        <a:rPr lang="en-US" sz="1800" u="sng" dirty="0">
+                          <a:effectLst/>
+                          <a:hlinkClick r:id="rId3"/>
+                        </a:rPr>
+                        <a:t>Getting Started with Java in VS Code</a:t>
+                      </a:r>
+                      <a:r>
+                        <a:rPr lang="en-US" sz="1800" dirty="0">
+                          <a:effectLst/>
+                        </a:rPr>
+                        <a:t>, </a:t>
+                      </a:r>
+                      <a:r>
+                        <a:rPr lang="en-SE" sz="1800" u="sng" dirty="0">
+                          <a:effectLst/>
+                          <a:hlinkClick r:id="rId4"/>
+                        </a:rPr>
+                        <a:t>Java Program for Closest Prime Number</a:t>
+                      </a:r>
+                      <a:r>
+                        <a:rPr lang="en-SE" sz="1800" dirty="0">
+                          <a:effectLst/>
+                        </a:rPr>
+                        <a:t>, </a:t>
+                      </a:r>
+                      <a:r>
+                        <a:rPr lang="en-SE" sz="1800" u="sng" dirty="0" err="1">
+                          <a:effectLst/>
+                          <a:hlinkClick r:id="rId5"/>
+                        </a:rPr>
+                        <a:t>Programiz</a:t>
+                      </a:r>
+                      <a:r>
+                        <a:rPr lang="en-SE" sz="1800" u="sng" dirty="0">
+                          <a:effectLst/>
+                          <a:hlinkClick r:id="rId5"/>
+                        </a:rPr>
+                        <a:t> online Java compiler</a:t>
+                      </a:r>
+                      <a:endParaRPr lang="en-SE" sz="1800" dirty="0">
+                        <a:effectLst/>
+                        <a:latin typeface="Times New Roman" panose="02020603050405020304" pitchFamily="18" charset="0"/>
+                        <a:ea typeface="Times New Roman" panose="02020603050405020304" pitchFamily="18" charset="0"/>
+                      </a:endParaRPr>
+                    </a:p>
+                  </a:txBody>
+                  <a:tcPr marL="47625" marR="47625" marT="47625" marB="47625"/>
+                </a:tc>
+                <a:tc>
+                  <a:txBody>
+                    <a:bodyPr/>
+                    <a:lstStyle/>
+                    <a:p>
+                      <a:r>
+                        <a:rPr lang="en-US" sz="1800">
+                          <a:effectLst/>
+                        </a:rPr>
+                        <a:t>Fri, 02/28</a:t>
+                      </a:r>
+                      <a:endParaRPr lang="en-SE" sz="1800">
+                        <a:effectLst/>
+                        <a:latin typeface="Times New Roman" panose="02020603050405020304" pitchFamily="18" charset="0"/>
+                        <a:ea typeface="Times New Roman" panose="02020603050405020304" pitchFamily="18" charset="0"/>
+                      </a:endParaRPr>
+                    </a:p>
+                  </a:txBody>
+                  <a:tcPr marL="47625" marR="47625" marT="47625" marB="47625"/>
+                </a:tc>
+                <a:extLst>
+                  <a:ext uri="{0D108BD9-81ED-4DB2-BD59-A6C34878D82A}">
+                    <a16:rowId xmlns:a16="http://schemas.microsoft.com/office/drawing/2014/main" val="2974425638"/>
+                  </a:ext>
+                </a:extLst>
+              </a:tr>
+              <a:tr h="627950">
+                <a:tc>
+                  <a:txBody>
+                    <a:bodyPr/>
+                    <a:lstStyle/>
+                    <a:p>
+                      <a:r>
+                        <a:rPr lang="en-US" sz="1800">
+                          <a:effectLst/>
+                        </a:rPr>
+                        <a:t>W4</a:t>
+                      </a:r>
+                      <a:endParaRPr lang="en-SE" sz="1800">
+                        <a:effectLst/>
+                        <a:latin typeface="Times New Roman" panose="02020603050405020304" pitchFamily="18" charset="0"/>
+                        <a:ea typeface="Times New Roman" panose="02020603050405020304" pitchFamily="18" charset="0"/>
+                      </a:endParaRPr>
+                    </a:p>
+                  </a:txBody>
+                  <a:tcPr marL="47625" marR="47625" marT="47625" marB="47625"/>
+                </a:tc>
+                <a:tc>
+                  <a:txBody>
+                    <a:bodyPr/>
+                    <a:lstStyle/>
+                    <a:p>
+                      <a:r>
+                        <a:rPr lang="en-US" sz="1800" u="sng">
+                          <a:effectLst/>
+                          <a:hlinkClick r:id="rId6" action="ppaction://hlinkfile"/>
+                        </a:rPr>
+                        <a:t>Lab2 Use Flesch Score to measure readability</a:t>
+                      </a:r>
+                      <a:r>
+                        <a:rPr lang="en-US" sz="1800">
+                          <a:effectLst/>
+                        </a:rPr>
+                        <a:t>, </a:t>
+                      </a:r>
+                      <a:r>
+                        <a:rPr lang="en-US" sz="1800" u="sng">
+                          <a:effectLst/>
+                          <a:hlinkClick r:id="rId7" action="ppaction://hlinkfile"/>
+                        </a:rPr>
+                        <a:t>BasicDocument.java</a:t>
+                      </a:r>
+                      <a:r>
+                        <a:rPr lang="en-US" sz="1800">
+                          <a:effectLst/>
+                        </a:rPr>
+                        <a:t>, </a:t>
+                      </a:r>
+                      <a:r>
+                        <a:rPr lang="en-US" sz="1800" u="sng">
+                          <a:effectLst/>
+                          <a:hlinkClick r:id="rId8" action="ppaction://hlinkfile"/>
+                        </a:rPr>
+                        <a:t>Document.java</a:t>
+                      </a:r>
+                      <a:endParaRPr lang="en-SE" sz="1800">
+                        <a:effectLst/>
+                        <a:latin typeface="Times New Roman" panose="02020603050405020304" pitchFamily="18" charset="0"/>
+                        <a:ea typeface="Times New Roman" panose="02020603050405020304" pitchFamily="18" charset="0"/>
+                      </a:endParaRPr>
+                    </a:p>
+                  </a:txBody>
+                  <a:tcPr marL="47625" marR="47625" marT="47625" marB="47625"/>
+                </a:tc>
+                <a:tc>
+                  <a:txBody>
+                    <a:bodyPr/>
+                    <a:lstStyle/>
+                    <a:p>
+                      <a:r>
+                        <a:rPr lang="en-US" sz="1800">
+                          <a:effectLst/>
+                        </a:rPr>
+                        <a:t>Fri, 04/11</a:t>
+                      </a:r>
+                      <a:endParaRPr lang="en-SE" sz="1800">
+                        <a:effectLst/>
+                        <a:latin typeface="Times New Roman" panose="02020603050405020304" pitchFamily="18" charset="0"/>
+                        <a:ea typeface="Times New Roman" panose="02020603050405020304" pitchFamily="18" charset="0"/>
+                      </a:endParaRPr>
+                    </a:p>
+                  </a:txBody>
+                  <a:tcPr marL="47625" marR="47625" marT="47625" marB="47625"/>
+                </a:tc>
+                <a:extLst>
+                  <a:ext uri="{0D108BD9-81ED-4DB2-BD59-A6C34878D82A}">
+                    <a16:rowId xmlns:a16="http://schemas.microsoft.com/office/drawing/2014/main" val="886458353"/>
+                  </a:ext>
+                </a:extLst>
+              </a:tr>
+              <a:tr h="627950">
+                <a:tc>
+                  <a:txBody>
+                    <a:bodyPr/>
+                    <a:lstStyle/>
+                    <a:p>
+                      <a:r>
+                        <a:rPr lang="en-SE" sz="1800">
+                          <a:effectLst/>
+                        </a:rPr>
+                        <a:t>W8</a:t>
+                      </a:r>
+                      <a:endParaRPr lang="en-SE" sz="1800">
+                        <a:effectLst/>
+                        <a:latin typeface="Times New Roman" panose="02020603050405020304" pitchFamily="18" charset="0"/>
+                        <a:ea typeface="Times New Roman" panose="02020603050405020304" pitchFamily="18" charset="0"/>
+                      </a:endParaRPr>
+                    </a:p>
+                  </a:txBody>
+                  <a:tcPr marL="47625" marR="47625" marT="47625" marB="47625"/>
+                </a:tc>
+                <a:tc>
+                  <a:txBody>
+                    <a:bodyPr/>
+                    <a:lstStyle/>
+                    <a:p>
+                      <a:r>
+                        <a:rPr lang="en-US" sz="1800" u="sng">
+                          <a:effectLst/>
+                          <a:hlinkClick r:id="rId9" action="ppaction://hlinkfile"/>
+                        </a:rPr>
+                        <a:t>Lab3 Stock Analyzer</a:t>
+                      </a:r>
+                      <a:r>
+                        <a:rPr lang="en-US" sz="1800">
+                          <a:effectLst/>
+                        </a:rPr>
+                        <a:t>, </a:t>
+                      </a:r>
+                      <a:r>
+                        <a:rPr lang="en-US" sz="1800" u="sng">
+                          <a:effectLst/>
+                          <a:hlinkClick r:id="rId10" action="ppaction://hlinkfile"/>
+                        </a:rPr>
+                        <a:t>Lab3 Starter code</a:t>
+                      </a:r>
+                      <a:r>
+                        <a:rPr lang="en-US" sz="1800">
+                          <a:effectLst/>
+                        </a:rPr>
+                        <a:t>, </a:t>
+                      </a:r>
+                      <a:r>
+                        <a:rPr lang="en-US" sz="1800" u="sng">
+                          <a:effectLst/>
+                          <a:hlinkClick r:id="rId11" action="ppaction://hlinkfile"/>
+                        </a:rPr>
+                        <a:t>myStock.java</a:t>
+                      </a:r>
+                      <a:endParaRPr lang="en-SE" sz="1800">
+                        <a:effectLst/>
+                      </a:endParaRPr>
+                    </a:p>
+                    <a:p>
+                      <a:r>
+                        <a:rPr lang="en-US" sz="1800">
+                          <a:effectLst/>
+                        </a:rPr>
+                        <a:t>Refs: </a:t>
+                      </a:r>
+                      <a:r>
+                        <a:rPr lang="en-US" sz="1800" u="sng">
+                          <a:effectLst/>
+                          <a:hlinkClick r:id="rId12"/>
+                        </a:rPr>
+                        <a:t>HashSet in Java</a:t>
+                      </a:r>
+                      <a:r>
+                        <a:rPr lang="en-US" sz="1800">
+                          <a:effectLst/>
+                        </a:rPr>
+                        <a:t>, </a:t>
+                      </a:r>
+                      <a:r>
+                        <a:rPr lang="en-US" sz="1800" u="sng">
+                          <a:effectLst/>
+                          <a:hlinkClick r:id="rId13"/>
+                        </a:rPr>
+                        <a:t>TreeSet in Java</a:t>
+                      </a:r>
+                      <a:endParaRPr lang="en-SE" sz="1800">
+                        <a:effectLst/>
+                        <a:latin typeface="Times New Roman" panose="02020603050405020304" pitchFamily="18" charset="0"/>
+                        <a:ea typeface="Times New Roman" panose="02020603050405020304" pitchFamily="18" charset="0"/>
+                      </a:endParaRPr>
+                    </a:p>
+                  </a:txBody>
+                  <a:tcPr marL="47625" marR="47625" marT="47625" marB="47625"/>
+                </a:tc>
+                <a:tc>
+                  <a:txBody>
+                    <a:bodyPr/>
+                    <a:lstStyle/>
+                    <a:p>
+                      <a:r>
+                        <a:rPr lang="en-US" sz="1800" dirty="0">
+                          <a:effectLst/>
+                        </a:rPr>
+                        <a:t>Fri, 05/23</a:t>
+                      </a:r>
+                      <a:endParaRPr lang="en-SE" sz="1800" dirty="0">
+                        <a:effectLst/>
+                        <a:latin typeface="Times New Roman" panose="02020603050405020304" pitchFamily="18" charset="0"/>
+                        <a:ea typeface="Times New Roman" panose="02020603050405020304" pitchFamily="18" charset="0"/>
+                      </a:endParaRPr>
+                    </a:p>
+                  </a:txBody>
+                  <a:tcPr marL="47625" marR="47625" marT="47625" marB="47625"/>
+                </a:tc>
+                <a:extLst>
+                  <a:ext uri="{0D108BD9-81ED-4DB2-BD59-A6C34878D82A}">
+                    <a16:rowId xmlns:a16="http://schemas.microsoft.com/office/drawing/2014/main" val="4006649821"/>
+                  </a:ext>
+                </a:extLst>
+              </a:tr>
+            </a:tbl>
+          </a:graphicData>
+        </a:graphic>
+      </p:graphicFrame>
     </p:spTree>
     <p:extLst>
       <p:ext uri="{BB962C8B-B14F-4D97-AF65-F5344CB8AC3E}">
-        <p14:creationId xmlns:p14="http://schemas.microsoft.com/office/powerpoint/2010/main" val="505545914"/>
+        <p14:creationId xmlns:p14="http://schemas.microsoft.com/office/powerpoint/2010/main" val="3623278074"/>
       </p:ext>
     </p:extLst>
   </p:cSld>
@@ -8061,8 +5977,8 @@
         </p:nvSpPr>
         <p:spPr>
           <a:xfrm>
-            <a:off x="457200" y="4130427"/>
-            <a:ext cx="8229600" cy="2550625"/>
+            <a:off x="457200" y="4630994"/>
+            <a:ext cx="8229600" cy="2050058"/>
           </a:xfrm>
         </p:spPr>
         <p:txBody>
@@ -8121,7 +6037,7 @@
         <p:spPr bwMode="auto">
           <a:xfrm>
             <a:off x="76200" y="1324706"/>
-            <a:ext cx="8991600" cy="2438400"/>
+            <a:ext cx="8991600" cy="3306288"/>
           </a:xfrm>
           <a:prstGeom prst="rect">
             <a:avLst/>
@@ -8336,7 +6252,10 @@
               </a:tabLst>
             </a:pPr>
             <a:r>
-              <a:rPr lang="en-GB" altLang="x-none" sz="2000" kern="0" dirty="0"/>
+              <a:rPr lang="en-GB" altLang="x-none" sz="2000" kern="0" dirty="0">
+                <a:latin typeface="Times New Roman" panose="02020603050405020304" pitchFamily="18" charset="0"/>
+                <a:cs typeface="Times New Roman" panose="02020603050405020304" pitchFamily="18" charset="0"/>
+              </a:rPr>
               <a:t>Midterm exam: 30%</a:t>
             </a:r>
           </a:p>
@@ -8350,7 +6269,10 @@
               </a:tabLst>
             </a:pPr>
             <a:r>
-              <a:rPr lang="en-GB" altLang="x-none" sz="2000" kern="0" dirty="0"/>
+              <a:rPr lang="en-GB" altLang="x-none" sz="2000" kern="0" dirty="0">
+                <a:latin typeface="Times New Roman" panose="02020603050405020304" pitchFamily="18" charset="0"/>
+                <a:cs typeface="Times New Roman" panose="02020603050405020304" pitchFamily="18" charset="0"/>
+              </a:rPr>
               <a:t>Final exam: 40%</a:t>
             </a:r>
           </a:p>
@@ -8364,12 +6286,45 @@
               </a:tabLst>
             </a:pPr>
             <a:r>
-              <a:rPr lang="en-GB" altLang="x-none" sz="2000" kern="0"/>
-              <a:t>Programming </a:t>
-            </a:r>
-            <a:r>
-              <a:rPr lang="en-GB" altLang="x-none" sz="2000" kern="0" dirty="0"/>
-              <a:t>assignments/labs: 30%</a:t>
+              <a:rPr lang="en-GB" altLang="x-none" sz="2000" kern="0" dirty="0">
+                <a:latin typeface="Times New Roman" panose="02020603050405020304" pitchFamily="18" charset="0"/>
+                <a:cs typeface="Times New Roman" panose="02020603050405020304" pitchFamily="18" charset="0"/>
+              </a:rPr>
+              <a:t>Three Labs: 30%</a:t>
+            </a:r>
+          </a:p>
+          <a:p>
+            <a:pPr lvl="1">
+              <a:buFont typeface="Arial" panose="020B0604020202020204" pitchFamily="34" charset="0"/>
+              <a:buChar char="•"/>
+              <a:tabLst>
+                <a:tab pos="2055813" algn="l"/>
+                <a:tab pos="2684463" algn="l"/>
+              </a:tabLst>
+            </a:pPr>
+            <a:r>
+              <a:rPr lang="en-GB" altLang="x-none" sz="2000" kern="0" dirty="0">
+                <a:latin typeface="Times New Roman" panose="02020603050405020304" pitchFamily="18" charset="0"/>
+                <a:cs typeface="Times New Roman" panose="02020603050405020304" pitchFamily="18" charset="0"/>
+              </a:rPr>
+              <a:t>Graded on a curve based on the total marks</a:t>
+            </a:r>
+          </a:p>
+          <a:p>
+            <a:pPr lvl="2">
+              <a:buFont typeface="Arial" panose="020B0604020202020204" pitchFamily="34" charset="0"/>
+              <a:buChar char="•"/>
+              <a:tabLst>
+                <a:tab pos="2055813" algn="l"/>
+                <a:tab pos="2684463" algn="l"/>
+              </a:tabLst>
+            </a:pPr>
+            <a:r>
+              <a:rPr lang="en-GB" altLang="x-none" sz="1800" kern="0" dirty="0">
+                <a:latin typeface="Times New Roman" panose="02020603050405020304" pitchFamily="18" charset="0"/>
+                <a:cs typeface="Times New Roman" panose="02020603050405020304" pitchFamily="18" charset="0"/>
+              </a:rPr>
+              <a:t>Absolute marks do not matter, but your relative ranking in the class determines your final letter grade</a:t>
             </a:r>
           </a:p>
         </p:txBody>
@@ -8378,1798 +6333,6 @@
     <p:extLst>
       <p:ext uri="{BB962C8B-B14F-4D97-AF65-F5344CB8AC3E}">
         <p14:creationId xmlns:p14="http://schemas.microsoft.com/office/powerpoint/2010/main" val="3772300189"/>
-      </p:ext>
-    </p:extLst>
-  </p:cSld>
-  <p:clrMapOvr>
-    <a:masterClrMapping/>
-  </p:clrMapOvr>
-</p:sld>
-</file>
-
-<file path=ppt/slides/slide8.xml><?xml version="1.0" encoding="utf-8"?>
-<p:sld xmlns:a="http://schemas.openxmlformats.org/drawingml/2006/main" xmlns:r="http://schemas.openxmlformats.org/officeDocument/2006/relationships" xmlns:p="http://schemas.openxmlformats.org/presentationml/2006/main">
-  <p:cSld>
-    <p:spTree>
-      <p:nvGrpSpPr>
-        <p:cNvPr id="1" name=""/>
-        <p:cNvGrpSpPr/>
-        <p:nvPr/>
-      </p:nvGrpSpPr>
-      <p:grpSpPr>
-        <a:xfrm>
-          <a:off x="0" y="0"/>
-          <a:ext cx="0" cy="0"/>
-          <a:chOff x="0" y="0"/>
-          <a:chExt cx="0" cy="0"/>
-        </a:xfrm>
-      </p:grpSpPr>
-      <p:sp>
-        <p:nvSpPr>
-          <p:cNvPr id="2" name="Title 1"/>
-          <p:cNvSpPr>
-            <a:spLocks noGrp="1"/>
-          </p:cNvSpPr>
-          <p:nvPr>
-            <p:ph type="title"/>
-          </p:nvPr>
-        </p:nvSpPr>
-        <p:spPr/>
-        <p:txBody>
-          <a:bodyPr/>
-          <a:lstStyle/>
-          <a:p>
-            <a:r>
-              <a:rPr lang="en-US" altLang="zh-CN" dirty="0"/>
-              <a:t>Reasons to Choose Java</a:t>
-            </a:r>
-            <a:endParaRPr lang="en-US" dirty="0"/>
-          </a:p>
-        </p:txBody>
-      </p:sp>
-      <p:sp>
-        <p:nvSpPr>
-          <p:cNvPr id="3" name="Content Placeholder 2"/>
-          <p:cNvSpPr>
-            <a:spLocks noGrp="1"/>
-          </p:cNvSpPr>
-          <p:nvPr>
-            <p:ph idx="1"/>
-          </p:nvPr>
-        </p:nvSpPr>
-        <p:spPr/>
-        <p:txBody>
-          <a:bodyPr>
-            <a:normAutofit/>
-          </a:bodyPr>
-          <a:lstStyle/>
-          <a:p>
-            <a:pPr>
-              <a:lnSpc>
-                <a:spcPct val="120000"/>
-              </a:lnSpc>
-            </a:pPr>
-            <a:r>
-              <a:rPr lang="en-US" sz="2800" dirty="0"/>
-              <a:t>Promise</a:t>
-            </a:r>
-            <a:r>
-              <a:rPr lang="zh-CN" altLang="en-US" sz="2800" dirty="0"/>
-              <a:t> </a:t>
-            </a:r>
-            <a:r>
-              <a:rPr lang="en-US" altLang="zh-CN" sz="2800" dirty="0"/>
-              <a:t>of</a:t>
-            </a:r>
-            <a:r>
-              <a:rPr lang="zh-CN" altLang="en-US" sz="2800" dirty="0"/>
-              <a:t> </a:t>
-            </a:r>
-            <a:r>
-              <a:rPr lang="en-US" altLang="zh-CN" sz="2800" dirty="0"/>
-              <a:t>p</a:t>
-            </a:r>
-            <a:r>
-              <a:rPr lang="en-US" sz="2800" dirty="0"/>
-              <a:t>ortabilit</a:t>
-            </a:r>
-            <a:r>
-              <a:rPr lang="en-US" altLang="zh-CN" sz="2800" dirty="0"/>
-              <a:t>y</a:t>
-            </a:r>
-          </a:p>
-          <a:p>
-            <a:pPr lvl="1">
-              <a:lnSpc>
-                <a:spcPct val="120000"/>
-              </a:lnSpc>
-            </a:pPr>
-            <a:r>
-              <a:rPr lang="en-US" altLang="zh-CN" sz="2400" dirty="0">
-                <a:solidFill>
-                  <a:srgbClr val="4F81BD"/>
-                </a:solidFill>
-              </a:rPr>
-              <a:t>write-once/run-anywhere</a:t>
-            </a:r>
-          </a:p>
-          <a:p>
-            <a:pPr>
-              <a:lnSpc>
-                <a:spcPct val="120000"/>
-              </a:lnSpc>
-            </a:pPr>
-            <a:r>
-              <a:rPr lang="en-US" altLang="zh-CN" sz="2800" dirty="0"/>
-              <a:t>Efficient</a:t>
-            </a:r>
-            <a:r>
-              <a:rPr lang="zh-CN" altLang="en-US" sz="2800" dirty="0"/>
-              <a:t> </a:t>
-            </a:r>
-            <a:r>
-              <a:rPr lang="en-US" altLang="zh-CN" sz="2800" dirty="0"/>
-              <a:t>memory</a:t>
-            </a:r>
-            <a:r>
-              <a:rPr lang="zh-CN" altLang="en-US" sz="2800" dirty="0"/>
-              <a:t> </a:t>
-            </a:r>
-            <a:r>
-              <a:rPr lang="en-US" altLang="zh-CN" sz="2800" dirty="0"/>
-              <a:t>management</a:t>
-            </a:r>
-          </a:p>
-          <a:p>
-            <a:pPr lvl="1">
-              <a:lnSpc>
-                <a:spcPct val="120000"/>
-              </a:lnSpc>
-            </a:pPr>
-            <a:r>
-              <a:rPr lang="en-US" altLang="zh-CN" sz="2400" dirty="0">
-                <a:solidFill>
-                  <a:srgbClr val="4F81BD"/>
-                </a:solidFill>
-              </a:rPr>
-              <a:t>garbage</a:t>
-            </a:r>
-            <a:r>
-              <a:rPr lang="zh-CN" altLang="en-US" sz="2400" dirty="0">
-                <a:solidFill>
-                  <a:srgbClr val="4F81BD"/>
-                </a:solidFill>
-              </a:rPr>
-              <a:t> </a:t>
-            </a:r>
-            <a:r>
-              <a:rPr lang="en-US" altLang="zh-CN" sz="2400" dirty="0">
-                <a:solidFill>
-                  <a:srgbClr val="4F81BD"/>
-                </a:solidFill>
-              </a:rPr>
-              <a:t>collection</a:t>
-            </a:r>
-          </a:p>
-          <a:p>
-            <a:pPr>
-              <a:lnSpc>
-                <a:spcPct val="120000"/>
-              </a:lnSpc>
-            </a:pPr>
-            <a:r>
-              <a:rPr lang="en-US" sz="2800" dirty="0"/>
-              <a:t>Powerful o</a:t>
-            </a:r>
-            <a:r>
-              <a:rPr lang="en-US" altLang="zh-CN" sz="2800" dirty="0"/>
-              <a:t>bject-oriented</a:t>
-            </a:r>
-            <a:r>
-              <a:rPr lang="zh-CN" altLang="en-US" sz="2800" dirty="0"/>
-              <a:t> </a:t>
-            </a:r>
-            <a:r>
-              <a:rPr lang="en-US" altLang="zh-CN" sz="2800" dirty="0"/>
-              <a:t>programming</a:t>
-            </a:r>
-          </a:p>
-          <a:p>
-            <a:pPr lvl="1">
-              <a:lnSpc>
-                <a:spcPct val="120000"/>
-              </a:lnSpc>
-            </a:pPr>
-            <a:r>
-              <a:rPr lang="en-US" altLang="zh-CN" sz="2400" dirty="0">
-                <a:solidFill>
-                  <a:srgbClr val="4F81BD"/>
-                </a:solidFill>
-              </a:rPr>
-              <a:t>Inheritance and Polymorphism</a:t>
-            </a:r>
-          </a:p>
-        </p:txBody>
-      </p:sp>
-    </p:spTree>
-    <p:extLst>
-      <p:ext uri="{BB962C8B-B14F-4D97-AF65-F5344CB8AC3E}">
-        <p14:creationId xmlns:p14="http://schemas.microsoft.com/office/powerpoint/2010/main" val="3536275737"/>
-      </p:ext>
-    </p:extLst>
-  </p:cSld>
-  <p:clrMapOvr>
-    <a:masterClrMapping/>
-  </p:clrMapOvr>
-</p:sld>
-</file>
-
-<file path=ppt/slides/slide9.xml><?xml version="1.0" encoding="utf-8"?>
-<p:sld xmlns:a="http://schemas.openxmlformats.org/drawingml/2006/main" xmlns:r="http://schemas.openxmlformats.org/officeDocument/2006/relationships" xmlns:p="http://schemas.openxmlformats.org/presentationml/2006/main">
-  <p:cSld>
-    <p:spTree>
-      <p:nvGrpSpPr>
-        <p:cNvPr id="1" name=""/>
-        <p:cNvGrpSpPr/>
-        <p:nvPr/>
-      </p:nvGrpSpPr>
-      <p:grpSpPr>
-        <a:xfrm>
-          <a:off x="0" y="0"/>
-          <a:ext cx="0" cy="0"/>
-          <a:chOff x="0" y="0"/>
-          <a:chExt cx="0" cy="0"/>
-        </a:xfrm>
-      </p:grpSpPr>
-      <p:sp>
-        <p:nvSpPr>
-          <p:cNvPr id="2" name="Title 1"/>
-          <p:cNvSpPr>
-            <a:spLocks noGrp="1"/>
-          </p:cNvSpPr>
-          <p:nvPr>
-            <p:ph type="title"/>
-          </p:nvPr>
-        </p:nvSpPr>
-        <p:spPr/>
-        <p:txBody>
-          <a:bodyPr/>
-          <a:lstStyle/>
-          <a:p>
-            <a:r>
-              <a:rPr lang="en-US" dirty="0"/>
-              <a:t>Write Once and Run Anywhere</a:t>
-            </a:r>
-          </a:p>
-        </p:txBody>
-      </p:sp>
-      <p:sp>
-        <p:nvSpPr>
-          <p:cNvPr id="14" name="Rectangle 13"/>
-          <p:cNvSpPr/>
-          <p:nvPr/>
-        </p:nvSpPr>
-        <p:spPr>
-          <a:xfrm>
-            <a:off x="329282" y="1865572"/>
-            <a:ext cx="4031698" cy="938719"/>
-          </a:xfrm>
-          <a:prstGeom prst="rect">
-            <a:avLst/>
-          </a:prstGeom>
-          <a:solidFill>
-            <a:schemeClr val="bg1">
-              <a:lumMod val="85000"/>
-            </a:schemeClr>
-          </a:solidFill>
-          <a:ln>
-            <a:solidFill>
-              <a:schemeClr val="accent1"/>
-            </a:solidFill>
-          </a:ln>
-        </p:spPr>
-        <p:txBody>
-          <a:bodyPr wrap="square">
-            <a:spAutoFit/>
-          </a:bodyPr>
-          <a:lstStyle/>
-          <a:p>
-            <a:r>
-              <a:rPr lang="en-US" sz="1100" dirty="0">
-                <a:solidFill>
-                  <a:srgbClr val="7F0055"/>
-                </a:solidFill>
-                <a:latin typeface="Menlo"/>
-              </a:rPr>
-              <a:t>public</a:t>
-            </a:r>
-            <a:r>
-              <a:rPr lang="en-US" sz="1100" dirty="0">
-                <a:solidFill>
-                  <a:srgbClr val="000000"/>
-                </a:solidFill>
-                <a:latin typeface="Menlo"/>
-              </a:rPr>
-              <a:t> </a:t>
-            </a:r>
-            <a:r>
-              <a:rPr lang="en-US" sz="1100" dirty="0">
-                <a:solidFill>
-                  <a:srgbClr val="7F0055"/>
-                </a:solidFill>
-                <a:latin typeface="Menlo"/>
-              </a:rPr>
-              <a:t>class</a:t>
-            </a:r>
-            <a:r>
-              <a:rPr lang="en-US" sz="1100" dirty="0">
-                <a:solidFill>
-                  <a:srgbClr val="000000"/>
-                </a:solidFill>
-                <a:latin typeface="Menlo"/>
-              </a:rPr>
-              <a:t> HelloWorld {</a:t>
-            </a:r>
-          </a:p>
-          <a:p>
-            <a:r>
-              <a:rPr lang="en-US" sz="1100" dirty="0">
-                <a:solidFill>
-                  <a:srgbClr val="000000"/>
-                </a:solidFill>
-                <a:latin typeface="Menlo"/>
-              </a:rPr>
-              <a:t>	</a:t>
-            </a:r>
-            <a:r>
-              <a:rPr lang="en-US" sz="1100" dirty="0">
-                <a:solidFill>
-                  <a:srgbClr val="7F0055"/>
-                </a:solidFill>
-                <a:latin typeface="Menlo"/>
-              </a:rPr>
-              <a:t>public</a:t>
-            </a:r>
-            <a:r>
-              <a:rPr lang="en-US" sz="1100" dirty="0">
-                <a:solidFill>
-                  <a:srgbClr val="000000"/>
-                </a:solidFill>
-                <a:latin typeface="Menlo"/>
-              </a:rPr>
-              <a:t> </a:t>
-            </a:r>
-            <a:r>
-              <a:rPr lang="en-US" sz="1100" dirty="0">
-                <a:solidFill>
-                  <a:srgbClr val="7F0055"/>
-                </a:solidFill>
-                <a:latin typeface="Menlo"/>
-              </a:rPr>
-              <a:t>static</a:t>
-            </a:r>
-            <a:r>
-              <a:rPr lang="en-US" sz="1100" dirty="0">
-                <a:solidFill>
-                  <a:srgbClr val="000000"/>
-                </a:solidFill>
-                <a:latin typeface="Menlo"/>
-              </a:rPr>
-              <a:t> </a:t>
-            </a:r>
-            <a:r>
-              <a:rPr lang="en-US" sz="1100" dirty="0">
-                <a:solidFill>
-                  <a:srgbClr val="7F0055"/>
-                </a:solidFill>
-                <a:latin typeface="Menlo"/>
-              </a:rPr>
-              <a:t>void</a:t>
-            </a:r>
-            <a:r>
-              <a:rPr lang="en-US" sz="1100" dirty="0">
-                <a:solidFill>
-                  <a:srgbClr val="000000"/>
-                </a:solidFill>
-                <a:latin typeface="Menlo"/>
-              </a:rPr>
-              <a:t> main(String[] </a:t>
-            </a:r>
-            <a:r>
-              <a:rPr lang="en-US" sz="1100" dirty="0">
-                <a:solidFill>
-                  <a:srgbClr val="6A3E3E"/>
-                </a:solidFill>
-                <a:latin typeface="Menlo"/>
-              </a:rPr>
-              <a:t>args</a:t>
-            </a:r>
-            <a:r>
-              <a:rPr lang="en-US" sz="1100" dirty="0">
-                <a:solidFill>
-                  <a:srgbClr val="000000"/>
-                </a:solidFill>
-                <a:latin typeface="Menlo"/>
-              </a:rPr>
-              <a:t>) {</a:t>
-            </a:r>
-          </a:p>
-          <a:p>
-            <a:r>
-              <a:rPr lang="en-US" sz="1100" dirty="0">
-                <a:solidFill>
-                  <a:srgbClr val="000000"/>
-                </a:solidFill>
-                <a:latin typeface="Menlo"/>
-              </a:rPr>
-              <a:t>		System.</a:t>
-            </a:r>
-            <a:r>
-              <a:rPr lang="en-US" sz="1100" i="1" dirty="0">
-                <a:solidFill>
-                  <a:srgbClr val="0000C0"/>
-                </a:solidFill>
-                <a:latin typeface="Menlo"/>
-              </a:rPr>
-              <a:t>out</a:t>
-            </a:r>
-            <a:r>
-              <a:rPr lang="en-US" sz="1100" i="1" dirty="0">
-                <a:solidFill>
-                  <a:srgbClr val="000000"/>
-                </a:solidFill>
-                <a:latin typeface="Menlo"/>
-              </a:rPr>
-              <a:t>.println(</a:t>
-            </a:r>
-            <a:r>
-              <a:rPr lang="en-US" sz="1100" i="1" dirty="0">
-                <a:solidFill>
-                  <a:srgbClr val="2A00FF"/>
-                </a:solidFill>
-                <a:latin typeface="Menlo"/>
-              </a:rPr>
-              <a:t>"Hello World"</a:t>
-            </a:r>
-            <a:r>
-              <a:rPr lang="en-US" sz="1100" i="1" dirty="0">
-                <a:solidFill>
-                  <a:srgbClr val="000000"/>
-                </a:solidFill>
-                <a:latin typeface="Menlo"/>
-              </a:rPr>
-              <a:t>);</a:t>
-            </a:r>
-          </a:p>
-          <a:p>
-            <a:r>
-              <a:rPr lang="en-US" sz="1100" dirty="0">
-                <a:solidFill>
-                  <a:srgbClr val="000000"/>
-                </a:solidFill>
-                <a:latin typeface="Menlo"/>
-              </a:rPr>
-              <a:t>	}</a:t>
-            </a:r>
-            <a:endParaRPr lang="en-US" sz="1100" dirty="0">
-              <a:latin typeface="Menlo"/>
-            </a:endParaRPr>
-          </a:p>
-          <a:p>
-            <a:r>
-              <a:rPr lang="en-US" sz="1100" dirty="0">
-                <a:solidFill>
-                  <a:srgbClr val="000000"/>
-                </a:solidFill>
-                <a:latin typeface="Menlo"/>
-              </a:rPr>
-              <a:t>}</a:t>
-            </a:r>
-            <a:endParaRPr lang="en-US" sz="1100" dirty="0"/>
-          </a:p>
-        </p:txBody>
-      </p:sp>
-      <p:sp>
-        <p:nvSpPr>
-          <p:cNvPr id="15" name="Rectangle 14"/>
-          <p:cNvSpPr/>
-          <p:nvPr/>
-        </p:nvSpPr>
-        <p:spPr>
-          <a:xfrm>
-            <a:off x="1507630" y="3872571"/>
-            <a:ext cx="1176954" cy="539047"/>
-          </a:xfrm>
-          <a:prstGeom prst="rect">
-            <a:avLst/>
-          </a:prstGeom>
-          <a:solidFill>
-            <a:schemeClr val="accent1">
-              <a:lumMod val="20000"/>
-              <a:lumOff val="80000"/>
-            </a:schemeClr>
-          </a:solidFill>
-          <a:ln w="19050" cmpd="sng">
-            <a:solidFill>
-              <a:schemeClr val="tx1"/>
-            </a:solidFill>
-          </a:ln>
-        </p:spPr>
-        <p:style>
-          <a:lnRef idx="2">
-            <a:schemeClr val="dk1"/>
-          </a:lnRef>
-          <a:fillRef idx="1">
-            <a:schemeClr val="lt1"/>
-          </a:fillRef>
-          <a:effectRef idx="0">
-            <a:schemeClr val="dk1"/>
-          </a:effectRef>
-          <a:fontRef idx="minor">
-            <a:schemeClr val="dk1"/>
-          </a:fontRef>
-        </p:style>
-        <p:txBody>
-          <a:bodyPr rtlCol="0" anchor="ctr"/>
-          <a:lstStyle/>
-          <a:p>
-            <a:pPr algn="ctr"/>
-            <a:r>
-              <a:rPr lang="en-US" dirty="0">
-                <a:latin typeface="Times New Roman"/>
-                <a:cs typeface="Times New Roman"/>
-              </a:rPr>
-              <a:t>Compiler</a:t>
-            </a:r>
-          </a:p>
-        </p:txBody>
-      </p:sp>
-      <p:sp>
-        <p:nvSpPr>
-          <p:cNvPr id="18" name="Rectangle 17"/>
-          <p:cNvSpPr/>
-          <p:nvPr/>
-        </p:nvSpPr>
-        <p:spPr>
-          <a:xfrm>
-            <a:off x="5258870" y="1730965"/>
-            <a:ext cx="2177572" cy="730911"/>
-          </a:xfrm>
-          <a:prstGeom prst="rect">
-            <a:avLst/>
-          </a:prstGeom>
-          <a:solidFill>
-            <a:schemeClr val="accent1">
-              <a:lumMod val="20000"/>
-              <a:lumOff val="80000"/>
-            </a:schemeClr>
-          </a:solidFill>
-          <a:ln w="19050" cmpd="sng">
-            <a:solidFill>
-              <a:schemeClr val="tx1"/>
-            </a:solidFill>
-          </a:ln>
-        </p:spPr>
-        <p:style>
-          <a:lnRef idx="2">
-            <a:schemeClr val="dk1"/>
-          </a:lnRef>
-          <a:fillRef idx="1">
-            <a:schemeClr val="lt1"/>
-          </a:fillRef>
-          <a:effectRef idx="0">
-            <a:schemeClr val="dk1"/>
-          </a:effectRef>
-          <a:fontRef idx="minor">
-            <a:schemeClr val="dk1"/>
-          </a:fontRef>
-        </p:style>
-        <p:txBody>
-          <a:bodyPr rtlCol="0" anchor="ctr"/>
-          <a:lstStyle/>
-          <a:p>
-            <a:pPr algn="ctr"/>
-            <a:r>
-              <a:rPr lang="en-US" dirty="0">
-                <a:latin typeface="Times New Roman"/>
-                <a:cs typeface="Times New Roman"/>
-              </a:rPr>
-              <a:t>Java</a:t>
-            </a:r>
-            <a:r>
-              <a:rPr lang="zh-CN" altLang="en-US" dirty="0">
-                <a:latin typeface="Times New Roman"/>
-                <a:cs typeface="Times New Roman"/>
-              </a:rPr>
-              <a:t> </a:t>
-            </a:r>
-            <a:r>
-              <a:rPr lang="en-US" altLang="zh-CN" dirty="0">
-                <a:latin typeface="Times New Roman"/>
-                <a:cs typeface="Times New Roman"/>
-              </a:rPr>
-              <a:t>Virtual</a:t>
-            </a:r>
-            <a:r>
-              <a:rPr lang="zh-CN" altLang="en-US" dirty="0">
-                <a:latin typeface="Times New Roman"/>
-                <a:cs typeface="Times New Roman"/>
-              </a:rPr>
-              <a:t> </a:t>
-            </a:r>
-            <a:r>
-              <a:rPr lang="en-US" altLang="zh-CN" dirty="0">
-                <a:latin typeface="Times New Roman"/>
-                <a:cs typeface="Times New Roman"/>
-              </a:rPr>
-              <a:t>Machine</a:t>
-            </a:r>
-            <a:endParaRPr lang="en-US" dirty="0">
-              <a:latin typeface="Times New Roman"/>
-              <a:cs typeface="Times New Roman"/>
-            </a:endParaRPr>
-          </a:p>
-        </p:txBody>
-      </p:sp>
-      <p:sp>
-        <p:nvSpPr>
-          <p:cNvPr id="23" name="TextBox 22"/>
-          <p:cNvSpPr txBox="1"/>
-          <p:nvPr/>
-        </p:nvSpPr>
-        <p:spPr>
-          <a:xfrm>
-            <a:off x="288167" y="1364322"/>
-            <a:ext cx="3782437" cy="369332"/>
-          </a:xfrm>
-          <a:prstGeom prst="rect">
-            <a:avLst/>
-          </a:prstGeom>
-          <a:noFill/>
-        </p:spPr>
-        <p:txBody>
-          <a:bodyPr wrap="square" rtlCol="0">
-            <a:spAutoFit/>
-          </a:bodyPr>
-          <a:lstStyle/>
-          <a:p>
-            <a:r>
-              <a:rPr lang="en-US" altLang="zh-CN" dirty="0"/>
-              <a:t>1.</a:t>
-            </a:r>
-            <a:r>
-              <a:rPr lang="zh-CN" altLang="en-US" dirty="0"/>
-              <a:t> </a:t>
-            </a:r>
-            <a:r>
-              <a:rPr lang="en-US" dirty="0"/>
-              <a:t>Write</a:t>
-            </a:r>
-            <a:r>
-              <a:rPr lang="zh-CN" altLang="en-US" dirty="0"/>
-              <a:t> </a:t>
-            </a:r>
-            <a:r>
-              <a:rPr lang="en-US" altLang="zh-CN" dirty="0"/>
-              <a:t>source</a:t>
-            </a:r>
-            <a:r>
-              <a:rPr lang="zh-CN" altLang="en-US" dirty="0"/>
-              <a:t> </a:t>
-            </a:r>
-            <a:r>
-              <a:rPr lang="en-US" altLang="zh-CN" dirty="0"/>
-              <a:t>code</a:t>
-            </a:r>
-            <a:r>
-              <a:rPr lang="zh-CN" altLang="en-US" dirty="0"/>
-              <a:t> </a:t>
-            </a:r>
-            <a:r>
-              <a:rPr lang="en-US" altLang="zh-CN" dirty="0"/>
-              <a:t>-</a:t>
-            </a:r>
-            <a:r>
-              <a:rPr lang="zh-CN" altLang="en-US" dirty="0"/>
-              <a:t> </a:t>
-            </a:r>
-            <a:r>
-              <a:rPr lang="en-US" altLang="zh-CN" dirty="0"/>
-              <a:t>HelloWorld.java</a:t>
-            </a:r>
-            <a:endParaRPr lang="en-US" dirty="0"/>
-          </a:p>
-        </p:txBody>
-      </p:sp>
-      <p:cxnSp>
-        <p:nvCxnSpPr>
-          <p:cNvPr id="26" name="Straight Arrow Connector 25"/>
-          <p:cNvCxnSpPr/>
-          <p:nvPr/>
-        </p:nvCxnSpPr>
-        <p:spPr>
-          <a:xfrm>
-            <a:off x="2147229" y="2911595"/>
-            <a:ext cx="0" cy="496284"/>
-          </a:xfrm>
-          <a:prstGeom prst="straightConnector1">
-            <a:avLst/>
-          </a:prstGeom>
-          <a:ln w="28575" cmpd="sng">
-            <a:solidFill>
-              <a:srgbClr val="000000"/>
-            </a:solidFill>
-            <a:tailEnd type="arrow"/>
-          </a:ln>
-          <a:effectLst/>
-        </p:spPr>
-        <p:style>
-          <a:lnRef idx="2">
-            <a:schemeClr val="accent1"/>
-          </a:lnRef>
-          <a:fillRef idx="0">
-            <a:schemeClr val="accent1"/>
-          </a:fillRef>
-          <a:effectRef idx="1">
-            <a:schemeClr val="accent1"/>
-          </a:effectRef>
-          <a:fontRef idx="minor">
-            <a:schemeClr val="tx1"/>
-          </a:fontRef>
-        </p:style>
-      </p:cxnSp>
-      <p:sp>
-        <p:nvSpPr>
-          <p:cNvPr id="28" name="Oval 27"/>
-          <p:cNvSpPr/>
-          <p:nvPr/>
-        </p:nvSpPr>
-        <p:spPr>
-          <a:xfrm>
-            <a:off x="5616696" y="3180115"/>
-            <a:ext cx="1489182" cy="913639"/>
-          </a:xfrm>
-          <a:prstGeom prst="ellipse">
-            <a:avLst/>
-          </a:prstGeom>
-          <a:solidFill>
-            <a:schemeClr val="bg1">
-              <a:lumMod val="85000"/>
-            </a:schemeClr>
-          </a:solidFill>
-        </p:spPr>
-        <p:style>
-          <a:lnRef idx="2">
-            <a:schemeClr val="dk1"/>
-          </a:lnRef>
-          <a:fillRef idx="1">
-            <a:schemeClr val="lt1"/>
-          </a:fillRef>
-          <a:effectRef idx="0">
-            <a:schemeClr val="dk1"/>
-          </a:effectRef>
-          <a:fontRef idx="minor">
-            <a:schemeClr val="dk1"/>
-          </a:fontRef>
-        </p:style>
-        <p:txBody>
-          <a:bodyPr rtlCol="0" anchor="ctr"/>
-          <a:lstStyle/>
-          <a:p>
-            <a:pPr algn="ctr"/>
-            <a:r>
-              <a:rPr lang="en-US" dirty="0"/>
-              <a:t>N</a:t>
-            </a:r>
-            <a:r>
-              <a:rPr lang="en-US" altLang="zh-CN" dirty="0"/>
-              <a:t>ative</a:t>
-            </a:r>
-            <a:r>
-              <a:rPr lang="zh-CN" altLang="en-US" dirty="0"/>
-              <a:t> </a:t>
-            </a:r>
-            <a:r>
-              <a:rPr lang="en-US" altLang="zh-CN" dirty="0"/>
-              <a:t>Machine</a:t>
-            </a:r>
-            <a:r>
-              <a:rPr lang="zh-CN" altLang="en-US" dirty="0"/>
-              <a:t> </a:t>
-            </a:r>
-            <a:r>
-              <a:rPr lang="en-US" altLang="zh-CN" dirty="0"/>
-              <a:t>Code</a:t>
-            </a:r>
-            <a:endParaRPr lang="en-US" dirty="0"/>
-          </a:p>
-        </p:txBody>
-      </p:sp>
-      <p:cxnSp>
-        <p:nvCxnSpPr>
-          <p:cNvPr id="29" name="Straight Arrow Connector 28"/>
-          <p:cNvCxnSpPr/>
-          <p:nvPr/>
-        </p:nvCxnSpPr>
-        <p:spPr>
-          <a:xfrm>
-            <a:off x="2028448" y="4509010"/>
-            <a:ext cx="0" cy="496284"/>
-          </a:xfrm>
-          <a:prstGeom prst="straightConnector1">
-            <a:avLst/>
-          </a:prstGeom>
-          <a:ln w="28575" cmpd="sng">
-            <a:solidFill>
-              <a:srgbClr val="000000"/>
-            </a:solidFill>
-            <a:tailEnd type="arrow"/>
-          </a:ln>
-          <a:effectLst/>
-        </p:spPr>
-        <p:style>
-          <a:lnRef idx="2">
-            <a:schemeClr val="accent1"/>
-          </a:lnRef>
-          <a:fillRef idx="0">
-            <a:schemeClr val="accent1"/>
-          </a:fillRef>
-          <a:effectRef idx="1">
-            <a:schemeClr val="accent1"/>
-          </a:effectRef>
-          <a:fontRef idx="minor">
-            <a:schemeClr val="tx1"/>
-          </a:fontRef>
-        </p:style>
-      </p:cxnSp>
-      <p:sp>
-        <p:nvSpPr>
-          <p:cNvPr id="30" name="TextBox 29"/>
-          <p:cNvSpPr txBox="1"/>
-          <p:nvPr/>
-        </p:nvSpPr>
-        <p:spPr>
-          <a:xfrm>
-            <a:off x="82581" y="3389767"/>
-            <a:ext cx="4613915" cy="369332"/>
-          </a:xfrm>
-          <a:prstGeom prst="rect">
-            <a:avLst/>
-          </a:prstGeom>
-          <a:noFill/>
-        </p:spPr>
-        <p:txBody>
-          <a:bodyPr wrap="square" rtlCol="0">
-            <a:spAutoFit/>
-          </a:bodyPr>
-          <a:lstStyle/>
-          <a:p>
-            <a:r>
-              <a:rPr lang="en-US" altLang="zh-CN" dirty="0"/>
-              <a:t>2.</a:t>
-            </a:r>
-            <a:r>
-              <a:rPr lang="zh-CN" altLang="en-US" dirty="0"/>
-              <a:t> </a:t>
-            </a:r>
-            <a:r>
-              <a:rPr lang="en-US" dirty="0"/>
-              <a:t>Compile</a:t>
-            </a:r>
-            <a:r>
-              <a:rPr lang="zh-CN" altLang="en-US" dirty="0"/>
-              <a:t> </a:t>
-            </a:r>
-            <a:r>
-              <a:rPr lang="en-US" altLang="zh-CN" dirty="0"/>
-              <a:t>source</a:t>
-            </a:r>
-            <a:r>
-              <a:rPr lang="zh-CN" altLang="en-US" dirty="0"/>
-              <a:t> </a:t>
-            </a:r>
-            <a:r>
-              <a:rPr lang="en-US" altLang="zh-CN" dirty="0"/>
-              <a:t>code</a:t>
-            </a:r>
-            <a:r>
-              <a:rPr lang="zh-CN" altLang="en-US" dirty="0"/>
-              <a:t> </a:t>
-            </a:r>
-            <a:r>
-              <a:rPr lang="en-US" altLang="zh-CN" dirty="0"/>
-              <a:t>-</a:t>
-            </a:r>
-            <a:r>
-              <a:rPr lang="zh-CN" altLang="en-US" dirty="0"/>
-              <a:t> </a:t>
-            </a:r>
-            <a:r>
-              <a:rPr lang="en-US" altLang="zh-CN" dirty="0"/>
-              <a:t>javac</a:t>
-            </a:r>
-            <a:r>
-              <a:rPr lang="zh-CN" altLang="en-US" dirty="0"/>
-              <a:t> </a:t>
-            </a:r>
-            <a:r>
-              <a:rPr lang="en-US" altLang="zh-CN" dirty="0"/>
-              <a:t>HelloWorld.java</a:t>
-            </a:r>
-          </a:p>
-        </p:txBody>
-      </p:sp>
-      <p:sp>
-        <p:nvSpPr>
-          <p:cNvPr id="35" name="Rectangle 34"/>
-          <p:cNvSpPr/>
-          <p:nvPr/>
-        </p:nvSpPr>
-        <p:spPr>
-          <a:xfrm>
-            <a:off x="5175014" y="4737147"/>
-            <a:ext cx="2002230" cy="516396"/>
-          </a:xfrm>
-          <a:prstGeom prst="rect">
-            <a:avLst/>
-          </a:prstGeom>
-          <a:solidFill>
-            <a:schemeClr val="accent1">
-              <a:lumMod val="20000"/>
-              <a:lumOff val="80000"/>
-            </a:schemeClr>
-          </a:solidFill>
-          <a:ln w="19050" cmpd="sng">
-            <a:solidFill>
-              <a:schemeClr val="tx1"/>
-            </a:solidFill>
-          </a:ln>
-        </p:spPr>
-        <p:style>
-          <a:lnRef idx="2">
-            <a:schemeClr val="dk1"/>
-          </a:lnRef>
-          <a:fillRef idx="1">
-            <a:schemeClr val="lt1"/>
-          </a:fillRef>
-          <a:effectRef idx="0">
-            <a:schemeClr val="dk1"/>
-          </a:effectRef>
-          <a:fontRef idx="minor">
-            <a:schemeClr val="dk1"/>
-          </a:fontRef>
-        </p:style>
-        <p:txBody>
-          <a:bodyPr rtlCol="0" anchor="ctr"/>
-          <a:lstStyle/>
-          <a:p>
-            <a:pPr algn="ctr"/>
-            <a:r>
-              <a:rPr lang="en-US" dirty="0">
-                <a:latin typeface="Times New Roman"/>
-                <a:cs typeface="Times New Roman"/>
-              </a:rPr>
-              <a:t>Operating</a:t>
-            </a:r>
-            <a:r>
-              <a:rPr lang="zh-CN" altLang="en-US" dirty="0">
-                <a:latin typeface="Times New Roman"/>
-                <a:cs typeface="Times New Roman"/>
-              </a:rPr>
-              <a:t> </a:t>
-            </a:r>
-            <a:r>
-              <a:rPr lang="en-US" altLang="zh-CN" dirty="0">
-                <a:latin typeface="Times New Roman"/>
-                <a:cs typeface="Times New Roman"/>
-              </a:rPr>
-              <a:t>Systems</a:t>
-            </a:r>
-            <a:endParaRPr lang="en-US" dirty="0">
-              <a:latin typeface="Times New Roman"/>
-              <a:cs typeface="Times New Roman"/>
-            </a:endParaRPr>
-          </a:p>
-        </p:txBody>
-      </p:sp>
-      <p:sp>
-        <p:nvSpPr>
-          <p:cNvPr id="36" name="Rectangle 35"/>
-          <p:cNvSpPr/>
-          <p:nvPr/>
-        </p:nvSpPr>
-        <p:spPr>
-          <a:xfrm>
-            <a:off x="5175014" y="5245440"/>
-            <a:ext cx="2002230" cy="414483"/>
-          </a:xfrm>
-          <a:prstGeom prst="rect">
-            <a:avLst/>
-          </a:prstGeom>
-          <a:solidFill>
-            <a:schemeClr val="accent1">
-              <a:lumMod val="20000"/>
-              <a:lumOff val="80000"/>
-            </a:schemeClr>
-          </a:solidFill>
-          <a:ln w="19050" cmpd="sng">
-            <a:solidFill>
-              <a:schemeClr val="tx1"/>
-            </a:solidFill>
-          </a:ln>
-        </p:spPr>
-        <p:style>
-          <a:lnRef idx="2">
-            <a:schemeClr val="dk1"/>
-          </a:lnRef>
-          <a:fillRef idx="1">
-            <a:schemeClr val="lt1"/>
-          </a:fillRef>
-          <a:effectRef idx="0">
-            <a:schemeClr val="dk1"/>
-          </a:effectRef>
-          <a:fontRef idx="minor">
-            <a:schemeClr val="dk1"/>
-          </a:fontRef>
-        </p:style>
-        <p:txBody>
-          <a:bodyPr rtlCol="0" anchor="ctr"/>
-          <a:lstStyle/>
-          <a:p>
-            <a:pPr algn="ctr"/>
-            <a:r>
-              <a:rPr lang="en-US" dirty="0">
-                <a:latin typeface="Times New Roman"/>
-                <a:cs typeface="Times New Roman"/>
-              </a:rPr>
-              <a:t>H</a:t>
-            </a:r>
-            <a:r>
-              <a:rPr lang="en-US" altLang="zh-CN" dirty="0">
-                <a:latin typeface="Times New Roman"/>
-                <a:cs typeface="Times New Roman"/>
-              </a:rPr>
-              <a:t>ardware</a:t>
-            </a:r>
-            <a:endParaRPr lang="en-US" dirty="0">
-              <a:latin typeface="Times New Roman"/>
-              <a:cs typeface="Times New Roman"/>
-            </a:endParaRPr>
-          </a:p>
-        </p:txBody>
-      </p:sp>
-      <p:sp>
-        <p:nvSpPr>
-          <p:cNvPr id="37" name="TextBox 36"/>
-          <p:cNvSpPr txBox="1"/>
-          <p:nvPr/>
-        </p:nvSpPr>
-        <p:spPr>
-          <a:xfrm>
-            <a:off x="447723" y="5947800"/>
-            <a:ext cx="3486539" cy="369332"/>
-          </a:xfrm>
-          <a:prstGeom prst="rect">
-            <a:avLst/>
-          </a:prstGeom>
-          <a:noFill/>
-        </p:spPr>
-        <p:txBody>
-          <a:bodyPr wrap="none" rtlCol="0">
-            <a:spAutoFit/>
-          </a:bodyPr>
-          <a:lstStyle/>
-          <a:p>
-            <a:r>
-              <a:rPr lang="en-US" dirty="0"/>
-              <a:t>Obtain</a:t>
-            </a:r>
-            <a:r>
-              <a:rPr lang="zh-CN" altLang="en-US" dirty="0"/>
-              <a:t> </a:t>
-            </a:r>
-            <a:r>
-              <a:rPr lang="en-US" altLang="zh-CN" dirty="0"/>
-              <a:t>bytecode</a:t>
-            </a:r>
-            <a:r>
-              <a:rPr lang="zh-CN" altLang="en-US" dirty="0"/>
-              <a:t> </a:t>
-            </a:r>
-            <a:r>
-              <a:rPr lang="en-US" altLang="zh-CN" dirty="0"/>
-              <a:t>-</a:t>
-            </a:r>
-            <a:r>
-              <a:rPr lang="zh-CN" altLang="en-US" dirty="0"/>
-              <a:t> </a:t>
-            </a:r>
-            <a:r>
-              <a:rPr lang="en-US" altLang="zh-CN" dirty="0"/>
-              <a:t>HelloWorld.class</a:t>
-            </a:r>
-            <a:endParaRPr lang="en-US" dirty="0"/>
-          </a:p>
-        </p:txBody>
-      </p:sp>
-      <p:sp>
-        <p:nvSpPr>
-          <p:cNvPr id="42" name="Freeform 41"/>
-          <p:cNvSpPr/>
-          <p:nvPr/>
-        </p:nvSpPr>
-        <p:spPr>
-          <a:xfrm>
-            <a:off x="3855881" y="2046561"/>
-            <a:ext cx="1306612" cy="4038283"/>
-          </a:xfrm>
-          <a:custGeom>
-            <a:avLst/>
-            <a:gdLst>
-              <a:gd name="connsiteX0" fmla="*/ 0 w 1306612"/>
-              <a:gd name="connsiteY0" fmla="*/ 4038283 h 4038283"/>
-              <a:gd name="connsiteX1" fmla="*/ 840617 w 1306612"/>
-              <a:gd name="connsiteY1" fmla="*/ 2996735 h 4038283"/>
-              <a:gd name="connsiteX2" fmla="*/ 840617 w 1306612"/>
-              <a:gd name="connsiteY2" fmla="*/ 0 h 4038283"/>
-              <a:gd name="connsiteX3" fmla="*/ 1306612 w 1306612"/>
-              <a:gd name="connsiteY3" fmla="*/ 0 h 4038283"/>
-            </a:gdLst>
-            <a:ahLst/>
-            <a:cxnLst>
-              <a:cxn ang="0">
-                <a:pos x="connsiteX0" y="connsiteY0"/>
-              </a:cxn>
-              <a:cxn ang="0">
-                <a:pos x="connsiteX1" y="connsiteY1"/>
-              </a:cxn>
-              <a:cxn ang="0">
-                <a:pos x="connsiteX2" y="connsiteY2"/>
-              </a:cxn>
-              <a:cxn ang="0">
-                <a:pos x="connsiteX3" y="connsiteY3"/>
-              </a:cxn>
-            </a:cxnLst>
-            <a:rect l="l" t="t" r="r" b="b"/>
-            <a:pathLst>
-              <a:path w="1306612" h="4038283">
-                <a:moveTo>
-                  <a:pt x="0" y="4038283"/>
-                </a:moveTo>
-                <a:lnTo>
-                  <a:pt x="840617" y="2996735"/>
-                </a:lnTo>
-                <a:lnTo>
-                  <a:pt x="840617" y="0"/>
-                </a:lnTo>
-                <a:lnTo>
-                  <a:pt x="1306612" y="0"/>
-                </a:lnTo>
-              </a:path>
-            </a:pathLst>
-          </a:custGeom>
-          <a:ln w="19050" cmpd="sng">
-            <a:solidFill>
-              <a:srgbClr val="000000"/>
-            </a:solidFill>
-            <a:tailEnd type="arrow"/>
-          </a:ln>
-          <a:effectLst/>
-        </p:spPr>
-        <p:style>
-          <a:lnRef idx="2">
-            <a:schemeClr val="accent1"/>
-          </a:lnRef>
-          <a:fillRef idx="0">
-            <a:schemeClr val="accent1"/>
-          </a:fillRef>
-          <a:effectRef idx="1">
-            <a:schemeClr val="accent1"/>
-          </a:effectRef>
-          <a:fontRef idx="minor">
-            <a:schemeClr val="tx1"/>
-          </a:fontRef>
-        </p:style>
-        <p:txBody>
-          <a:bodyPr rtlCol="0" anchor="ctr"/>
-          <a:lstStyle/>
-          <a:p>
-            <a:pPr algn="ctr"/>
-            <a:endParaRPr lang="en-US"/>
-          </a:p>
-        </p:txBody>
-      </p:sp>
-      <p:sp>
-        <p:nvSpPr>
-          <p:cNvPr id="43" name="TextBox 42"/>
-          <p:cNvSpPr txBox="1"/>
-          <p:nvPr/>
-        </p:nvSpPr>
-        <p:spPr>
-          <a:xfrm>
-            <a:off x="4823227" y="1185623"/>
-            <a:ext cx="3389879" cy="369332"/>
-          </a:xfrm>
-          <a:prstGeom prst="rect">
-            <a:avLst/>
-          </a:prstGeom>
-          <a:noFill/>
-        </p:spPr>
-        <p:txBody>
-          <a:bodyPr wrap="square" rtlCol="0">
-            <a:spAutoFit/>
-          </a:bodyPr>
-          <a:lstStyle/>
-          <a:p>
-            <a:r>
-              <a:rPr lang="en-US" altLang="zh-CN" dirty="0"/>
-              <a:t>2.</a:t>
-            </a:r>
-            <a:r>
-              <a:rPr lang="zh-CN" altLang="en-US" dirty="0"/>
-              <a:t> </a:t>
-            </a:r>
-            <a:r>
-              <a:rPr lang="en-US" dirty="0"/>
-              <a:t>Run</a:t>
-            </a:r>
-            <a:r>
-              <a:rPr lang="zh-CN" altLang="en-US" dirty="0"/>
-              <a:t> </a:t>
-            </a:r>
-            <a:r>
-              <a:rPr lang="en-US" altLang="zh-CN" dirty="0"/>
-              <a:t>in</a:t>
-            </a:r>
-            <a:r>
-              <a:rPr lang="zh-CN" altLang="en-US" dirty="0"/>
-              <a:t> </a:t>
-            </a:r>
-            <a:r>
-              <a:rPr lang="en-US" altLang="zh-CN" dirty="0"/>
-              <a:t>JVM</a:t>
-            </a:r>
-            <a:r>
-              <a:rPr lang="zh-CN" altLang="en-US" dirty="0"/>
-              <a:t> </a:t>
-            </a:r>
-            <a:r>
-              <a:rPr lang="en-US" altLang="zh-CN" dirty="0"/>
-              <a:t>-</a:t>
-            </a:r>
-            <a:r>
-              <a:rPr lang="zh-CN" altLang="en-US" dirty="0"/>
-              <a:t> </a:t>
-            </a:r>
-            <a:r>
-              <a:rPr lang="en-US" altLang="zh-CN" dirty="0"/>
-              <a:t>java</a:t>
-            </a:r>
-            <a:r>
-              <a:rPr lang="zh-CN" altLang="en-US" dirty="0"/>
-              <a:t> </a:t>
-            </a:r>
-            <a:r>
-              <a:rPr lang="en-US" altLang="zh-CN" dirty="0"/>
-              <a:t>HelloWorld</a:t>
-            </a:r>
-          </a:p>
-        </p:txBody>
-      </p:sp>
-      <p:sp>
-        <p:nvSpPr>
-          <p:cNvPr id="44" name="Oval 43"/>
-          <p:cNvSpPr/>
-          <p:nvPr/>
-        </p:nvSpPr>
-        <p:spPr>
-          <a:xfrm>
-            <a:off x="1288338" y="5095201"/>
-            <a:ext cx="1572091" cy="831411"/>
-          </a:xfrm>
-          <a:prstGeom prst="ellipse">
-            <a:avLst/>
-          </a:prstGeom>
-          <a:solidFill>
-            <a:schemeClr val="bg1">
-              <a:lumMod val="85000"/>
-            </a:schemeClr>
-          </a:solidFill>
-        </p:spPr>
-        <p:style>
-          <a:lnRef idx="2">
-            <a:schemeClr val="dk1"/>
-          </a:lnRef>
-          <a:fillRef idx="1">
-            <a:schemeClr val="lt1"/>
-          </a:fillRef>
-          <a:effectRef idx="0">
-            <a:schemeClr val="dk1"/>
-          </a:effectRef>
-          <a:fontRef idx="minor">
-            <a:schemeClr val="dk1"/>
-          </a:fontRef>
-        </p:style>
-        <p:txBody>
-          <a:bodyPr rtlCol="0" anchor="ctr"/>
-          <a:lstStyle/>
-          <a:p>
-            <a:pPr algn="ctr"/>
-            <a:r>
-              <a:rPr lang="en-US" dirty="0"/>
-              <a:t>Java</a:t>
-            </a:r>
-            <a:r>
-              <a:rPr lang="zh-CN" altLang="en-US" dirty="0"/>
-              <a:t> </a:t>
-            </a:r>
-            <a:r>
-              <a:rPr lang="en-US" altLang="zh-CN" dirty="0"/>
-              <a:t>Bytecode</a:t>
-            </a:r>
-            <a:endParaRPr lang="en-US" dirty="0"/>
-          </a:p>
-        </p:txBody>
-      </p:sp>
-      <p:cxnSp>
-        <p:nvCxnSpPr>
-          <p:cNvPr id="45" name="Straight Arrow Connector 44"/>
-          <p:cNvCxnSpPr/>
-          <p:nvPr/>
-        </p:nvCxnSpPr>
-        <p:spPr>
-          <a:xfrm>
-            <a:off x="6426797" y="2572733"/>
-            <a:ext cx="0" cy="496284"/>
-          </a:xfrm>
-          <a:prstGeom prst="straightConnector1">
-            <a:avLst/>
-          </a:prstGeom>
-          <a:ln w="28575" cmpd="sng">
-            <a:solidFill>
-              <a:srgbClr val="000000"/>
-            </a:solidFill>
-            <a:tailEnd type="arrow"/>
-          </a:ln>
-          <a:effectLst/>
-        </p:spPr>
-        <p:style>
-          <a:lnRef idx="2">
-            <a:schemeClr val="accent1"/>
-          </a:lnRef>
-          <a:fillRef idx="0">
-            <a:schemeClr val="accent1"/>
-          </a:fillRef>
-          <a:effectRef idx="1">
-            <a:schemeClr val="accent1"/>
-          </a:effectRef>
-          <a:fontRef idx="minor">
-            <a:schemeClr val="tx1"/>
-          </a:fontRef>
-        </p:style>
-      </p:cxnSp>
-      <p:sp>
-        <p:nvSpPr>
-          <p:cNvPr id="46" name="Rectangle 45"/>
-          <p:cNvSpPr/>
-          <p:nvPr/>
-        </p:nvSpPr>
-        <p:spPr>
-          <a:xfrm>
-            <a:off x="7882535" y="1863863"/>
-            <a:ext cx="1148002" cy="411752"/>
-          </a:xfrm>
-          <a:prstGeom prst="rect">
-            <a:avLst/>
-          </a:prstGeom>
-          <a:solidFill>
-            <a:schemeClr val="bg1">
-              <a:lumMod val="85000"/>
-            </a:schemeClr>
-          </a:solidFill>
-          <a:ln w="19050" cmpd="sng">
-            <a:solidFill>
-              <a:schemeClr val="tx1"/>
-            </a:solidFill>
-          </a:ln>
-        </p:spPr>
-        <p:style>
-          <a:lnRef idx="2">
-            <a:schemeClr val="dk1"/>
-          </a:lnRef>
-          <a:fillRef idx="1">
-            <a:schemeClr val="lt1"/>
-          </a:fillRef>
-          <a:effectRef idx="0">
-            <a:schemeClr val="dk1"/>
-          </a:effectRef>
-          <a:fontRef idx="minor">
-            <a:schemeClr val="dk1"/>
-          </a:fontRef>
-        </p:style>
-        <p:txBody>
-          <a:bodyPr rtlCol="0" anchor="ctr"/>
-          <a:lstStyle/>
-          <a:p>
-            <a:pPr algn="ctr"/>
-            <a:r>
-              <a:rPr lang="en-US" dirty="0">
-                <a:latin typeface="Times New Roman"/>
-                <a:cs typeface="Times New Roman"/>
-              </a:rPr>
-              <a:t>J</a:t>
-            </a:r>
-            <a:r>
-              <a:rPr lang="en-US" altLang="zh-CN" dirty="0">
-                <a:latin typeface="Times New Roman"/>
-                <a:cs typeface="Times New Roman"/>
-              </a:rPr>
-              <a:t>ava</a:t>
-            </a:r>
-            <a:r>
-              <a:rPr lang="zh-CN" altLang="en-US" dirty="0">
-                <a:latin typeface="Times New Roman"/>
-                <a:cs typeface="Times New Roman"/>
-              </a:rPr>
-              <a:t> </a:t>
-            </a:r>
-            <a:r>
-              <a:rPr lang="en-US" altLang="zh-CN" dirty="0">
-                <a:latin typeface="Times New Roman"/>
-                <a:cs typeface="Times New Roman"/>
-              </a:rPr>
-              <a:t>API</a:t>
-            </a:r>
-            <a:endParaRPr lang="en-US" dirty="0">
-              <a:latin typeface="Times New Roman"/>
-              <a:cs typeface="Times New Roman"/>
-            </a:endParaRPr>
-          </a:p>
-        </p:txBody>
-      </p:sp>
-      <p:cxnSp>
-        <p:nvCxnSpPr>
-          <p:cNvPr id="47" name="Straight Arrow Connector 46"/>
-          <p:cNvCxnSpPr/>
-          <p:nvPr/>
-        </p:nvCxnSpPr>
-        <p:spPr>
-          <a:xfrm flipH="1">
-            <a:off x="7535328" y="2074436"/>
-            <a:ext cx="319798" cy="0"/>
-          </a:xfrm>
-          <a:prstGeom prst="straightConnector1">
-            <a:avLst/>
-          </a:prstGeom>
-          <a:ln w="19050" cmpd="sng">
-            <a:solidFill>
-              <a:srgbClr val="000000"/>
-            </a:solidFill>
-            <a:tailEnd type="arrow"/>
-          </a:ln>
-          <a:effectLst/>
-        </p:spPr>
-        <p:style>
-          <a:lnRef idx="2">
-            <a:schemeClr val="accent1"/>
-          </a:lnRef>
-          <a:fillRef idx="0">
-            <a:schemeClr val="accent1"/>
-          </a:fillRef>
-          <a:effectRef idx="1">
-            <a:schemeClr val="accent1"/>
-          </a:effectRef>
-          <a:fontRef idx="minor">
-            <a:schemeClr val="tx1"/>
-          </a:fontRef>
-        </p:style>
-      </p:cxnSp>
-      <p:cxnSp>
-        <p:nvCxnSpPr>
-          <p:cNvPr id="51" name="Straight Arrow Connector 50"/>
-          <p:cNvCxnSpPr/>
-          <p:nvPr/>
-        </p:nvCxnSpPr>
-        <p:spPr>
-          <a:xfrm>
-            <a:off x="6439209" y="4164308"/>
-            <a:ext cx="0" cy="496284"/>
-          </a:xfrm>
-          <a:prstGeom prst="straightConnector1">
-            <a:avLst/>
-          </a:prstGeom>
-          <a:ln w="28575" cmpd="sng">
-            <a:solidFill>
-              <a:srgbClr val="000000"/>
-            </a:solidFill>
-            <a:tailEnd type="arrow"/>
-          </a:ln>
-          <a:effectLst/>
-        </p:spPr>
-        <p:style>
-          <a:lnRef idx="2">
-            <a:schemeClr val="accent1"/>
-          </a:lnRef>
-          <a:fillRef idx="0">
-            <a:schemeClr val="accent1"/>
-          </a:fillRef>
-          <a:effectRef idx="1">
-            <a:schemeClr val="accent1"/>
-          </a:effectRef>
-          <a:fontRef idx="minor">
-            <a:schemeClr val="tx1"/>
-          </a:fontRef>
-        </p:style>
-      </p:cxnSp>
-      <p:pic>
-        <p:nvPicPr>
-          <p:cNvPr id="52" name="Picture 51" descr="arm.jpeg"/>
-          <p:cNvPicPr>
-            <a:picLocks noChangeAspect="1"/>
-          </p:cNvPicPr>
-          <p:nvPr/>
-        </p:nvPicPr>
-        <p:blipFill>
-          <a:blip r:embed="rId2">
-            <a:extLst>
-              <a:ext uri="{28A0092B-C50C-407E-A947-70E740481C1C}">
-                <a14:useLocalDpi xmlns:a14="http://schemas.microsoft.com/office/drawing/2010/main" val="0"/>
-              </a:ext>
-            </a:extLst>
-          </a:blip>
-          <a:stretch>
-            <a:fillRect/>
-          </a:stretch>
-        </p:blipFill>
-        <p:spPr>
-          <a:xfrm>
-            <a:off x="5881366" y="6226412"/>
-            <a:ext cx="540785" cy="528873"/>
-          </a:xfrm>
-          <a:prstGeom prst="rect">
-            <a:avLst/>
-          </a:prstGeom>
-        </p:spPr>
-      </p:pic>
-      <p:pic>
-        <p:nvPicPr>
-          <p:cNvPr id="53" name="Picture 52" descr="android.png"/>
-          <p:cNvPicPr>
-            <a:picLocks noChangeAspect="1"/>
-          </p:cNvPicPr>
-          <p:nvPr/>
-        </p:nvPicPr>
-        <p:blipFill rotWithShape="1">
-          <a:blip r:embed="rId3">
-            <a:extLst>
-              <a:ext uri="{28A0092B-C50C-407E-A947-70E740481C1C}">
-                <a14:useLocalDpi xmlns:a14="http://schemas.microsoft.com/office/drawing/2010/main" val="0"/>
-              </a:ext>
-            </a:extLst>
-          </a:blip>
-          <a:srcRect l="24819" t="6381" r="26018" b="3265"/>
-          <a:stretch/>
-        </p:blipFill>
-        <p:spPr>
-          <a:xfrm>
-            <a:off x="5945326" y="5792616"/>
-            <a:ext cx="387309" cy="398612"/>
-          </a:xfrm>
-          <a:prstGeom prst="rect">
-            <a:avLst/>
-          </a:prstGeom>
-        </p:spPr>
-      </p:pic>
-      <p:pic>
-        <p:nvPicPr>
-          <p:cNvPr id="55" name="Picture 54" descr="AMD.jpeg"/>
-          <p:cNvPicPr>
-            <a:picLocks noChangeAspect="1"/>
-          </p:cNvPicPr>
-          <p:nvPr/>
-        </p:nvPicPr>
-        <p:blipFill>
-          <a:blip r:embed="rId4">
-            <a:extLst>
-              <a:ext uri="{28A0092B-C50C-407E-A947-70E740481C1C}">
-                <a14:useLocalDpi xmlns:a14="http://schemas.microsoft.com/office/drawing/2010/main" val="0"/>
-              </a:ext>
-            </a:extLst>
-          </a:blip>
-          <a:stretch>
-            <a:fillRect/>
-          </a:stretch>
-        </p:blipFill>
-        <p:spPr>
-          <a:xfrm>
-            <a:off x="5065951" y="6261086"/>
-            <a:ext cx="615857" cy="459524"/>
-          </a:xfrm>
-          <a:prstGeom prst="rect">
-            <a:avLst/>
-          </a:prstGeom>
-        </p:spPr>
-      </p:pic>
-      <p:pic>
-        <p:nvPicPr>
-          <p:cNvPr id="56" name="Picture 55" descr="intel.jpeg"/>
-          <p:cNvPicPr>
-            <a:picLocks noChangeAspect="1"/>
-          </p:cNvPicPr>
-          <p:nvPr/>
-        </p:nvPicPr>
-        <p:blipFill>
-          <a:blip r:embed="rId5">
-            <a:extLst>
-              <a:ext uri="{28A0092B-C50C-407E-A947-70E740481C1C}">
-                <a14:useLocalDpi xmlns:a14="http://schemas.microsoft.com/office/drawing/2010/main" val="0"/>
-              </a:ext>
-            </a:extLst>
-          </a:blip>
-          <a:stretch>
-            <a:fillRect/>
-          </a:stretch>
-        </p:blipFill>
-        <p:spPr>
-          <a:xfrm>
-            <a:off x="6660877" y="6254183"/>
-            <a:ext cx="473330" cy="473330"/>
-          </a:xfrm>
-          <a:prstGeom prst="rect">
-            <a:avLst/>
-          </a:prstGeom>
-        </p:spPr>
-      </p:pic>
-      <p:pic>
-        <p:nvPicPr>
-          <p:cNvPr id="57" name="Picture 56" descr="mac.jpeg"/>
-          <p:cNvPicPr>
-            <a:picLocks noChangeAspect="1"/>
-          </p:cNvPicPr>
-          <p:nvPr/>
-        </p:nvPicPr>
-        <p:blipFill rotWithShape="1">
-          <a:blip r:embed="rId6">
-            <a:extLst>
-              <a:ext uri="{28A0092B-C50C-407E-A947-70E740481C1C}">
-                <a14:useLocalDpi xmlns:a14="http://schemas.microsoft.com/office/drawing/2010/main" val="0"/>
-              </a:ext>
-            </a:extLst>
-          </a:blip>
-          <a:srcRect l="12043" r="18702"/>
-          <a:stretch/>
-        </p:blipFill>
-        <p:spPr>
-          <a:xfrm>
-            <a:off x="7453165" y="5782778"/>
-            <a:ext cx="371616" cy="418289"/>
-          </a:xfrm>
-          <a:prstGeom prst="rect">
-            <a:avLst/>
-          </a:prstGeom>
-        </p:spPr>
-      </p:pic>
-      <p:pic>
-        <p:nvPicPr>
-          <p:cNvPr id="58" name="Picture 57" descr="linux.jpeg"/>
-          <p:cNvPicPr>
-            <a:picLocks noChangeAspect="1"/>
-          </p:cNvPicPr>
-          <p:nvPr/>
-        </p:nvPicPr>
-        <p:blipFill>
-          <a:blip r:embed="rId7">
-            <a:extLst>
-              <a:ext uri="{28A0092B-C50C-407E-A947-70E740481C1C}">
-                <a14:useLocalDpi xmlns:a14="http://schemas.microsoft.com/office/drawing/2010/main" val="0"/>
-              </a:ext>
-            </a:extLst>
-          </a:blip>
-          <a:stretch>
-            <a:fillRect/>
-          </a:stretch>
-        </p:blipFill>
-        <p:spPr>
-          <a:xfrm>
-            <a:off x="4983138" y="5799617"/>
-            <a:ext cx="624992" cy="384611"/>
-          </a:xfrm>
-          <a:prstGeom prst="rect">
-            <a:avLst/>
-          </a:prstGeom>
-        </p:spPr>
-      </p:pic>
-      <p:pic>
-        <p:nvPicPr>
-          <p:cNvPr id="60" name="Picture 59" descr="windows.png"/>
-          <p:cNvPicPr>
-            <a:picLocks noChangeAspect="1"/>
-          </p:cNvPicPr>
-          <p:nvPr/>
-        </p:nvPicPr>
-        <p:blipFill rotWithShape="1">
-          <a:blip r:embed="rId8">
-            <a:extLst>
-              <a:ext uri="{28A0092B-C50C-407E-A947-70E740481C1C}">
-                <a14:useLocalDpi xmlns:a14="http://schemas.microsoft.com/office/drawing/2010/main" val="0"/>
-              </a:ext>
-            </a:extLst>
-          </a:blip>
-          <a:srcRect t="38039" b="32299"/>
-          <a:stretch/>
-        </p:blipFill>
-        <p:spPr>
-          <a:xfrm>
-            <a:off x="6523423" y="5883203"/>
-            <a:ext cx="733055" cy="217438"/>
-          </a:xfrm>
-          <a:prstGeom prst="rect">
-            <a:avLst/>
-          </a:prstGeom>
-        </p:spPr>
-      </p:pic>
-      <p:pic>
-        <p:nvPicPr>
-          <p:cNvPr id="61" name="Picture 60" descr="apple-chips.jpeg"/>
-          <p:cNvPicPr>
-            <a:picLocks noChangeAspect="1"/>
-          </p:cNvPicPr>
-          <p:nvPr/>
-        </p:nvPicPr>
-        <p:blipFill rotWithShape="1">
-          <a:blip r:embed="rId9">
-            <a:extLst>
-              <a:ext uri="{28A0092B-C50C-407E-A947-70E740481C1C}">
-                <a14:useLocalDpi xmlns:a14="http://schemas.microsoft.com/office/drawing/2010/main" val="0"/>
-              </a:ext>
-            </a:extLst>
-          </a:blip>
-          <a:srcRect l="30692" t="12794" r="30892" b="31270"/>
-          <a:stretch/>
-        </p:blipFill>
-        <p:spPr>
-          <a:xfrm>
-            <a:off x="7444557" y="6311990"/>
-            <a:ext cx="380224" cy="357717"/>
-          </a:xfrm>
-          <a:prstGeom prst="rect">
-            <a:avLst/>
-          </a:prstGeom>
-        </p:spPr>
-      </p:pic>
-      <p:pic>
-        <p:nvPicPr>
-          <p:cNvPr id="64" name="Picture 63" descr="Screen Shot 2018-08-10 at 6.39.05 PM.png"/>
-          <p:cNvPicPr>
-            <a:picLocks noChangeAspect="1"/>
-          </p:cNvPicPr>
-          <p:nvPr/>
-        </p:nvPicPr>
-        <p:blipFill rotWithShape="1">
-          <a:blip r:embed="rId10">
-            <a:extLst>
-              <a:ext uri="{28A0092B-C50C-407E-A947-70E740481C1C}">
-                <a14:useLocalDpi xmlns:a14="http://schemas.microsoft.com/office/drawing/2010/main" val="0"/>
-              </a:ext>
-            </a:extLst>
-          </a:blip>
-          <a:srcRect t="9746"/>
-          <a:stretch/>
-        </p:blipFill>
-        <p:spPr>
-          <a:xfrm>
-            <a:off x="7243473" y="4962066"/>
-            <a:ext cx="1842772" cy="382081"/>
-          </a:xfrm>
-          <a:prstGeom prst="rect">
-            <a:avLst/>
-          </a:prstGeom>
-        </p:spPr>
-      </p:pic>
-    </p:spTree>
-    <p:extLst>
-      <p:ext uri="{BB962C8B-B14F-4D97-AF65-F5344CB8AC3E}">
-        <p14:creationId xmlns:p14="http://schemas.microsoft.com/office/powerpoint/2010/main" val="2401698210"/>
       </p:ext>
     </p:extLst>
   </p:cSld>
@@ -10816,6 +6979,6 @@
 
 <file path=docMetadata/LabelInfo.xml><?xml version="1.0" encoding="utf-8"?>
 <clbl:labelList xmlns:clbl="http://schemas.microsoft.com/office/2020/mipLabelMetadata">
-  <clbl:label id="{f13b610e-d3b5-490f-b165-988100e8232a}" enabled="1" method="Standard" siteId="{5a4ba6f9-f531-4f32-9467-398f19e69de4}" contentBits="1" removed="0"/>
+  <clbl:label id="{da48a9ac-7937-4134-8b13-3620bf967764}" enabled="1" method="Privileged" siteId="{5a4ba6f9-f531-4f32-9467-398f19e69de4}" contentBits="0" removed="0"/>
 </clbl:labelList>
 </file>